--- a/PPT/Error Solution PPT/ErrorSolution.pptx
+++ b/PPT/Error Solution PPT/ErrorSolution.pptx
@@ -9,6 +9,7 @@
     <p:sldId id="257" r:id="rId3"/>
     <p:sldId id="258" r:id="rId4"/>
     <p:sldId id="259" r:id="rId5"/>
+    <p:sldId id="260" r:id="rId6"/>
   </p:sldIdLst>
   <p:sldSz cx="12192000" cy="6858000"/>
   <p:notesSz cx="6858000" cy="9144000"/>
@@ -109,7 +110,7 @@
   </p:defaultTextStyle>
   <p:extLst>
     <p:ext uri="{EFAFB233-063F-42B5-8137-9DF3F51BA10A}">
-      <p15:sldGuideLst xmlns:p15="http://schemas.microsoft.com/office/powerpoint/2012/main"/>
+      <p15:sldGuideLst xmlns:p15="http://schemas.microsoft.com/office/powerpoint/2012/main" xmlns=""/>
     </p:ext>
   </p:extLst>
 </p:presentation>
@@ -137,7 +138,7 @@
           <p:cNvPr id="2" name="제목 1">
             <a:extLst>
               <a:ext uri="{FF2B5EF4-FFF2-40B4-BE49-F238E27FC236}">
-                <a16:creationId xmlns:a16="http://schemas.microsoft.com/office/drawing/2014/main" id="{3D1A3AD3-7BCD-49D7-804B-385FA13955DF}"/>
+                <a16:creationId xmlns:a16="http://schemas.microsoft.com/office/drawing/2014/main" xmlns="" id="{3D1A3AD3-7BCD-49D7-804B-385FA13955DF}"/>
               </a:ext>
             </a:extLst>
           </p:cNvPr>
@@ -174,7 +175,7 @@
           <p:cNvPr id="3" name="부제목 2">
             <a:extLst>
               <a:ext uri="{FF2B5EF4-FFF2-40B4-BE49-F238E27FC236}">
-                <a16:creationId xmlns:a16="http://schemas.microsoft.com/office/drawing/2014/main" id="{F5C52B03-FB73-451B-A273-D03BC6F9F42B}"/>
+                <a16:creationId xmlns:a16="http://schemas.microsoft.com/office/drawing/2014/main" xmlns="" id="{F5C52B03-FB73-451B-A273-D03BC6F9F42B}"/>
               </a:ext>
             </a:extLst>
           </p:cNvPr>
@@ -244,7 +245,7 @@
           <p:cNvPr id="4" name="날짜 개체 틀 3">
             <a:extLst>
               <a:ext uri="{FF2B5EF4-FFF2-40B4-BE49-F238E27FC236}">
-                <a16:creationId xmlns:a16="http://schemas.microsoft.com/office/drawing/2014/main" id="{6E3E358A-EC1B-4BD3-B78A-08DB2F125B0B}"/>
+                <a16:creationId xmlns:a16="http://schemas.microsoft.com/office/drawing/2014/main" xmlns="" id="{6E3E358A-EC1B-4BD3-B78A-08DB2F125B0B}"/>
               </a:ext>
             </a:extLst>
           </p:cNvPr>
@@ -262,7 +263,7 @@
           <a:p>
             <a:fld id="{41E50B39-36CB-473D-9E71-EE56FA41E00B}" type="datetimeFigureOut">
               <a:rPr lang="ko-KR" altLang="en-US" smtClean="0"/>
-              <a:t>2019-08-31</a:t>
+              <a:t>2019-09-02</a:t>
             </a:fld>
             <a:endParaRPr lang="ko-KR" altLang="en-US"/>
           </a:p>
@@ -273,7 +274,7 @@
           <p:cNvPr id="5" name="바닥글 개체 틀 4">
             <a:extLst>
               <a:ext uri="{FF2B5EF4-FFF2-40B4-BE49-F238E27FC236}">
-                <a16:creationId xmlns:a16="http://schemas.microsoft.com/office/drawing/2014/main" id="{EF93075B-0CC0-44E8-A08B-86E6BB09F5B9}"/>
+                <a16:creationId xmlns:a16="http://schemas.microsoft.com/office/drawing/2014/main" xmlns="" id="{EF93075B-0CC0-44E8-A08B-86E6BB09F5B9}"/>
               </a:ext>
             </a:extLst>
           </p:cNvPr>
@@ -298,7 +299,7 @@
           <p:cNvPr id="6" name="슬라이드 번호 개체 틀 5">
             <a:extLst>
               <a:ext uri="{FF2B5EF4-FFF2-40B4-BE49-F238E27FC236}">
-                <a16:creationId xmlns:a16="http://schemas.microsoft.com/office/drawing/2014/main" id="{FF3DEFA5-4A1F-40BC-8ED8-BB97F80EF3C7}"/>
+                <a16:creationId xmlns:a16="http://schemas.microsoft.com/office/drawing/2014/main" xmlns="" id="{FF3DEFA5-4A1F-40BC-8ED8-BB97F80EF3C7}"/>
               </a:ext>
             </a:extLst>
           </p:cNvPr>
@@ -357,7 +358,7 @@
           <p:cNvPr id="2" name="제목 1">
             <a:extLst>
               <a:ext uri="{FF2B5EF4-FFF2-40B4-BE49-F238E27FC236}">
-                <a16:creationId xmlns:a16="http://schemas.microsoft.com/office/drawing/2014/main" id="{327E3389-BE89-4312-87F6-BC8B12CE7EFB}"/>
+                <a16:creationId xmlns:a16="http://schemas.microsoft.com/office/drawing/2014/main" xmlns="" id="{327E3389-BE89-4312-87F6-BC8B12CE7EFB}"/>
               </a:ext>
             </a:extLst>
           </p:cNvPr>
@@ -385,7 +386,7 @@
           <p:cNvPr id="3" name="세로 텍스트 개체 틀 2">
             <a:extLst>
               <a:ext uri="{FF2B5EF4-FFF2-40B4-BE49-F238E27FC236}">
-                <a16:creationId xmlns:a16="http://schemas.microsoft.com/office/drawing/2014/main" id="{481BAA17-72BF-406A-8E34-EAD12F848803}"/>
+                <a16:creationId xmlns:a16="http://schemas.microsoft.com/office/drawing/2014/main" xmlns="" id="{481BAA17-72BF-406A-8E34-EAD12F848803}"/>
               </a:ext>
             </a:extLst>
           </p:cNvPr>
@@ -442,7 +443,7 @@
           <p:cNvPr id="4" name="날짜 개체 틀 3">
             <a:extLst>
               <a:ext uri="{FF2B5EF4-FFF2-40B4-BE49-F238E27FC236}">
-                <a16:creationId xmlns:a16="http://schemas.microsoft.com/office/drawing/2014/main" id="{80FD3D17-973F-4FC2-BE47-1E5D6923F2DE}"/>
+                <a16:creationId xmlns:a16="http://schemas.microsoft.com/office/drawing/2014/main" xmlns="" id="{80FD3D17-973F-4FC2-BE47-1E5D6923F2DE}"/>
               </a:ext>
             </a:extLst>
           </p:cNvPr>
@@ -460,7 +461,7 @@
           <a:p>
             <a:fld id="{41E50B39-36CB-473D-9E71-EE56FA41E00B}" type="datetimeFigureOut">
               <a:rPr lang="ko-KR" altLang="en-US" smtClean="0"/>
-              <a:t>2019-08-31</a:t>
+              <a:t>2019-09-02</a:t>
             </a:fld>
             <a:endParaRPr lang="ko-KR" altLang="en-US"/>
           </a:p>
@@ -471,7 +472,7 @@
           <p:cNvPr id="5" name="바닥글 개체 틀 4">
             <a:extLst>
               <a:ext uri="{FF2B5EF4-FFF2-40B4-BE49-F238E27FC236}">
-                <a16:creationId xmlns:a16="http://schemas.microsoft.com/office/drawing/2014/main" id="{79DFE74C-58C4-4C79-A679-C7BC48E39E26}"/>
+                <a16:creationId xmlns:a16="http://schemas.microsoft.com/office/drawing/2014/main" xmlns="" id="{79DFE74C-58C4-4C79-A679-C7BC48E39E26}"/>
               </a:ext>
             </a:extLst>
           </p:cNvPr>
@@ -496,7 +497,7 @@
           <p:cNvPr id="6" name="슬라이드 번호 개체 틀 5">
             <a:extLst>
               <a:ext uri="{FF2B5EF4-FFF2-40B4-BE49-F238E27FC236}">
-                <a16:creationId xmlns:a16="http://schemas.microsoft.com/office/drawing/2014/main" id="{8F224C1E-F0B2-408B-A595-F575328B6426}"/>
+                <a16:creationId xmlns:a16="http://schemas.microsoft.com/office/drawing/2014/main" xmlns="" id="{8F224C1E-F0B2-408B-A595-F575328B6426}"/>
               </a:ext>
             </a:extLst>
           </p:cNvPr>
@@ -555,7 +556,7 @@
           <p:cNvPr id="2" name="세로 제목 1">
             <a:extLst>
               <a:ext uri="{FF2B5EF4-FFF2-40B4-BE49-F238E27FC236}">
-                <a16:creationId xmlns:a16="http://schemas.microsoft.com/office/drawing/2014/main" id="{0B65A72A-06E4-4D3C-9273-85342B48F0C3}"/>
+                <a16:creationId xmlns:a16="http://schemas.microsoft.com/office/drawing/2014/main" xmlns="" id="{0B65A72A-06E4-4D3C-9273-85342B48F0C3}"/>
               </a:ext>
             </a:extLst>
           </p:cNvPr>
@@ -588,7 +589,7 @@
           <p:cNvPr id="3" name="세로 텍스트 개체 틀 2">
             <a:extLst>
               <a:ext uri="{FF2B5EF4-FFF2-40B4-BE49-F238E27FC236}">
-                <a16:creationId xmlns:a16="http://schemas.microsoft.com/office/drawing/2014/main" id="{190F74F9-3FC4-433C-BEB2-1DB05AD0B7A0}"/>
+                <a16:creationId xmlns:a16="http://schemas.microsoft.com/office/drawing/2014/main" xmlns="" id="{190F74F9-3FC4-433C-BEB2-1DB05AD0B7A0}"/>
               </a:ext>
             </a:extLst>
           </p:cNvPr>
@@ -650,7 +651,7 @@
           <p:cNvPr id="4" name="날짜 개체 틀 3">
             <a:extLst>
               <a:ext uri="{FF2B5EF4-FFF2-40B4-BE49-F238E27FC236}">
-                <a16:creationId xmlns:a16="http://schemas.microsoft.com/office/drawing/2014/main" id="{D14A3350-A719-4BC3-B977-2E8ED1057AEB}"/>
+                <a16:creationId xmlns:a16="http://schemas.microsoft.com/office/drawing/2014/main" xmlns="" id="{D14A3350-A719-4BC3-B977-2E8ED1057AEB}"/>
               </a:ext>
             </a:extLst>
           </p:cNvPr>
@@ -668,7 +669,7 @@
           <a:p>
             <a:fld id="{41E50B39-36CB-473D-9E71-EE56FA41E00B}" type="datetimeFigureOut">
               <a:rPr lang="ko-KR" altLang="en-US" smtClean="0"/>
-              <a:t>2019-08-31</a:t>
+              <a:t>2019-09-02</a:t>
             </a:fld>
             <a:endParaRPr lang="ko-KR" altLang="en-US"/>
           </a:p>
@@ -679,7 +680,7 @@
           <p:cNvPr id="5" name="바닥글 개체 틀 4">
             <a:extLst>
               <a:ext uri="{FF2B5EF4-FFF2-40B4-BE49-F238E27FC236}">
-                <a16:creationId xmlns:a16="http://schemas.microsoft.com/office/drawing/2014/main" id="{015641B4-57B0-4921-A2F4-C25A7EE9DB00}"/>
+                <a16:creationId xmlns:a16="http://schemas.microsoft.com/office/drawing/2014/main" xmlns="" id="{015641B4-57B0-4921-A2F4-C25A7EE9DB00}"/>
               </a:ext>
             </a:extLst>
           </p:cNvPr>
@@ -704,7 +705,7 @@
           <p:cNvPr id="6" name="슬라이드 번호 개체 틀 5">
             <a:extLst>
               <a:ext uri="{FF2B5EF4-FFF2-40B4-BE49-F238E27FC236}">
-                <a16:creationId xmlns:a16="http://schemas.microsoft.com/office/drawing/2014/main" id="{8286DF87-29F8-4347-9660-962046A57850}"/>
+                <a16:creationId xmlns:a16="http://schemas.microsoft.com/office/drawing/2014/main" xmlns="" id="{8286DF87-29F8-4347-9660-962046A57850}"/>
               </a:ext>
             </a:extLst>
           </p:cNvPr>
@@ -763,7 +764,7 @@
           <p:cNvPr id="2" name="제목 1">
             <a:extLst>
               <a:ext uri="{FF2B5EF4-FFF2-40B4-BE49-F238E27FC236}">
-                <a16:creationId xmlns:a16="http://schemas.microsoft.com/office/drawing/2014/main" id="{804A95AC-9042-457F-A8E7-AFA2394F7C2D}"/>
+                <a16:creationId xmlns:a16="http://schemas.microsoft.com/office/drawing/2014/main" xmlns="" id="{804A95AC-9042-457F-A8E7-AFA2394F7C2D}"/>
               </a:ext>
             </a:extLst>
           </p:cNvPr>
@@ -791,7 +792,7 @@
           <p:cNvPr id="3" name="내용 개체 틀 2">
             <a:extLst>
               <a:ext uri="{FF2B5EF4-FFF2-40B4-BE49-F238E27FC236}">
-                <a16:creationId xmlns:a16="http://schemas.microsoft.com/office/drawing/2014/main" id="{8033AF79-20C1-49D7-94BB-CAA928415B7B}"/>
+                <a16:creationId xmlns:a16="http://schemas.microsoft.com/office/drawing/2014/main" xmlns="" id="{8033AF79-20C1-49D7-94BB-CAA928415B7B}"/>
               </a:ext>
             </a:extLst>
           </p:cNvPr>
@@ -848,7 +849,7 @@
           <p:cNvPr id="4" name="날짜 개체 틀 3">
             <a:extLst>
               <a:ext uri="{FF2B5EF4-FFF2-40B4-BE49-F238E27FC236}">
-                <a16:creationId xmlns:a16="http://schemas.microsoft.com/office/drawing/2014/main" id="{197F39FD-BB9B-4361-92F1-6D43D964BF55}"/>
+                <a16:creationId xmlns:a16="http://schemas.microsoft.com/office/drawing/2014/main" xmlns="" id="{197F39FD-BB9B-4361-92F1-6D43D964BF55}"/>
               </a:ext>
             </a:extLst>
           </p:cNvPr>
@@ -866,7 +867,7 @@
           <a:p>
             <a:fld id="{41E50B39-36CB-473D-9E71-EE56FA41E00B}" type="datetimeFigureOut">
               <a:rPr lang="ko-KR" altLang="en-US" smtClean="0"/>
-              <a:t>2019-08-31</a:t>
+              <a:t>2019-09-02</a:t>
             </a:fld>
             <a:endParaRPr lang="ko-KR" altLang="en-US"/>
           </a:p>
@@ -877,7 +878,7 @@
           <p:cNvPr id="5" name="바닥글 개체 틀 4">
             <a:extLst>
               <a:ext uri="{FF2B5EF4-FFF2-40B4-BE49-F238E27FC236}">
-                <a16:creationId xmlns:a16="http://schemas.microsoft.com/office/drawing/2014/main" id="{E1D0D12F-F3A4-44D7-AA10-03E5A6A66FC5}"/>
+                <a16:creationId xmlns:a16="http://schemas.microsoft.com/office/drawing/2014/main" xmlns="" id="{E1D0D12F-F3A4-44D7-AA10-03E5A6A66FC5}"/>
               </a:ext>
             </a:extLst>
           </p:cNvPr>
@@ -902,7 +903,7 @@
           <p:cNvPr id="6" name="슬라이드 번호 개체 틀 5">
             <a:extLst>
               <a:ext uri="{FF2B5EF4-FFF2-40B4-BE49-F238E27FC236}">
-                <a16:creationId xmlns:a16="http://schemas.microsoft.com/office/drawing/2014/main" id="{ED955E20-DA8C-423B-A117-95682554FAD7}"/>
+                <a16:creationId xmlns:a16="http://schemas.microsoft.com/office/drawing/2014/main" xmlns="" id="{ED955E20-DA8C-423B-A117-95682554FAD7}"/>
               </a:ext>
             </a:extLst>
           </p:cNvPr>
@@ -961,7 +962,7 @@
           <p:cNvPr id="2" name="제목 1">
             <a:extLst>
               <a:ext uri="{FF2B5EF4-FFF2-40B4-BE49-F238E27FC236}">
-                <a16:creationId xmlns:a16="http://schemas.microsoft.com/office/drawing/2014/main" id="{FB9D22DD-95BF-4275-B4FA-FCBD806B7D93}"/>
+                <a16:creationId xmlns:a16="http://schemas.microsoft.com/office/drawing/2014/main" xmlns="" id="{FB9D22DD-95BF-4275-B4FA-FCBD806B7D93}"/>
               </a:ext>
             </a:extLst>
           </p:cNvPr>
@@ -998,7 +999,7 @@
           <p:cNvPr id="3" name="텍스트 개체 틀 2">
             <a:extLst>
               <a:ext uri="{FF2B5EF4-FFF2-40B4-BE49-F238E27FC236}">
-                <a16:creationId xmlns:a16="http://schemas.microsoft.com/office/drawing/2014/main" id="{66C684A6-99BA-4DB9-AC60-4AFDBA496EF4}"/>
+                <a16:creationId xmlns:a16="http://schemas.microsoft.com/office/drawing/2014/main" xmlns="" id="{66C684A6-99BA-4DB9-AC60-4AFDBA496EF4}"/>
               </a:ext>
             </a:extLst>
           </p:cNvPr>
@@ -1123,7 +1124,7 @@
           <p:cNvPr id="4" name="날짜 개체 틀 3">
             <a:extLst>
               <a:ext uri="{FF2B5EF4-FFF2-40B4-BE49-F238E27FC236}">
-                <a16:creationId xmlns:a16="http://schemas.microsoft.com/office/drawing/2014/main" id="{72D5CC67-7232-4850-9D98-B2094C507518}"/>
+                <a16:creationId xmlns:a16="http://schemas.microsoft.com/office/drawing/2014/main" xmlns="" id="{72D5CC67-7232-4850-9D98-B2094C507518}"/>
               </a:ext>
             </a:extLst>
           </p:cNvPr>
@@ -1141,7 +1142,7 @@
           <a:p>
             <a:fld id="{41E50B39-36CB-473D-9E71-EE56FA41E00B}" type="datetimeFigureOut">
               <a:rPr lang="ko-KR" altLang="en-US" smtClean="0"/>
-              <a:t>2019-08-31</a:t>
+              <a:t>2019-09-02</a:t>
             </a:fld>
             <a:endParaRPr lang="ko-KR" altLang="en-US"/>
           </a:p>
@@ -1152,7 +1153,7 @@
           <p:cNvPr id="5" name="바닥글 개체 틀 4">
             <a:extLst>
               <a:ext uri="{FF2B5EF4-FFF2-40B4-BE49-F238E27FC236}">
-                <a16:creationId xmlns:a16="http://schemas.microsoft.com/office/drawing/2014/main" id="{CEA4DFDE-E0A0-4016-B828-6E13314DF622}"/>
+                <a16:creationId xmlns:a16="http://schemas.microsoft.com/office/drawing/2014/main" xmlns="" id="{CEA4DFDE-E0A0-4016-B828-6E13314DF622}"/>
               </a:ext>
             </a:extLst>
           </p:cNvPr>
@@ -1177,7 +1178,7 @@
           <p:cNvPr id="6" name="슬라이드 번호 개체 틀 5">
             <a:extLst>
               <a:ext uri="{FF2B5EF4-FFF2-40B4-BE49-F238E27FC236}">
-                <a16:creationId xmlns:a16="http://schemas.microsoft.com/office/drawing/2014/main" id="{707B6B3D-0258-49E5-A3FF-AC65F3DF5A30}"/>
+                <a16:creationId xmlns:a16="http://schemas.microsoft.com/office/drawing/2014/main" xmlns="" id="{707B6B3D-0258-49E5-A3FF-AC65F3DF5A30}"/>
               </a:ext>
             </a:extLst>
           </p:cNvPr>
@@ -1236,7 +1237,7 @@
           <p:cNvPr id="2" name="제목 1">
             <a:extLst>
               <a:ext uri="{FF2B5EF4-FFF2-40B4-BE49-F238E27FC236}">
-                <a16:creationId xmlns:a16="http://schemas.microsoft.com/office/drawing/2014/main" id="{4A722FE2-147E-45E4-8409-E0464CE6633E}"/>
+                <a16:creationId xmlns:a16="http://schemas.microsoft.com/office/drawing/2014/main" xmlns="" id="{4A722FE2-147E-45E4-8409-E0464CE6633E}"/>
               </a:ext>
             </a:extLst>
           </p:cNvPr>
@@ -1264,7 +1265,7 @@
           <p:cNvPr id="3" name="내용 개체 틀 2">
             <a:extLst>
               <a:ext uri="{FF2B5EF4-FFF2-40B4-BE49-F238E27FC236}">
-                <a16:creationId xmlns:a16="http://schemas.microsoft.com/office/drawing/2014/main" id="{2E0C6DE7-9D9C-4B42-87E1-455FF16150EB}"/>
+                <a16:creationId xmlns:a16="http://schemas.microsoft.com/office/drawing/2014/main" xmlns="" id="{2E0C6DE7-9D9C-4B42-87E1-455FF16150EB}"/>
               </a:ext>
             </a:extLst>
           </p:cNvPr>
@@ -1326,7 +1327,7 @@
           <p:cNvPr id="4" name="내용 개체 틀 3">
             <a:extLst>
               <a:ext uri="{FF2B5EF4-FFF2-40B4-BE49-F238E27FC236}">
-                <a16:creationId xmlns:a16="http://schemas.microsoft.com/office/drawing/2014/main" id="{C18085FC-288E-40DF-B6CB-D817C99C5162}"/>
+                <a16:creationId xmlns:a16="http://schemas.microsoft.com/office/drawing/2014/main" xmlns="" id="{C18085FC-288E-40DF-B6CB-D817C99C5162}"/>
               </a:ext>
             </a:extLst>
           </p:cNvPr>
@@ -1388,7 +1389,7 @@
           <p:cNvPr id="5" name="날짜 개체 틀 4">
             <a:extLst>
               <a:ext uri="{FF2B5EF4-FFF2-40B4-BE49-F238E27FC236}">
-                <a16:creationId xmlns:a16="http://schemas.microsoft.com/office/drawing/2014/main" id="{4C242424-4B85-4C0C-81DF-E42987001A69}"/>
+                <a16:creationId xmlns:a16="http://schemas.microsoft.com/office/drawing/2014/main" xmlns="" id="{4C242424-4B85-4C0C-81DF-E42987001A69}"/>
               </a:ext>
             </a:extLst>
           </p:cNvPr>
@@ -1406,7 +1407,7 @@
           <a:p>
             <a:fld id="{41E50B39-36CB-473D-9E71-EE56FA41E00B}" type="datetimeFigureOut">
               <a:rPr lang="ko-KR" altLang="en-US" smtClean="0"/>
-              <a:t>2019-08-31</a:t>
+              <a:t>2019-09-02</a:t>
             </a:fld>
             <a:endParaRPr lang="ko-KR" altLang="en-US"/>
           </a:p>
@@ -1417,7 +1418,7 @@
           <p:cNvPr id="6" name="바닥글 개체 틀 5">
             <a:extLst>
               <a:ext uri="{FF2B5EF4-FFF2-40B4-BE49-F238E27FC236}">
-                <a16:creationId xmlns:a16="http://schemas.microsoft.com/office/drawing/2014/main" id="{616EA257-1C4D-49F9-99AF-5F387AFECED2}"/>
+                <a16:creationId xmlns:a16="http://schemas.microsoft.com/office/drawing/2014/main" xmlns="" id="{616EA257-1C4D-49F9-99AF-5F387AFECED2}"/>
               </a:ext>
             </a:extLst>
           </p:cNvPr>
@@ -1442,7 +1443,7 @@
           <p:cNvPr id="7" name="슬라이드 번호 개체 틀 6">
             <a:extLst>
               <a:ext uri="{FF2B5EF4-FFF2-40B4-BE49-F238E27FC236}">
-                <a16:creationId xmlns:a16="http://schemas.microsoft.com/office/drawing/2014/main" id="{917B0E8A-36DD-4BAB-BB16-3ACC651B06DC}"/>
+                <a16:creationId xmlns:a16="http://schemas.microsoft.com/office/drawing/2014/main" xmlns="" id="{917B0E8A-36DD-4BAB-BB16-3ACC651B06DC}"/>
               </a:ext>
             </a:extLst>
           </p:cNvPr>
@@ -1501,7 +1502,7 @@
           <p:cNvPr id="2" name="제목 1">
             <a:extLst>
               <a:ext uri="{FF2B5EF4-FFF2-40B4-BE49-F238E27FC236}">
-                <a16:creationId xmlns:a16="http://schemas.microsoft.com/office/drawing/2014/main" id="{29B43E85-95B6-40EC-8910-111BAC39DE0C}"/>
+                <a16:creationId xmlns:a16="http://schemas.microsoft.com/office/drawing/2014/main" xmlns="" id="{29B43E85-95B6-40EC-8910-111BAC39DE0C}"/>
               </a:ext>
             </a:extLst>
           </p:cNvPr>
@@ -1534,7 +1535,7 @@
           <p:cNvPr id="3" name="텍스트 개체 틀 2">
             <a:extLst>
               <a:ext uri="{FF2B5EF4-FFF2-40B4-BE49-F238E27FC236}">
-                <a16:creationId xmlns:a16="http://schemas.microsoft.com/office/drawing/2014/main" id="{D1A1242D-05EC-4A00-BF24-849128E5E2C6}"/>
+                <a16:creationId xmlns:a16="http://schemas.microsoft.com/office/drawing/2014/main" xmlns="" id="{D1A1242D-05EC-4A00-BF24-849128E5E2C6}"/>
               </a:ext>
             </a:extLst>
           </p:cNvPr>
@@ -1605,7 +1606,7 @@
           <p:cNvPr id="4" name="내용 개체 틀 3">
             <a:extLst>
               <a:ext uri="{FF2B5EF4-FFF2-40B4-BE49-F238E27FC236}">
-                <a16:creationId xmlns:a16="http://schemas.microsoft.com/office/drawing/2014/main" id="{C9809E00-C383-44C4-87CA-E2ED88FE071B}"/>
+                <a16:creationId xmlns:a16="http://schemas.microsoft.com/office/drawing/2014/main" xmlns="" id="{C9809E00-C383-44C4-87CA-E2ED88FE071B}"/>
               </a:ext>
             </a:extLst>
           </p:cNvPr>
@@ -1667,7 +1668,7 @@
           <p:cNvPr id="5" name="텍스트 개체 틀 4">
             <a:extLst>
               <a:ext uri="{FF2B5EF4-FFF2-40B4-BE49-F238E27FC236}">
-                <a16:creationId xmlns:a16="http://schemas.microsoft.com/office/drawing/2014/main" id="{81F39A9B-5F9E-402A-B33D-9DE599D25948}"/>
+                <a16:creationId xmlns:a16="http://schemas.microsoft.com/office/drawing/2014/main" xmlns="" id="{81F39A9B-5F9E-402A-B33D-9DE599D25948}"/>
               </a:ext>
             </a:extLst>
           </p:cNvPr>
@@ -1738,7 +1739,7 @@
           <p:cNvPr id="6" name="내용 개체 틀 5">
             <a:extLst>
               <a:ext uri="{FF2B5EF4-FFF2-40B4-BE49-F238E27FC236}">
-                <a16:creationId xmlns:a16="http://schemas.microsoft.com/office/drawing/2014/main" id="{A0CA64DE-CB87-4E97-A0A5-EA110C43F5E0}"/>
+                <a16:creationId xmlns:a16="http://schemas.microsoft.com/office/drawing/2014/main" xmlns="" id="{A0CA64DE-CB87-4E97-A0A5-EA110C43F5E0}"/>
               </a:ext>
             </a:extLst>
           </p:cNvPr>
@@ -1800,7 +1801,7 @@
           <p:cNvPr id="7" name="날짜 개체 틀 6">
             <a:extLst>
               <a:ext uri="{FF2B5EF4-FFF2-40B4-BE49-F238E27FC236}">
-                <a16:creationId xmlns:a16="http://schemas.microsoft.com/office/drawing/2014/main" id="{03434EDD-7728-4D51-8CA4-3A2543C4189D}"/>
+                <a16:creationId xmlns:a16="http://schemas.microsoft.com/office/drawing/2014/main" xmlns="" id="{03434EDD-7728-4D51-8CA4-3A2543C4189D}"/>
               </a:ext>
             </a:extLst>
           </p:cNvPr>
@@ -1818,7 +1819,7 @@
           <a:p>
             <a:fld id="{41E50B39-36CB-473D-9E71-EE56FA41E00B}" type="datetimeFigureOut">
               <a:rPr lang="ko-KR" altLang="en-US" smtClean="0"/>
-              <a:t>2019-08-31</a:t>
+              <a:t>2019-09-02</a:t>
             </a:fld>
             <a:endParaRPr lang="ko-KR" altLang="en-US"/>
           </a:p>
@@ -1829,7 +1830,7 @@
           <p:cNvPr id="8" name="바닥글 개체 틀 7">
             <a:extLst>
               <a:ext uri="{FF2B5EF4-FFF2-40B4-BE49-F238E27FC236}">
-                <a16:creationId xmlns:a16="http://schemas.microsoft.com/office/drawing/2014/main" id="{9F598D92-2C34-4E6F-8FDA-93EF168C3822}"/>
+                <a16:creationId xmlns:a16="http://schemas.microsoft.com/office/drawing/2014/main" xmlns="" id="{9F598D92-2C34-4E6F-8FDA-93EF168C3822}"/>
               </a:ext>
             </a:extLst>
           </p:cNvPr>
@@ -1854,7 +1855,7 @@
           <p:cNvPr id="9" name="슬라이드 번호 개체 틀 8">
             <a:extLst>
               <a:ext uri="{FF2B5EF4-FFF2-40B4-BE49-F238E27FC236}">
-                <a16:creationId xmlns:a16="http://schemas.microsoft.com/office/drawing/2014/main" id="{17FB2C98-96B9-4ADB-B007-4E34B1F163E3}"/>
+                <a16:creationId xmlns:a16="http://schemas.microsoft.com/office/drawing/2014/main" xmlns="" id="{17FB2C98-96B9-4ADB-B007-4E34B1F163E3}"/>
               </a:ext>
             </a:extLst>
           </p:cNvPr>
@@ -1913,7 +1914,7 @@
           <p:cNvPr id="2" name="제목 1">
             <a:extLst>
               <a:ext uri="{FF2B5EF4-FFF2-40B4-BE49-F238E27FC236}">
-                <a16:creationId xmlns:a16="http://schemas.microsoft.com/office/drawing/2014/main" id="{BD80F177-D57C-4BBA-A886-40AFD7B259CA}"/>
+                <a16:creationId xmlns:a16="http://schemas.microsoft.com/office/drawing/2014/main" xmlns="" id="{BD80F177-D57C-4BBA-A886-40AFD7B259CA}"/>
               </a:ext>
             </a:extLst>
           </p:cNvPr>
@@ -1941,7 +1942,7 @@
           <p:cNvPr id="3" name="날짜 개체 틀 2">
             <a:extLst>
               <a:ext uri="{FF2B5EF4-FFF2-40B4-BE49-F238E27FC236}">
-                <a16:creationId xmlns:a16="http://schemas.microsoft.com/office/drawing/2014/main" id="{D0B1443B-FE49-4488-B876-4DE38B5AF7CE}"/>
+                <a16:creationId xmlns:a16="http://schemas.microsoft.com/office/drawing/2014/main" xmlns="" id="{D0B1443B-FE49-4488-B876-4DE38B5AF7CE}"/>
               </a:ext>
             </a:extLst>
           </p:cNvPr>
@@ -1959,7 +1960,7 @@
           <a:p>
             <a:fld id="{41E50B39-36CB-473D-9E71-EE56FA41E00B}" type="datetimeFigureOut">
               <a:rPr lang="ko-KR" altLang="en-US" smtClean="0"/>
-              <a:t>2019-08-31</a:t>
+              <a:t>2019-09-02</a:t>
             </a:fld>
             <a:endParaRPr lang="ko-KR" altLang="en-US"/>
           </a:p>
@@ -1970,7 +1971,7 @@
           <p:cNvPr id="4" name="바닥글 개체 틀 3">
             <a:extLst>
               <a:ext uri="{FF2B5EF4-FFF2-40B4-BE49-F238E27FC236}">
-                <a16:creationId xmlns:a16="http://schemas.microsoft.com/office/drawing/2014/main" id="{F1F45E66-34D2-49AB-87F1-D58CC88C77C8}"/>
+                <a16:creationId xmlns:a16="http://schemas.microsoft.com/office/drawing/2014/main" xmlns="" id="{F1F45E66-34D2-49AB-87F1-D58CC88C77C8}"/>
               </a:ext>
             </a:extLst>
           </p:cNvPr>
@@ -1995,7 +1996,7 @@
           <p:cNvPr id="5" name="슬라이드 번호 개체 틀 4">
             <a:extLst>
               <a:ext uri="{FF2B5EF4-FFF2-40B4-BE49-F238E27FC236}">
-                <a16:creationId xmlns:a16="http://schemas.microsoft.com/office/drawing/2014/main" id="{C678D6F1-C163-420A-9622-EA603250E282}"/>
+                <a16:creationId xmlns:a16="http://schemas.microsoft.com/office/drawing/2014/main" xmlns="" id="{C678D6F1-C163-420A-9622-EA603250E282}"/>
               </a:ext>
             </a:extLst>
           </p:cNvPr>
@@ -2054,7 +2055,7 @@
           <p:cNvPr id="2" name="날짜 개체 틀 1">
             <a:extLst>
               <a:ext uri="{FF2B5EF4-FFF2-40B4-BE49-F238E27FC236}">
-                <a16:creationId xmlns:a16="http://schemas.microsoft.com/office/drawing/2014/main" id="{92D41D07-4E44-49A3-997E-C161FA8810A6}"/>
+                <a16:creationId xmlns:a16="http://schemas.microsoft.com/office/drawing/2014/main" xmlns="" id="{92D41D07-4E44-49A3-997E-C161FA8810A6}"/>
               </a:ext>
             </a:extLst>
           </p:cNvPr>
@@ -2072,7 +2073,7 @@
           <a:p>
             <a:fld id="{41E50B39-36CB-473D-9E71-EE56FA41E00B}" type="datetimeFigureOut">
               <a:rPr lang="ko-KR" altLang="en-US" smtClean="0"/>
-              <a:t>2019-08-31</a:t>
+              <a:t>2019-09-02</a:t>
             </a:fld>
             <a:endParaRPr lang="ko-KR" altLang="en-US"/>
           </a:p>
@@ -2083,7 +2084,7 @@
           <p:cNvPr id="3" name="바닥글 개체 틀 2">
             <a:extLst>
               <a:ext uri="{FF2B5EF4-FFF2-40B4-BE49-F238E27FC236}">
-                <a16:creationId xmlns:a16="http://schemas.microsoft.com/office/drawing/2014/main" id="{89DDB7C3-C6D8-43A5-A972-262D6BB0C61E}"/>
+                <a16:creationId xmlns:a16="http://schemas.microsoft.com/office/drawing/2014/main" xmlns="" id="{89DDB7C3-C6D8-43A5-A972-262D6BB0C61E}"/>
               </a:ext>
             </a:extLst>
           </p:cNvPr>
@@ -2108,7 +2109,7 @@
           <p:cNvPr id="4" name="슬라이드 번호 개체 틀 3">
             <a:extLst>
               <a:ext uri="{FF2B5EF4-FFF2-40B4-BE49-F238E27FC236}">
-                <a16:creationId xmlns:a16="http://schemas.microsoft.com/office/drawing/2014/main" id="{CDED90EE-D8AB-4290-A809-578B4329ADCC}"/>
+                <a16:creationId xmlns:a16="http://schemas.microsoft.com/office/drawing/2014/main" xmlns="" id="{CDED90EE-D8AB-4290-A809-578B4329ADCC}"/>
               </a:ext>
             </a:extLst>
           </p:cNvPr>
@@ -2167,7 +2168,7 @@
           <p:cNvPr id="2" name="제목 1">
             <a:extLst>
               <a:ext uri="{FF2B5EF4-FFF2-40B4-BE49-F238E27FC236}">
-                <a16:creationId xmlns:a16="http://schemas.microsoft.com/office/drawing/2014/main" id="{3893E68B-476A-475E-B1B2-588779116E66}"/>
+                <a16:creationId xmlns:a16="http://schemas.microsoft.com/office/drawing/2014/main" xmlns="" id="{3893E68B-476A-475E-B1B2-588779116E66}"/>
               </a:ext>
             </a:extLst>
           </p:cNvPr>
@@ -2204,7 +2205,7 @@
           <p:cNvPr id="3" name="내용 개체 틀 2">
             <a:extLst>
               <a:ext uri="{FF2B5EF4-FFF2-40B4-BE49-F238E27FC236}">
-                <a16:creationId xmlns:a16="http://schemas.microsoft.com/office/drawing/2014/main" id="{0D039BA0-9A00-4AC8-865F-3E7FDDFFC1D4}"/>
+                <a16:creationId xmlns:a16="http://schemas.microsoft.com/office/drawing/2014/main" xmlns="" id="{0D039BA0-9A00-4AC8-865F-3E7FDDFFC1D4}"/>
               </a:ext>
             </a:extLst>
           </p:cNvPr>
@@ -2294,7 +2295,7 @@
           <p:cNvPr id="4" name="텍스트 개체 틀 3">
             <a:extLst>
               <a:ext uri="{FF2B5EF4-FFF2-40B4-BE49-F238E27FC236}">
-                <a16:creationId xmlns:a16="http://schemas.microsoft.com/office/drawing/2014/main" id="{F719ED72-BBB9-4F7E-9E14-C4C0FC550D64}"/>
+                <a16:creationId xmlns:a16="http://schemas.microsoft.com/office/drawing/2014/main" xmlns="" id="{F719ED72-BBB9-4F7E-9E14-C4C0FC550D64}"/>
               </a:ext>
             </a:extLst>
           </p:cNvPr>
@@ -2365,7 +2366,7 @@
           <p:cNvPr id="5" name="날짜 개체 틀 4">
             <a:extLst>
               <a:ext uri="{FF2B5EF4-FFF2-40B4-BE49-F238E27FC236}">
-                <a16:creationId xmlns:a16="http://schemas.microsoft.com/office/drawing/2014/main" id="{11E986D2-62B3-4962-A4C5-0F7E5739769B}"/>
+                <a16:creationId xmlns:a16="http://schemas.microsoft.com/office/drawing/2014/main" xmlns="" id="{11E986D2-62B3-4962-A4C5-0F7E5739769B}"/>
               </a:ext>
             </a:extLst>
           </p:cNvPr>
@@ -2383,7 +2384,7 @@
           <a:p>
             <a:fld id="{41E50B39-36CB-473D-9E71-EE56FA41E00B}" type="datetimeFigureOut">
               <a:rPr lang="ko-KR" altLang="en-US" smtClean="0"/>
-              <a:t>2019-08-31</a:t>
+              <a:t>2019-09-02</a:t>
             </a:fld>
             <a:endParaRPr lang="ko-KR" altLang="en-US"/>
           </a:p>
@@ -2394,7 +2395,7 @@
           <p:cNvPr id="6" name="바닥글 개체 틀 5">
             <a:extLst>
               <a:ext uri="{FF2B5EF4-FFF2-40B4-BE49-F238E27FC236}">
-                <a16:creationId xmlns:a16="http://schemas.microsoft.com/office/drawing/2014/main" id="{D63939F4-7103-4849-8638-09DA90E46398}"/>
+                <a16:creationId xmlns:a16="http://schemas.microsoft.com/office/drawing/2014/main" xmlns="" id="{D63939F4-7103-4849-8638-09DA90E46398}"/>
               </a:ext>
             </a:extLst>
           </p:cNvPr>
@@ -2419,7 +2420,7 @@
           <p:cNvPr id="7" name="슬라이드 번호 개체 틀 6">
             <a:extLst>
               <a:ext uri="{FF2B5EF4-FFF2-40B4-BE49-F238E27FC236}">
-                <a16:creationId xmlns:a16="http://schemas.microsoft.com/office/drawing/2014/main" id="{098EC449-CFFD-44D2-B500-26EA77420254}"/>
+                <a16:creationId xmlns:a16="http://schemas.microsoft.com/office/drawing/2014/main" xmlns="" id="{098EC449-CFFD-44D2-B500-26EA77420254}"/>
               </a:ext>
             </a:extLst>
           </p:cNvPr>
@@ -2478,7 +2479,7 @@
           <p:cNvPr id="2" name="제목 1">
             <a:extLst>
               <a:ext uri="{FF2B5EF4-FFF2-40B4-BE49-F238E27FC236}">
-                <a16:creationId xmlns:a16="http://schemas.microsoft.com/office/drawing/2014/main" id="{2C9A1811-9BBE-4ADF-82AC-1D1097F8758E}"/>
+                <a16:creationId xmlns:a16="http://schemas.microsoft.com/office/drawing/2014/main" xmlns="" id="{2C9A1811-9BBE-4ADF-82AC-1D1097F8758E}"/>
               </a:ext>
             </a:extLst>
           </p:cNvPr>
@@ -2515,7 +2516,7 @@
           <p:cNvPr id="3" name="그림 개체 틀 2">
             <a:extLst>
               <a:ext uri="{FF2B5EF4-FFF2-40B4-BE49-F238E27FC236}">
-                <a16:creationId xmlns:a16="http://schemas.microsoft.com/office/drawing/2014/main" id="{ADDEE001-5C76-422B-B4A7-C7C6D37A2698}"/>
+                <a16:creationId xmlns:a16="http://schemas.microsoft.com/office/drawing/2014/main" xmlns="" id="{ADDEE001-5C76-422B-B4A7-C7C6D37A2698}"/>
               </a:ext>
             </a:extLst>
           </p:cNvPr>
@@ -2582,7 +2583,7 @@
           <p:cNvPr id="4" name="텍스트 개체 틀 3">
             <a:extLst>
               <a:ext uri="{FF2B5EF4-FFF2-40B4-BE49-F238E27FC236}">
-                <a16:creationId xmlns:a16="http://schemas.microsoft.com/office/drawing/2014/main" id="{8E44C801-BCAC-4F58-A415-336E3AA59B87}"/>
+                <a16:creationId xmlns:a16="http://schemas.microsoft.com/office/drawing/2014/main" xmlns="" id="{8E44C801-BCAC-4F58-A415-336E3AA59B87}"/>
               </a:ext>
             </a:extLst>
           </p:cNvPr>
@@ -2653,7 +2654,7 @@
           <p:cNvPr id="5" name="날짜 개체 틀 4">
             <a:extLst>
               <a:ext uri="{FF2B5EF4-FFF2-40B4-BE49-F238E27FC236}">
-                <a16:creationId xmlns:a16="http://schemas.microsoft.com/office/drawing/2014/main" id="{C41F8177-4065-4F5A-A8E3-224B22077152}"/>
+                <a16:creationId xmlns:a16="http://schemas.microsoft.com/office/drawing/2014/main" xmlns="" id="{C41F8177-4065-4F5A-A8E3-224B22077152}"/>
               </a:ext>
             </a:extLst>
           </p:cNvPr>
@@ -2671,7 +2672,7 @@
           <a:p>
             <a:fld id="{41E50B39-36CB-473D-9E71-EE56FA41E00B}" type="datetimeFigureOut">
               <a:rPr lang="ko-KR" altLang="en-US" smtClean="0"/>
-              <a:t>2019-08-31</a:t>
+              <a:t>2019-09-02</a:t>
             </a:fld>
             <a:endParaRPr lang="ko-KR" altLang="en-US"/>
           </a:p>
@@ -2682,7 +2683,7 @@
           <p:cNvPr id="6" name="바닥글 개체 틀 5">
             <a:extLst>
               <a:ext uri="{FF2B5EF4-FFF2-40B4-BE49-F238E27FC236}">
-                <a16:creationId xmlns:a16="http://schemas.microsoft.com/office/drawing/2014/main" id="{61DB5452-A605-46FE-B4F4-0BF483A07E90}"/>
+                <a16:creationId xmlns:a16="http://schemas.microsoft.com/office/drawing/2014/main" xmlns="" id="{61DB5452-A605-46FE-B4F4-0BF483A07E90}"/>
               </a:ext>
             </a:extLst>
           </p:cNvPr>
@@ -2707,7 +2708,7 @@
           <p:cNvPr id="7" name="슬라이드 번호 개체 틀 6">
             <a:extLst>
               <a:ext uri="{FF2B5EF4-FFF2-40B4-BE49-F238E27FC236}">
-                <a16:creationId xmlns:a16="http://schemas.microsoft.com/office/drawing/2014/main" id="{33990A57-1FD1-4127-A060-470EA3650AB6}"/>
+                <a16:creationId xmlns:a16="http://schemas.microsoft.com/office/drawing/2014/main" xmlns="" id="{33990A57-1FD1-4127-A060-470EA3650AB6}"/>
               </a:ext>
             </a:extLst>
           </p:cNvPr>
@@ -2771,7 +2772,7 @@
           <p:cNvPr id="2" name="제목 개체 틀 1">
             <a:extLst>
               <a:ext uri="{FF2B5EF4-FFF2-40B4-BE49-F238E27FC236}">
-                <a16:creationId xmlns:a16="http://schemas.microsoft.com/office/drawing/2014/main" id="{033A5AB6-3329-4371-827D-DA0B9548051C}"/>
+                <a16:creationId xmlns:a16="http://schemas.microsoft.com/office/drawing/2014/main" xmlns="" id="{033A5AB6-3329-4371-827D-DA0B9548051C}"/>
               </a:ext>
             </a:extLst>
           </p:cNvPr>
@@ -2809,7 +2810,7 @@
           <p:cNvPr id="3" name="텍스트 개체 틀 2">
             <a:extLst>
               <a:ext uri="{FF2B5EF4-FFF2-40B4-BE49-F238E27FC236}">
-                <a16:creationId xmlns:a16="http://schemas.microsoft.com/office/drawing/2014/main" id="{6687BD0C-A3F6-402B-B325-6332ECDF2CED}"/>
+                <a16:creationId xmlns:a16="http://schemas.microsoft.com/office/drawing/2014/main" xmlns="" id="{6687BD0C-A3F6-402B-B325-6332ECDF2CED}"/>
               </a:ext>
             </a:extLst>
           </p:cNvPr>
@@ -2876,7 +2877,7 @@
           <p:cNvPr id="4" name="날짜 개체 틀 3">
             <a:extLst>
               <a:ext uri="{FF2B5EF4-FFF2-40B4-BE49-F238E27FC236}">
-                <a16:creationId xmlns:a16="http://schemas.microsoft.com/office/drawing/2014/main" id="{A5C55C3D-7ED3-4FCC-804F-FE1E30B2621C}"/>
+                <a16:creationId xmlns:a16="http://schemas.microsoft.com/office/drawing/2014/main" xmlns="" id="{A5C55C3D-7ED3-4FCC-804F-FE1E30B2621C}"/>
               </a:ext>
             </a:extLst>
           </p:cNvPr>
@@ -2912,7 +2913,7 @@
           <a:p>
             <a:fld id="{41E50B39-36CB-473D-9E71-EE56FA41E00B}" type="datetimeFigureOut">
               <a:rPr lang="ko-KR" altLang="en-US" smtClean="0"/>
-              <a:t>2019-08-31</a:t>
+              <a:t>2019-09-02</a:t>
             </a:fld>
             <a:endParaRPr lang="ko-KR" altLang="en-US"/>
           </a:p>
@@ -2923,7 +2924,7 @@
           <p:cNvPr id="5" name="바닥글 개체 틀 4">
             <a:extLst>
               <a:ext uri="{FF2B5EF4-FFF2-40B4-BE49-F238E27FC236}">
-                <a16:creationId xmlns:a16="http://schemas.microsoft.com/office/drawing/2014/main" id="{9D91412F-6252-4BB8-8116-75E2A335B244}"/>
+                <a16:creationId xmlns:a16="http://schemas.microsoft.com/office/drawing/2014/main" xmlns="" id="{9D91412F-6252-4BB8-8116-75E2A335B244}"/>
               </a:ext>
             </a:extLst>
           </p:cNvPr>
@@ -2966,7 +2967,7 @@
           <p:cNvPr id="6" name="슬라이드 번호 개체 틀 5">
             <a:extLst>
               <a:ext uri="{FF2B5EF4-FFF2-40B4-BE49-F238E27FC236}">
-                <a16:creationId xmlns:a16="http://schemas.microsoft.com/office/drawing/2014/main" id="{461127FD-EA7E-4325-A700-686E7B2A457C}"/>
+                <a16:creationId xmlns:a16="http://schemas.microsoft.com/office/drawing/2014/main" xmlns="" id="{461127FD-EA7E-4325-A700-686E7B2A457C}"/>
               </a:ext>
             </a:extLst>
           </p:cNvPr>
@@ -3334,7 +3335,7 @@
           <p:cNvPr id="4" name="직사각형 3">
             <a:extLst>
               <a:ext uri="{FF2B5EF4-FFF2-40B4-BE49-F238E27FC236}">
-                <a16:creationId xmlns:a16="http://schemas.microsoft.com/office/drawing/2014/main" id="{1B2F3058-F52D-4977-9513-34794EA5FC1E}"/>
+                <a16:creationId xmlns:a16="http://schemas.microsoft.com/office/drawing/2014/main" xmlns="" id="{1B2F3058-F52D-4977-9513-34794EA5FC1E}"/>
               </a:ext>
             </a:extLst>
           </p:cNvPr>
@@ -3380,7 +3381,7 @@
           <p:cNvPr id="5" name="TextBox 4">
             <a:extLst>
               <a:ext uri="{FF2B5EF4-FFF2-40B4-BE49-F238E27FC236}">
-                <a16:creationId xmlns:a16="http://schemas.microsoft.com/office/drawing/2014/main" id="{3045B1B7-A108-4882-96BB-0AF82DFD4815}"/>
+                <a16:creationId xmlns:a16="http://schemas.microsoft.com/office/drawing/2014/main" xmlns="" id="{3045B1B7-A108-4882-96BB-0AF82DFD4815}"/>
               </a:ext>
             </a:extLst>
           </p:cNvPr>
@@ -3604,7 +3605,7 @@
           <p:cNvPr id="4" name="직사각형 3">
             <a:extLst>
               <a:ext uri="{FF2B5EF4-FFF2-40B4-BE49-F238E27FC236}">
-                <a16:creationId xmlns:a16="http://schemas.microsoft.com/office/drawing/2014/main" id="{4CF3FFFC-71D6-45DB-90CE-A587BAAE55C2}"/>
+                <a16:creationId xmlns:a16="http://schemas.microsoft.com/office/drawing/2014/main" xmlns="" id="{4CF3FFFC-71D6-45DB-90CE-A587BAAE55C2}"/>
               </a:ext>
             </a:extLst>
           </p:cNvPr>
@@ -3676,7 +3677,7 @@
           <p:cNvPr id="5" name="TextBox 4">
             <a:extLst>
               <a:ext uri="{FF2B5EF4-FFF2-40B4-BE49-F238E27FC236}">
-                <a16:creationId xmlns:a16="http://schemas.microsoft.com/office/drawing/2014/main" id="{C3AC7DC5-8DC9-47B6-8A4E-5D71A06BA3FA}"/>
+                <a16:creationId xmlns:a16="http://schemas.microsoft.com/office/drawing/2014/main" xmlns="" id="{C3AC7DC5-8DC9-47B6-8A4E-5D71A06BA3FA}"/>
               </a:ext>
             </a:extLst>
           </p:cNvPr>
@@ -3720,7 +3721,7 @@
           <p:cNvPr id="7" name="TextBox 6">
             <a:extLst>
               <a:ext uri="{FF2B5EF4-FFF2-40B4-BE49-F238E27FC236}">
-                <a16:creationId xmlns:a16="http://schemas.microsoft.com/office/drawing/2014/main" id="{B6877478-785B-4866-882A-E7552BCAC33E}"/>
+                <a16:creationId xmlns:a16="http://schemas.microsoft.com/office/drawing/2014/main" xmlns="" id="{B6877478-785B-4866-882A-E7552BCAC33E}"/>
               </a:ext>
             </a:extLst>
           </p:cNvPr>
@@ -3868,9 +3869,17 @@
             </a:r>
           </a:p>
           <a:p>
+            <a:r>
+              <a:rPr lang="ko-KR" altLang="en-US" dirty="0"/>
+              <a:t/>
+            </a:r>
             <a:br>
               <a:rPr lang="ko-KR" altLang="en-US" dirty="0"/>
             </a:br>
+            <a:r>
+              <a:rPr lang="ko-KR" altLang="en-US" dirty="0"/>
+              <a:t/>
+            </a:r>
             <a:br>
               <a:rPr lang="ko-KR" altLang="en-US" dirty="0"/>
             </a:br>
@@ -3919,7 +3928,7 @@
           <p:cNvPr id="4" name="TextBox 3">
             <a:extLst>
               <a:ext uri="{FF2B5EF4-FFF2-40B4-BE49-F238E27FC236}">
-                <a16:creationId xmlns:a16="http://schemas.microsoft.com/office/drawing/2014/main" id="{4DA032E8-57E8-4877-864A-6A66C6772E1B}"/>
+                <a16:creationId xmlns:a16="http://schemas.microsoft.com/office/drawing/2014/main" xmlns="" id="{4DA032E8-57E8-4877-864A-6A66C6772E1B}"/>
               </a:ext>
             </a:extLst>
           </p:cNvPr>
@@ -3962,7 +3971,7 @@
           <p:cNvPr id="5" name="TextBox 4">
             <a:extLst>
               <a:ext uri="{FF2B5EF4-FFF2-40B4-BE49-F238E27FC236}">
-                <a16:creationId xmlns:a16="http://schemas.microsoft.com/office/drawing/2014/main" id="{B08CCE5D-13CF-41E4-A19F-B4C908EFD8DD}"/>
+                <a16:creationId xmlns:a16="http://schemas.microsoft.com/office/drawing/2014/main" xmlns="" id="{B08CCE5D-13CF-41E4-A19F-B4C908EFD8DD}"/>
               </a:ext>
             </a:extLst>
           </p:cNvPr>
@@ -4160,7 +4169,7 @@
           <p:cNvPr id="7" name="TextBox 6">
             <a:extLst>
               <a:ext uri="{FF2B5EF4-FFF2-40B4-BE49-F238E27FC236}">
-                <a16:creationId xmlns:a16="http://schemas.microsoft.com/office/drawing/2014/main" id="{AD055F34-ADE9-4125-BCE7-AD98B46DE483}"/>
+                <a16:creationId xmlns:a16="http://schemas.microsoft.com/office/drawing/2014/main" xmlns="" id="{AD055F34-ADE9-4125-BCE7-AD98B46DE483}"/>
               </a:ext>
             </a:extLst>
           </p:cNvPr>
@@ -4234,7 +4243,7 @@
           <p:cNvPr id="5" name="표 4">
             <a:extLst>
               <a:ext uri="{FF2B5EF4-FFF2-40B4-BE49-F238E27FC236}">
-                <a16:creationId xmlns:a16="http://schemas.microsoft.com/office/drawing/2014/main" id="{7297FA94-65D5-4591-96DC-A09C8D375B56}"/>
+                <a16:creationId xmlns:a16="http://schemas.microsoft.com/office/drawing/2014/main" xmlns="" id="{7297FA94-65D5-4591-96DC-A09C8D375B56}"/>
               </a:ext>
             </a:extLst>
           </p:cNvPr>
@@ -4261,7 +4270,7 @@
                 <a:gridCol w="11480800">
                   <a:extLst>
                     <a:ext uri="{9D8B030D-6E8A-4147-A177-3AD203B41FA5}">
-                      <a16:colId xmlns:a16="http://schemas.microsoft.com/office/drawing/2014/main" val="3419752138"/>
+                      <a16:colId xmlns:a16="http://schemas.microsoft.com/office/drawing/2014/main" xmlns="" val="3419752138"/>
                     </a:ext>
                   </a:extLst>
                 </a:gridCol>
@@ -4532,6 +4541,12 @@
                       </a:endParaRPr>
                     </a:p>
                     <a:p>
+                      <a:r>
+                        <a:rPr lang="en-US" sz="4000" b="1" dirty="0">
+                          <a:effectLst/>
+                        </a:rPr>
+                        <a:t/>
+                      </a:r>
                       <a:br>
                         <a:rPr lang="en-US" sz="4000" b="1" dirty="0">
                           <a:effectLst/>
@@ -4586,7 +4601,7 @@
                 </a:tc>
                 <a:extLst>
                   <a:ext uri="{0D108BD9-81ED-4DB2-BD59-A6C34878D82A}">
-                    <a16:rowId xmlns:a16="http://schemas.microsoft.com/office/drawing/2014/main" val="2904178367"/>
+                    <a16:rowId xmlns:a16="http://schemas.microsoft.com/office/drawing/2014/main" xmlns="" val="2904178367"/>
                   </a:ext>
                 </a:extLst>
               </a:tr>
@@ -4599,7 +4614,7 @@
           <p:cNvPr id="6" name="Rectangle 1">
             <a:extLst>
               <a:ext uri="{FF2B5EF4-FFF2-40B4-BE49-F238E27FC236}">
-                <a16:creationId xmlns:a16="http://schemas.microsoft.com/office/drawing/2014/main" id="{04D3C521-BE58-429E-9FD1-EA93719A8D45}"/>
+                <a16:creationId xmlns:a16="http://schemas.microsoft.com/office/drawing/2014/main" xmlns="" id="{04D3C521-BE58-429E-9FD1-EA93719A8D45}"/>
               </a:ext>
             </a:extLst>
           </p:cNvPr>
@@ -4675,6 +4690,19 @@
               <a:buNone/>
               <a:tabLst/>
             </a:pPr>
+            <a:r>
+              <a:rPr kumimoji="0" lang="ko-KR" altLang="ko-KR" sz="1800" b="0" i="0" u="none" strike="noStrike" cap="none" normalizeH="0" baseline="0">
+                <a:ln>
+                  <a:noFill/>
+                </a:ln>
+                <a:solidFill>
+                  <a:schemeClr val="tx1"/>
+                </a:solidFill>
+                <a:effectLst/>
+                <a:latin typeface="Arial" panose="020B0604020202020204" pitchFamily="34" charset="0"/>
+              </a:rPr>
+              <a:t/>
+            </a:r>
             <a:br>
               <a:rPr kumimoji="0" lang="ko-KR" altLang="ko-KR" sz="1800" b="0" i="0" u="none" strike="noStrike" cap="none" normalizeH="0" baseline="0">
                 <a:ln>
@@ -4705,7 +4733,7 @@
           <p:cNvPr id="7" name="TextBox 6">
             <a:extLst>
               <a:ext uri="{FF2B5EF4-FFF2-40B4-BE49-F238E27FC236}">
-                <a16:creationId xmlns:a16="http://schemas.microsoft.com/office/drawing/2014/main" id="{AD90AF65-AC71-49D0-9A7F-568BA461EFD4}"/>
+                <a16:creationId xmlns:a16="http://schemas.microsoft.com/office/drawing/2014/main" xmlns="" id="{AD90AF65-AC71-49D0-9A7F-568BA461EFD4}"/>
               </a:ext>
             </a:extLst>
           </p:cNvPr>
@@ -4880,6 +4908,278 @@
     <p:extLst>
       <p:ext uri="{BB962C8B-B14F-4D97-AF65-F5344CB8AC3E}">
         <p14:creationId xmlns:p14="http://schemas.microsoft.com/office/powerpoint/2010/main" val="728863924"/>
+      </p:ext>
+    </p:extLst>
+  </p:cSld>
+  <p:clrMapOvr>
+    <a:masterClrMapping/>
+  </p:clrMapOvr>
+</p:sld>
+</file>
+
+<file path=ppt/slides/slide5.xml><?xml version="1.0" encoding="utf-8"?>
+<p:sld xmlns:a="http://schemas.openxmlformats.org/drawingml/2006/main" xmlns:r="http://schemas.openxmlformats.org/officeDocument/2006/relationships" xmlns:p="http://schemas.openxmlformats.org/presentationml/2006/main">
+  <p:cSld>
+    <p:spTree>
+      <p:nvGrpSpPr>
+        <p:cNvPr id="1" name=""/>
+        <p:cNvGrpSpPr/>
+        <p:nvPr/>
+      </p:nvGrpSpPr>
+      <p:grpSpPr>
+        <a:xfrm>
+          <a:off x="0" y="0"/>
+          <a:ext cx="0" cy="0"/>
+          <a:chOff x="0" y="0"/>
+          <a:chExt cx="0" cy="0"/>
+        </a:xfrm>
+      </p:grpSpPr>
+      <p:sp>
+        <p:nvSpPr>
+          <p:cNvPr id="4" name="직사각형 3"/>
+          <p:cNvSpPr/>
+          <p:nvPr/>
+        </p:nvSpPr>
+        <p:spPr>
+          <a:xfrm>
+            <a:off x="0" y="505602"/>
+            <a:ext cx="12549809" cy="1138773"/>
+          </a:xfrm>
+          <a:prstGeom prst="rect">
+            <a:avLst/>
+          </a:prstGeom>
+        </p:spPr>
+        <p:txBody>
+          <a:bodyPr wrap="square">
+            <a:spAutoFit/>
+          </a:bodyPr>
+          <a:lstStyle/>
+          <a:p>
+            <a:r>
+              <a:rPr lang="en-US" altLang="ko-KR" sz="3200" b="1" u="sng" dirty="0" err="1">
+                <a:solidFill>
+                  <a:srgbClr val="FF0000"/>
+                </a:solidFill>
+              </a:rPr>
+              <a:t>javax.naming.NameNotFoundException</a:t>
+            </a:r>
+            <a:r>
+              <a:rPr lang="en-US" altLang="ko-KR" sz="3200" b="1" u="sng" dirty="0">
+                <a:solidFill>
+                  <a:srgbClr val="FF0000"/>
+                </a:solidFill>
+              </a:rPr>
+              <a:t>: Name [oracle] is not bound in this Context</a:t>
+            </a:r>
+            <a:r>
+              <a:rPr lang="en-US" altLang="ko-KR" sz="3600" b="1" u="sng" dirty="0">
+                <a:solidFill>
+                  <a:srgbClr val="FF0000"/>
+                </a:solidFill>
+              </a:rPr>
+              <a:t>. Unable to find [oracle].</a:t>
+            </a:r>
+            <a:endParaRPr lang="ko-KR" altLang="en-US" sz="3600" b="1" dirty="0">
+              <a:solidFill>
+                <a:srgbClr val="FF0000"/>
+              </a:solidFill>
+            </a:endParaRPr>
+          </a:p>
+        </p:txBody>
+      </p:sp>
+      <p:sp>
+        <p:nvSpPr>
+          <p:cNvPr id="5" name="TextBox 4">
+            <a:extLst>
+              <a:ext uri="{FF2B5EF4-FFF2-40B4-BE49-F238E27FC236}">
+                <a16:creationId xmlns:a16="http://schemas.microsoft.com/office/drawing/2014/main" xmlns="" id="{AD90AF65-AC71-49D0-9A7F-568BA461EFD4}"/>
+              </a:ext>
+            </a:extLst>
+          </p:cNvPr>
+          <p:cNvSpPr txBox="1"/>
+          <p:nvPr/>
+        </p:nvSpPr>
+        <p:spPr>
+          <a:xfrm>
+            <a:off x="496073" y="4134525"/>
+            <a:ext cx="11165840" cy="1477328"/>
+          </a:xfrm>
+          <a:prstGeom prst="rect">
+            <a:avLst/>
+          </a:prstGeom>
+          <a:noFill/>
+        </p:spPr>
+        <p:txBody>
+          <a:bodyPr wrap="square" rtlCol="0">
+            <a:spAutoFit/>
+          </a:bodyPr>
+          <a:lstStyle/>
+          <a:p>
+            <a:r>
+              <a:rPr lang="ko-KR" altLang="en-US" dirty="0"/>
+              <a:t>증상</a:t>
+            </a:r>
+            <a:r>
+              <a:rPr lang="en-US" altLang="ko-KR" dirty="0"/>
+              <a:t>: </a:t>
+            </a:r>
+            <a:r>
+              <a:rPr lang="en-US" altLang="ko-KR" dirty="0" smtClean="0"/>
+              <a:t>DAO</a:t>
+            </a:r>
+            <a:r>
+              <a:rPr lang="ko-KR" altLang="en-US" dirty="0" smtClean="0"/>
+              <a:t>와 </a:t>
+            </a:r>
+            <a:r>
+              <a:rPr lang="en-US" altLang="ko-KR" dirty="0" err="1" smtClean="0"/>
+              <a:t>jdcp</a:t>
+            </a:r>
+            <a:r>
+              <a:rPr lang="ko-KR" altLang="en-US" dirty="0" smtClean="0"/>
+              <a:t>를 연동하려고 할 때 에러가 생김</a:t>
+            </a:r>
+            <a:r>
+              <a:rPr lang="en-US" altLang="ko-KR" dirty="0" smtClean="0"/>
+              <a:t>.</a:t>
+            </a:r>
+            <a:endParaRPr lang="en-US" altLang="ko-KR" dirty="0"/>
+          </a:p>
+          <a:p>
+            <a:r>
+              <a:rPr lang="ko-KR" altLang="en-US" dirty="0"/>
+              <a:t>원인</a:t>
+            </a:r>
+            <a:r>
+              <a:rPr lang="en-US" altLang="ko-KR" dirty="0" smtClean="0"/>
+              <a:t>: Tomcat</a:t>
+            </a:r>
+            <a:r>
+              <a:rPr lang="ko-KR" altLang="en-US" dirty="0" smtClean="0"/>
+              <a:t>의 </a:t>
+            </a:r>
+            <a:r>
+              <a:rPr lang="en-US" altLang="ko-KR" dirty="0" smtClean="0"/>
+              <a:t>Context.xml</a:t>
+            </a:r>
+            <a:r>
+              <a:rPr lang="ko-KR" altLang="en-US" dirty="0" smtClean="0"/>
+              <a:t>에 </a:t>
+            </a:r>
+            <a:r>
+              <a:rPr lang="en-US" altLang="ko-KR" dirty="0" smtClean="0"/>
+              <a:t>oracle</a:t>
+            </a:r>
+            <a:r>
+              <a:rPr lang="ko-KR" altLang="en-US" dirty="0" smtClean="0"/>
+              <a:t>로 등록했는데</a:t>
+            </a:r>
+            <a:r>
+              <a:rPr lang="ko-KR" altLang="en-US" dirty="0" smtClean="0"/>
+              <a:t> </a:t>
+            </a:r>
+            <a:r>
+              <a:rPr lang="en-US" altLang="ko-KR" dirty="0" smtClean="0"/>
+              <a:t>DAO</a:t>
+            </a:r>
+            <a:r>
+              <a:rPr lang="ko-KR" altLang="en-US" dirty="0" smtClean="0"/>
+              <a:t>의 </a:t>
+            </a:r>
+            <a:r>
+              <a:rPr lang="en-US" altLang="ko-KR" dirty="0" smtClean="0"/>
+              <a:t>context </a:t>
+            </a:r>
+            <a:r>
+              <a:rPr lang="ko-KR" altLang="en-US" dirty="0" smtClean="0"/>
+              <a:t>객체에 넣은 </a:t>
+            </a:r>
+            <a:r>
+              <a:rPr lang="en-US" altLang="ko-KR" dirty="0" smtClean="0"/>
+              <a:t>oracle</a:t>
+            </a:r>
+            <a:r>
+              <a:rPr lang="ko-KR" altLang="en-US" dirty="0" smtClean="0"/>
+              <a:t>이 오타가 나서 </a:t>
+            </a:r>
+            <a:r>
+              <a:rPr lang="en-US" altLang="ko-KR" dirty="0" err="1" smtClean="0"/>
+              <a:t>oracl</a:t>
+            </a:r>
+            <a:r>
+              <a:rPr lang="ko-KR" altLang="en-US" dirty="0" smtClean="0"/>
+              <a:t>이 되어버려 이름을 찾지 못해서 발생</a:t>
+            </a:r>
+            <a:endParaRPr lang="en-US" altLang="ko-KR" dirty="0"/>
+          </a:p>
+          <a:p>
+            <a:endParaRPr lang="en-US" altLang="ko-KR" dirty="0"/>
+          </a:p>
+          <a:p>
+            <a:r>
+              <a:rPr lang="ko-KR" altLang="en-US" dirty="0"/>
+              <a:t>해결</a:t>
+            </a:r>
+            <a:r>
+              <a:rPr lang="en-US" altLang="ko-KR" dirty="0" smtClean="0"/>
+              <a:t>: Context.xml </a:t>
+            </a:r>
+            <a:r>
+              <a:rPr lang="ko-KR" altLang="en-US" dirty="0" smtClean="0"/>
+              <a:t>파일의 </a:t>
+            </a:r>
+            <a:r>
+              <a:rPr lang="en-US" altLang="ko-KR" dirty="0" smtClean="0"/>
+              <a:t>Resource</a:t>
+            </a:r>
+            <a:r>
+              <a:rPr lang="ko-KR" altLang="en-US" dirty="0" smtClean="0"/>
+              <a:t>에 저장했던 </a:t>
+            </a:r>
+            <a:r>
+              <a:rPr lang="en-US" altLang="ko-KR" dirty="0" smtClean="0"/>
+              <a:t>name</a:t>
+            </a:r>
+            <a:r>
+              <a:rPr lang="ko-KR" altLang="en-US" dirty="0" smtClean="0"/>
+              <a:t>을 그대로 </a:t>
+            </a:r>
+            <a:r>
+              <a:rPr lang="en-US" altLang="ko-KR" dirty="0" smtClean="0"/>
+              <a:t>DAO</a:t>
+            </a:r>
+            <a:r>
+              <a:rPr lang="ko-KR" altLang="en-US" dirty="0" smtClean="0"/>
+              <a:t>의 </a:t>
+            </a:r>
+            <a:r>
+              <a:rPr lang="en-US" altLang="ko-KR" dirty="0" smtClean="0"/>
+              <a:t>Context</a:t>
+            </a:r>
+            <a:r>
+              <a:rPr lang="ko-KR" altLang="en-US" dirty="0" smtClean="0"/>
+              <a:t>객체에</a:t>
+            </a:r>
+            <a:r>
+              <a:rPr lang="en-US" altLang="ko-KR" dirty="0"/>
+              <a:t> </a:t>
+            </a:r>
+            <a:r>
+              <a:rPr lang="ko-KR" altLang="en-US" dirty="0" smtClean="0"/>
+              <a:t>똑같이 넣어준다</a:t>
+            </a:r>
+            <a:r>
+              <a:rPr lang="en-US" altLang="ko-KR" dirty="0" smtClean="0"/>
+              <a:t>.</a:t>
+            </a:r>
+            <a:endParaRPr lang="ko-KR" altLang="en-US" dirty="0"/>
+          </a:p>
+        </p:txBody>
+      </p:sp>
+    </p:spTree>
+    <p:extLst>
+      <p:ext uri="{BB962C8B-B14F-4D97-AF65-F5344CB8AC3E}">
+        <p14:creationId xmlns:p14="http://schemas.microsoft.com/office/powerpoint/2010/main" val="3641404285"/>
       </p:ext>
     </p:extLst>
   </p:cSld>
@@ -4932,7 +5232,7 @@
     </a:clrScheme>
     <a:fontScheme name="Office">
       <a:majorFont>
-        <a:latin typeface="맑은 고딕" panose="020F0302020204030204"/>
+        <a:latin typeface="맑은 고딕"/>
         <a:ea typeface=""/>
         <a:cs typeface=""/>
         <a:font script="Jpan" typeface="游ゴシック Light"/>
@@ -4984,7 +5284,7 @@
         <a:font script="Tfng" typeface="Ebrima"/>
       </a:majorFont>
       <a:minorFont>
-        <a:latin typeface="맑은 고딕" panose="020F0502020204030204"/>
+        <a:latin typeface="맑은 고딕"/>
         <a:ea typeface=""/>
         <a:cs typeface=""/>
         <a:font script="Jpan" typeface="游ゴシック"/>
@@ -5178,7 +5478,7 @@
   <a:extraClrSchemeLst/>
   <a:extLst>
     <a:ext uri="{05A4C25C-085E-4340-85A3-A5531E510DB2}">
-      <thm15:themeFamily xmlns:thm15="http://schemas.microsoft.com/office/thememl/2012/main" name="Office Theme" id="{62F939B6-93AF-4DB8-9C6B-D6C7DFDC589F}" vid="{4A3C46E8-61CC-4603-A589-7422A47A8E4A}"/>
+      <thm15:themeFamily xmlns:thm15="http://schemas.microsoft.com/office/thememl/2012/main" xmlns="" name="Office Theme" id="{62F939B6-93AF-4DB8-9C6B-D6C7DFDC589F}" vid="{4A3C46E8-61CC-4603-A589-7422A47A8E4A}"/>
     </a:ext>
   </a:extLst>
 </a:theme>

--- a/PPT/Error Solution PPT/ErrorSolution.pptx
+++ b/PPT/Error Solution PPT/ErrorSolution.pptx
@@ -10,6 +10,7 @@
     <p:sldId id="258" r:id="rId4"/>
     <p:sldId id="259" r:id="rId5"/>
     <p:sldId id="260" r:id="rId6"/>
+    <p:sldId id="261" r:id="rId7"/>
   </p:sldIdLst>
   <p:sldSz cx="12192000" cy="6858000"/>
   <p:notesSz cx="6858000" cy="9144000"/>
@@ -110,7 +111,7 @@
   </p:defaultTextStyle>
   <p:extLst>
     <p:ext uri="{EFAFB233-063F-42B5-8137-9DF3F51BA10A}">
-      <p15:sldGuideLst xmlns:p15="http://schemas.microsoft.com/office/powerpoint/2012/main" xmlns=""/>
+      <p15:sldGuideLst xmlns="" xmlns:p15="http://schemas.microsoft.com/office/powerpoint/2012/main"/>
     </p:ext>
   </p:extLst>
 </p:presentation>
@@ -138,7 +139,7 @@
           <p:cNvPr id="2" name="제목 1">
             <a:extLst>
               <a:ext uri="{FF2B5EF4-FFF2-40B4-BE49-F238E27FC236}">
-                <a16:creationId xmlns:a16="http://schemas.microsoft.com/office/drawing/2014/main" xmlns="" id="{3D1A3AD3-7BCD-49D7-804B-385FA13955DF}"/>
+                <a16:creationId xmlns="" xmlns:a16="http://schemas.microsoft.com/office/drawing/2014/main" id="{3D1A3AD3-7BCD-49D7-804B-385FA13955DF}"/>
               </a:ext>
             </a:extLst>
           </p:cNvPr>
@@ -175,7 +176,7 @@
           <p:cNvPr id="3" name="부제목 2">
             <a:extLst>
               <a:ext uri="{FF2B5EF4-FFF2-40B4-BE49-F238E27FC236}">
-                <a16:creationId xmlns:a16="http://schemas.microsoft.com/office/drawing/2014/main" xmlns="" id="{F5C52B03-FB73-451B-A273-D03BC6F9F42B}"/>
+                <a16:creationId xmlns="" xmlns:a16="http://schemas.microsoft.com/office/drawing/2014/main" id="{F5C52B03-FB73-451B-A273-D03BC6F9F42B}"/>
               </a:ext>
             </a:extLst>
           </p:cNvPr>
@@ -245,7 +246,7 @@
           <p:cNvPr id="4" name="날짜 개체 틀 3">
             <a:extLst>
               <a:ext uri="{FF2B5EF4-FFF2-40B4-BE49-F238E27FC236}">
-                <a16:creationId xmlns:a16="http://schemas.microsoft.com/office/drawing/2014/main" xmlns="" id="{6E3E358A-EC1B-4BD3-B78A-08DB2F125B0B}"/>
+                <a16:creationId xmlns="" xmlns:a16="http://schemas.microsoft.com/office/drawing/2014/main" id="{6E3E358A-EC1B-4BD3-B78A-08DB2F125B0B}"/>
               </a:ext>
             </a:extLst>
           </p:cNvPr>
@@ -263,7 +264,7 @@
           <a:p>
             <a:fld id="{41E50B39-36CB-473D-9E71-EE56FA41E00B}" type="datetimeFigureOut">
               <a:rPr lang="ko-KR" altLang="en-US" smtClean="0"/>
-              <a:t>2019-09-02</a:t>
+              <a:t>2019-09-06</a:t>
             </a:fld>
             <a:endParaRPr lang="ko-KR" altLang="en-US"/>
           </a:p>
@@ -274,7 +275,7 @@
           <p:cNvPr id="5" name="바닥글 개체 틀 4">
             <a:extLst>
               <a:ext uri="{FF2B5EF4-FFF2-40B4-BE49-F238E27FC236}">
-                <a16:creationId xmlns:a16="http://schemas.microsoft.com/office/drawing/2014/main" xmlns="" id="{EF93075B-0CC0-44E8-A08B-86E6BB09F5B9}"/>
+                <a16:creationId xmlns="" xmlns:a16="http://schemas.microsoft.com/office/drawing/2014/main" id="{EF93075B-0CC0-44E8-A08B-86E6BB09F5B9}"/>
               </a:ext>
             </a:extLst>
           </p:cNvPr>
@@ -299,7 +300,7 @@
           <p:cNvPr id="6" name="슬라이드 번호 개체 틀 5">
             <a:extLst>
               <a:ext uri="{FF2B5EF4-FFF2-40B4-BE49-F238E27FC236}">
-                <a16:creationId xmlns:a16="http://schemas.microsoft.com/office/drawing/2014/main" xmlns="" id="{FF3DEFA5-4A1F-40BC-8ED8-BB97F80EF3C7}"/>
+                <a16:creationId xmlns="" xmlns:a16="http://schemas.microsoft.com/office/drawing/2014/main" id="{FF3DEFA5-4A1F-40BC-8ED8-BB97F80EF3C7}"/>
               </a:ext>
             </a:extLst>
           </p:cNvPr>
@@ -358,7 +359,7 @@
           <p:cNvPr id="2" name="제목 1">
             <a:extLst>
               <a:ext uri="{FF2B5EF4-FFF2-40B4-BE49-F238E27FC236}">
-                <a16:creationId xmlns:a16="http://schemas.microsoft.com/office/drawing/2014/main" xmlns="" id="{327E3389-BE89-4312-87F6-BC8B12CE7EFB}"/>
+                <a16:creationId xmlns="" xmlns:a16="http://schemas.microsoft.com/office/drawing/2014/main" id="{327E3389-BE89-4312-87F6-BC8B12CE7EFB}"/>
               </a:ext>
             </a:extLst>
           </p:cNvPr>
@@ -386,7 +387,7 @@
           <p:cNvPr id="3" name="세로 텍스트 개체 틀 2">
             <a:extLst>
               <a:ext uri="{FF2B5EF4-FFF2-40B4-BE49-F238E27FC236}">
-                <a16:creationId xmlns:a16="http://schemas.microsoft.com/office/drawing/2014/main" xmlns="" id="{481BAA17-72BF-406A-8E34-EAD12F848803}"/>
+                <a16:creationId xmlns="" xmlns:a16="http://schemas.microsoft.com/office/drawing/2014/main" id="{481BAA17-72BF-406A-8E34-EAD12F848803}"/>
               </a:ext>
             </a:extLst>
           </p:cNvPr>
@@ -443,7 +444,7 @@
           <p:cNvPr id="4" name="날짜 개체 틀 3">
             <a:extLst>
               <a:ext uri="{FF2B5EF4-FFF2-40B4-BE49-F238E27FC236}">
-                <a16:creationId xmlns:a16="http://schemas.microsoft.com/office/drawing/2014/main" xmlns="" id="{80FD3D17-973F-4FC2-BE47-1E5D6923F2DE}"/>
+                <a16:creationId xmlns="" xmlns:a16="http://schemas.microsoft.com/office/drawing/2014/main" id="{80FD3D17-973F-4FC2-BE47-1E5D6923F2DE}"/>
               </a:ext>
             </a:extLst>
           </p:cNvPr>
@@ -461,7 +462,7 @@
           <a:p>
             <a:fld id="{41E50B39-36CB-473D-9E71-EE56FA41E00B}" type="datetimeFigureOut">
               <a:rPr lang="ko-KR" altLang="en-US" smtClean="0"/>
-              <a:t>2019-09-02</a:t>
+              <a:t>2019-09-06</a:t>
             </a:fld>
             <a:endParaRPr lang="ko-KR" altLang="en-US"/>
           </a:p>
@@ -472,7 +473,7 @@
           <p:cNvPr id="5" name="바닥글 개체 틀 4">
             <a:extLst>
               <a:ext uri="{FF2B5EF4-FFF2-40B4-BE49-F238E27FC236}">
-                <a16:creationId xmlns:a16="http://schemas.microsoft.com/office/drawing/2014/main" xmlns="" id="{79DFE74C-58C4-4C79-A679-C7BC48E39E26}"/>
+                <a16:creationId xmlns="" xmlns:a16="http://schemas.microsoft.com/office/drawing/2014/main" id="{79DFE74C-58C4-4C79-A679-C7BC48E39E26}"/>
               </a:ext>
             </a:extLst>
           </p:cNvPr>
@@ -497,7 +498,7 @@
           <p:cNvPr id="6" name="슬라이드 번호 개체 틀 5">
             <a:extLst>
               <a:ext uri="{FF2B5EF4-FFF2-40B4-BE49-F238E27FC236}">
-                <a16:creationId xmlns:a16="http://schemas.microsoft.com/office/drawing/2014/main" xmlns="" id="{8F224C1E-F0B2-408B-A595-F575328B6426}"/>
+                <a16:creationId xmlns="" xmlns:a16="http://schemas.microsoft.com/office/drawing/2014/main" id="{8F224C1E-F0B2-408B-A595-F575328B6426}"/>
               </a:ext>
             </a:extLst>
           </p:cNvPr>
@@ -556,7 +557,7 @@
           <p:cNvPr id="2" name="세로 제목 1">
             <a:extLst>
               <a:ext uri="{FF2B5EF4-FFF2-40B4-BE49-F238E27FC236}">
-                <a16:creationId xmlns:a16="http://schemas.microsoft.com/office/drawing/2014/main" xmlns="" id="{0B65A72A-06E4-4D3C-9273-85342B48F0C3}"/>
+                <a16:creationId xmlns="" xmlns:a16="http://schemas.microsoft.com/office/drawing/2014/main" id="{0B65A72A-06E4-4D3C-9273-85342B48F0C3}"/>
               </a:ext>
             </a:extLst>
           </p:cNvPr>
@@ -589,7 +590,7 @@
           <p:cNvPr id="3" name="세로 텍스트 개체 틀 2">
             <a:extLst>
               <a:ext uri="{FF2B5EF4-FFF2-40B4-BE49-F238E27FC236}">
-                <a16:creationId xmlns:a16="http://schemas.microsoft.com/office/drawing/2014/main" xmlns="" id="{190F74F9-3FC4-433C-BEB2-1DB05AD0B7A0}"/>
+                <a16:creationId xmlns="" xmlns:a16="http://schemas.microsoft.com/office/drawing/2014/main" id="{190F74F9-3FC4-433C-BEB2-1DB05AD0B7A0}"/>
               </a:ext>
             </a:extLst>
           </p:cNvPr>
@@ -651,7 +652,7 @@
           <p:cNvPr id="4" name="날짜 개체 틀 3">
             <a:extLst>
               <a:ext uri="{FF2B5EF4-FFF2-40B4-BE49-F238E27FC236}">
-                <a16:creationId xmlns:a16="http://schemas.microsoft.com/office/drawing/2014/main" xmlns="" id="{D14A3350-A719-4BC3-B977-2E8ED1057AEB}"/>
+                <a16:creationId xmlns="" xmlns:a16="http://schemas.microsoft.com/office/drawing/2014/main" id="{D14A3350-A719-4BC3-B977-2E8ED1057AEB}"/>
               </a:ext>
             </a:extLst>
           </p:cNvPr>
@@ -669,7 +670,7 @@
           <a:p>
             <a:fld id="{41E50B39-36CB-473D-9E71-EE56FA41E00B}" type="datetimeFigureOut">
               <a:rPr lang="ko-KR" altLang="en-US" smtClean="0"/>
-              <a:t>2019-09-02</a:t>
+              <a:t>2019-09-06</a:t>
             </a:fld>
             <a:endParaRPr lang="ko-KR" altLang="en-US"/>
           </a:p>
@@ -680,7 +681,7 @@
           <p:cNvPr id="5" name="바닥글 개체 틀 4">
             <a:extLst>
               <a:ext uri="{FF2B5EF4-FFF2-40B4-BE49-F238E27FC236}">
-                <a16:creationId xmlns:a16="http://schemas.microsoft.com/office/drawing/2014/main" xmlns="" id="{015641B4-57B0-4921-A2F4-C25A7EE9DB00}"/>
+                <a16:creationId xmlns="" xmlns:a16="http://schemas.microsoft.com/office/drawing/2014/main" id="{015641B4-57B0-4921-A2F4-C25A7EE9DB00}"/>
               </a:ext>
             </a:extLst>
           </p:cNvPr>
@@ -705,7 +706,7 @@
           <p:cNvPr id="6" name="슬라이드 번호 개체 틀 5">
             <a:extLst>
               <a:ext uri="{FF2B5EF4-FFF2-40B4-BE49-F238E27FC236}">
-                <a16:creationId xmlns:a16="http://schemas.microsoft.com/office/drawing/2014/main" xmlns="" id="{8286DF87-29F8-4347-9660-962046A57850}"/>
+                <a16:creationId xmlns="" xmlns:a16="http://schemas.microsoft.com/office/drawing/2014/main" id="{8286DF87-29F8-4347-9660-962046A57850}"/>
               </a:ext>
             </a:extLst>
           </p:cNvPr>
@@ -764,7 +765,7 @@
           <p:cNvPr id="2" name="제목 1">
             <a:extLst>
               <a:ext uri="{FF2B5EF4-FFF2-40B4-BE49-F238E27FC236}">
-                <a16:creationId xmlns:a16="http://schemas.microsoft.com/office/drawing/2014/main" xmlns="" id="{804A95AC-9042-457F-A8E7-AFA2394F7C2D}"/>
+                <a16:creationId xmlns="" xmlns:a16="http://schemas.microsoft.com/office/drawing/2014/main" id="{804A95AC-9042-457F-A8E7-AFA2394F7C2D}"/>
               </a:ext>
             </a:extLst>
           </p:cNvPr>
@@ -792,7 +793,7 @@
           <p:cNvPr id="3" name="내용 개체 틀 2">
             <a:extLst>
               <a:ext uri="{FF2B5EF4-FFF2-40B4-BE49-F238E27FC236}">
-                <a16:creationId xmlns:a16="http://schemas.microsoft.com/office/drawing/2014/main" xmlns="" id="{8033AF79-20C1-49D7-94BB-CAA928415B7B}"/>
+                <a16:creationId xmlns="" xmlns:a16="http://schemas.microsoft.com/office/drawing/2014/main" id="{8033AF79-20C1-49D7-94BB-CAA928415B7B}"/>
               </a:ext>
             </a:extLst>
           </p:cNvPr>
@@ -849,7 +850,7 @@
           <p:cNvPr id="4" name="날짜 개체 틀 3">
             <a:extLst>
               <a:ext uri="{FF2B5EF4-FFF2-40B4-BE49-F238E27FC236}">
-                <a16:creationId xmlns:a16="http://schemas.microsoft.com/office/drawing/2014/main" xmlns="" id="{197F39FD-BB9B-4361-92F1-6D43D964BF55}"/>
+                <a16:creationId xmlns="" xmlns:a16="http://schemas.microsoft.com/office/drawing/2014/main" id="{197F39FD-BB9B-4361-92F1-6D43D964BF55}"/>
               </a:ext>
             </a:extLst>
           </p:cNvPr>
@@ -867,7 +868,7 @@
           <a:p>
             <a:fld id="{41E50B39-36CB-473D-9E71-EE56FA41E00B}" type="datetimeFigureOut">
               <a:rPr lang="ko-KR" altLang="en-US" smtClean="0"/>
-              <a:t>2019-09-02</a:t>
+              <a:t>2019-09-06</a:t>
             </a:fld>
             <a:endParaRPr lang="ko-KR" altLang="en-US"/>
           </a:p>
@@ -878,7 +879,7 @@
           <p:cNvPr id="5" name="바닥글 개체 틀 4">
             <a:extLst>
               <a:ext uri="{FF2B5EF4-FFF2-40B4-BE49-F238E27FC236}">
-                <a16:creationId xmlns:a16="http://schemas.microsoft.com/office/drawing/2014/main" xmlns="" id="{E1D0D12F-F3A4-44D7-AA10-03E5A6A66FC5}"/>
+                <a16:creationId xmlns="" xmlns:a16="http://schemas.microsoft.com/office/drawing/2014/main" id="{E1D0D12F-F3A4-44D7-AA10-03E5A6A66FC5}"/>
               </a:ext>
             </a:extLst>
           </p:cNvPr>
@@ -903,7 +904,7 @@
           <p:cNvPr id="6" name="슬라이드 번호 개체 틀 5">
             <a:extLst>
               <a:ext uri="{FF2B5EF4-FFF2-40B4-BE49-F238E27FC236}">
-                <a16:creationId xmlns:a16="http://schemas.microsoft.com/office/drawing/2014/main" xmlns="" id="{ED955E20-DA8C-423B-A117-95682554FAD7}"/>
+                <a16:creationId xmlns="" xmlns:a16="http://schemas.microsoft.com/office/drawing/2014/main" id="{ED955E20-DA8C-423B-A117-95682554FAD7}"/>
               </a:ext>
             </a:extLst>
           </p:cNvPr>
@@ -962,7 +963,7 @@
           <p:cNvPr id="2" name="제목 1">
             <a:extLst>
               <a:ext uri="{FF2B5EF4-FFF2-40B4-BE49-F238E27FC236}">
-                <a16:creationId xmlns:a16="http://schemas.microsoft.com/office/drawing/2014/main" xmlns="" id="{FB9D22DD-95BF-4275-B4FA-FCBD806B7D93}"/>
+                <a16:creationId xmlns="" xmlns:a16="http://schemas.microsoft.com/office/drawing/2014/main" id="{FB9D22DD-95BF-4275-B4FA-FCBD806B7D93}"/>
               </a:ext>
             </a:extLst>
           </p:cNvPr>
@@ -999,7 +1000,7 @@
           <p:cNvPr id="3" name="텍스트 개체 틀 2">
             <a:extLst>
               <a:ext uri="{FF2B5EF4-FFF2-40B4-BE49-F238E27FC236}">
-                <a16:creationId xmlns:a16="http://schemas.microsoft.com/office/drawing/2014/main" xmlns="" id="{66C684A6-99BA-4DB9-AC60-4AFDBA496EF4}"/>
+                <a16:creationId xmlns="" xmlns:a16="http://schemas.microsoft.com/office/drawing/2014/main" id="{66C684A6-99BA-4DB9-AC60-4AFDBA496EF4}"/>
               </a:ext>
             </a:extLst>
           </p:cNvPr>
@@ -1124,7 +1125,7 @@
           <p:cNvPr id="4" name="날짜 개체 틀 3">
             <a:extLst>
               <a:ext uri="{FF2B5EF4-FFF2-40B4-BE49-F238E27FC236}">
-                <a16:creationId xmlns:a16="http://schemas.microsoft.com/office/drawing/2014/main" xmlns="" id="{72D5CC67-7232-4850-9D98-B2094C507518}"/>
+                <a16:creationId xmlns="" xmlns:a16="http://schemas.microsoft.com/office/drawing/2014/main" id="{72D5CC67-7232-4850-9D98-B2094C507518}"/>
               </a:ext>
             </a:extLst>
           </p:cNvPr>
@@ -1142,7 +1143,7 @@
           <a:p>
             <a:fld id="{41E50B39-36CB-473D-9E71-EE56FA41E00B}" type="datetimeFigureOut">
               <a:rPr lang="ko-KR" altLang="en-US" smtClean="0"/>
-              <a:t>2019-09-02</a:t>
+              <a:t>2019-09-06</a:t>
             </a:fld>
             <a:endParaRPr lang="ko-KR" altLang="en-US"/>
           </a:p>
@@ -1153,7 +1154,7 @@
           <p:cNvPr id="5" name="바닥글 개체 틀 4">
             <a:extLst>
               <a:ext uri="{FF2B5EF4-FFF2-40B4-BE49-F238E27FC236}">
-                <a16:creationId xmlns:a16="http://schemas.microsoft.com/office/drawing/2014/main" xmlns="" id="{CEA4DFDE-E0A0-4016-B828-6E13314DF622}"/>
+                <a16:creationId xmlns="" xmlns:a16="http://schemas.microsoft.com/office/drawing/2014/main" id="{CEA4DFDE-E0A0-4016-B828-6E13314DF622}"/>
               </a:ext>
             </a:extLst>
           </p:cNvPr>
@@ -1178,7 +1179,7 @@
           <p:cNvPr id="6" name="슬라이드 번호 개체 틀 5">
             <a:extLst>
               <a:ext uri="{FF2B5EF4-FFF2-40B4-BE49-F238E27FC236}">
-                <a16:creationId xmlns:a16="http://schemas.microsoft.com/office/drawing/2014/main" xmlns="" id="{707B6B3D-0258-49E5-A3FF-AC65F3DF5A30}"/>
+                <a16:creationId xmlns="" xmlns:a16="http://schemas.microsoft.com/office/drawing/2014/main" id="{707B6B3D-0258-49E5-A3FF-AC65F3DF5A30}"/>
               </a:ext>
             </a:extLst>
           </p:cNvPr>
@@ -1237,7 +1238,7 @@
           <p:cNvPr id="2" name="제목 1">
             <a:extLst>
               <a:ext uri="{FF2B5EF4-FFF2-40B4-BE49-F238E27FC236}">
-                <a16:creationId xmlns:a16="http://schemas.microsoft.com/office/drawing/2014/main" xmlns="" id="{4A722FE2-147E-45E4-8409-E0464CE6633E}"/>
+                <a16:creationId xmlns="" xmlns:a16="http://schemas.microsoft.com/office/drawing/2014/main" id="{4A722FE2-147E-45E4-8409-E0464CE6633E}"/>
               </a:ext>
             </a:extLst>
           </p:cNvPr>
@@ -1265,7 +1266,7 @@
           <p:cNvPr id="3" name="내용 개체 틀 2">
             <a:extLst>
               <a:ext uri="{FF2B5EF4-FFF2-40B4-BE49-F238E27FC236}">
-                <a16:creationId xmlns:a16="http://schemas.microsoft.com/office/drawing/2014/main" xmlns="" id="{2E0C6DE7-9D9C-4B42-87E1-455FF16150EB}"/>
+                <a16:creationId xmlns="" xmlns:a16="http://schemas.microsoft.com/office/drawing/2014/main" id="{2E0C6DE7-9D9C-4B42-87E1-455FF16150EB}"/>
               </a:ext>
             </a:extLst>
           </p:cNvPr>
@@ -1327,7 +1328,7 @@
           <p:cNvPr id="4" name="내용 개체 틀 3">
             <a:extLst>
               <a:ext uri="{FF2B5EF4-FFF2-40B4-BE49-F238E27FC236}">
-                <a16:creationId xmlns:a16="http://schemas.microsoft.com/office/drawing/2014/main" xmlns="" id="{C18085FC-288E-40DF-B6CB-D817C99C5162}"/>
+                <a16:creationId xmlns="" xmlns:a16="http://schemas.microsoft.com/office/drawing/2014/main" id="{C18085FC-288E-40DF-B6CB-D817C99C5162}"/>
               </a:ext>
             </a:extLst>
           </p:cNvPr>
@@ -1389,7 +1390,7 @@
           <p:cNvPr id="5" name="날짜 개체 틀 4">
             <a:extLst>
               <a:ext uri="{FF2B5EF4-FFF2-40B4-BE49-F238E27FC236}">
-                <a16:creationId xmlns:a16="http://schemas.microsoft.com/office/drawing/2014/main" xmlns="" id="{4C242424-4B85-4C0C-81DF-E42987001A69}"/>
+                <a16:creationId xmlns="" xmlns:a16="http://schemas.microsoft.com/office/drawing/2014/main" id="{4C242424-4B85-4C0C-81DF-E42987001A69}"/>
               </a:ext>
             </a:extLst>
           </p:cNvPr>
@@ -1407,7 +1408,7 @@
           <a:p>
             <a:fld id="{41E50B39-36CB-473D-9E71-EE56FA41E00B}" type="datetimeFigureOut">
               <a:rPr lang="ko-KR" altLang="en-US" smtClean="0"/>
-              <a:t>2019-09-02</a:t>
+              <a:t>2019-09-06</a:t>
             </a:fld>
             <a:endParaRPr lang="ko-KR" altLang="en-US"/>
           </a:p>
@@ -1418,7 +1419,7 @@
           <p:cNvPr id="6" name="바닥글 개체 틀 5">
             <a:extLst>
               <a:ext uri="{FF2B5EF4-FFF2-40B4-BE49-F238E27FC236}">
-                <a16:creationId xmlns:a16="http://schemas.microsoft.com/office/drawing/2014/main" xmlns="" id="{616EA257-1C4D-49F9-99AF-5F387AFECED2}"/>
+                <a16:creationId xmlns="" xmlns:a16="http://schemas.microsoft.com/office/drawing/2014/main" id="{616EA257-1C4D-49F9-99AF-5F387AFECED2}"/>
               </a:ext>
             </a:extLst>
           </p:cNvPr>
@@ -1443,7 +1444,7 @@
           <p:cNvPr id="7" name="슬라이드 번호 개체 틀 6">
             <a:extLst>
               <a:ext uri="{FF2B5EF4-FFF2-40B4-BE49-F238E27FC236}">
-                <a16:creationId xmlns:a16="http://schemas.microsoft.com/office/drawing/2014/main" xmlns="" id="{917B0E8A-36DD-4BAB-BB16-3ACC651B06DC}"/>
+                <a16:creationId xmlns="" xmlns:a16="http://schemas.microsoft.com/office/drawing/2014/main" id="{917B0E8A-36DD-4BAB-BB16-3ACC651B06DC}"/>
               </a:ext>
             </a:extLst>
           </p:cNvPr>
@@ -1502,7 +1503,7 @@
           <p:cNvPr id="2" name="제목 1">
             <a:extLst>
               <a:ext uri="{FF2B5EF4-FFF2-40B4-BE49-F238E27FC236}">
-                <a16:creationId xmlns:a16="http://schemas.microsoft.com/office/drawing/2014/main" xmlns="" id="{29B43E85-95B6-40EC-8910-111BAC39DE0C}"/>
+                <a16:creationId xmlns="" xmlns:a16="http://schemas.microsoft.com/office/drawing/2014/main" id="{29B43E85-95B6-40EC-8910-111BAC39DE0C}"/>
               </a:ext>
             </a:extLst>
           </p:cNvPr>
@@ -1535,7 +1536,7 @@
           <p:cNvPr id="3" name="텍스트 개체 틀 2">
             <a:extLst>
               <a:ext uri="{FF2B5EF4-FFF2-40B4-BE49-F238E27FC236}">
-                <a16:creationId xmlns:a16="http://schemas.microsoft.com/office/drawing/2014/main" xmlns="" id="{D1A1242D-05EC-4A00-BF24-849128E5E2C6}"/>
+                <a16:creationId xmlns="" xmlns:a16="http://schemas.microsoft.com/office/drawing/2014/main" id="{D1A1242D-05EC-4A00-BF24-849128E5E2C6}"/>
               </a:ext>
             </a:extLst>
           </p:cNvPr>
@@ -1606,7 +1607,7 @@
           <p:cNvPr id="4" name="내용 개체 틀 3">
             <a:extLst>
               <a:ext uri="{FF2B5EF4-FFF2-40B4-BE49-F238E27FC236}">
-                <a16:creationId xmlns:a16="http://schemas.microsoft.com/office/drawing/2014/main" xmlns="" id="{C9809E00-C383-44C4-87CA-E2ED88FE071B}"/>
+                <a16:creationId xmlns="" xmlns:a16="http://schemas.microsoft.com/office/drawing/2014/main" id="{C9809E00-C383-44C4-87CA-E2ED88FE071B}"/>
               </a:ext>
             </a:extLst>
           </p:cNvPr>
@@ -1668,7 +1669,7 @@
           <p:cNvPr id="5" name="텍스트 개체 틀 4">
             <a:extLst>
               <a:ext uri="{FF2B5EF4-FFF2-40B4-BE49-F238E27FC236}">
-                <a16:creationId xmlns:a16="http://schemas.microsoft.com/office/drawing/2014/main" xmlns="" id="{81F39A9B-5F9E-402A-B33D-9DE599D25948}"/>
+                <a16:creationId xmlns="" xmlns:a16="http://schemas.microsoft.com/office/drawing/2014/main" id="{81F39A9B-5F9E-402A-B33D-9DE599D25948}"/>
               </a:ext>
             </a:extLst>
           </p:cNvPr>
@@ -1739,7 +1740,7 @@
           <p:cNvPr id="6" name="내용 개체 틀 5">
             <a:extLst>
               <a:ext uri="{FF2B5EF4-FFF2-40B4-BE49-F238E27FC236}">
-                <a16:creationId xmlns:a16="http://schemas.microsoft.com/office/drawing/2014/main" xmlns="" id="{A0CA64DE-CB87-4E97-A0A5-EA110C43F5E0}"/>
+                <a16:creationId xmlns="" xmlns:a16="http://schemas.microsoft.com/office/drawing/2014/main" id="{A0CA64DE-CB87-4E97-A0A5-EA110C43F5E0}"/>
               </a:ext>
             </a:extLst>
           </p:cNvPr>
@@ -1801,7 +1802,7 @@
           <p:cNvPr id="7" name="날짜 개체 틀 6">
             <a:extLst>
               <a:ext uri="{FF2B5EF4-FFF2-40B4-BE49-F238E27FC236}">
-                <a16:creationId xmlns:a16="http://schemas.microsoft.com/office/drawing/2014/main" xmlns="" id="{03434EDD-7728-4D51-8CA4-3A2543C4189D}"/>
+                <a16:creationId xmlns="" xmlns:a16="http://schemas.microsoft.com/office/drawing/2014/main" id="{03434EDD-7728-4D51-8CA4-3A2543C4189D}"/>
               </a:ext>
             </a:extLst>
           </p:cNvPr>
@@ -1819,7 +1820,7 @@
           <a:p>
             <a:fld id="{41E50B39-36CB-473D-9E71-EE56FA41E00B}" type="datetimeFigureOut">
               <a:rPr lang="ko-KR" altLang="en-US" smtClean="0"/>
-              <a:t>2019-09-02</a:t>
+              <a:t>2019-09-06</a:t>
             </a:fld>
             <a:endParaRPr lang="ko-KR" altLang="en-US"/>
           </a:p>
@@ -1830,7 +1831,7 @@
           <p:cNvPr id="8" name="바닥글 개체 틀 7">
             <a:extLst>
               <a:ext uri="{FF2B5EF4-FFF2-40B4-BE49-F238E27FC236}">
-                <a16:creationId xmlns:a16="http://schemas.microsoft.com/office/drawing/2014/main" xmlns="" id="{9F598D92-2C34-4E6F-8FDA-93EF168C3822}"/>
+                <a16:creationId xmlns="" xmlns:a16="http://schemas.microsoft.com/office/drawing/2014/main" id="{9F598D92-2C34-4E6F-8FDA-93EF168C3822}"/>
               </a:ext>
             </a:extLst>
           </p:cNvPr>
@@ -1855,7 +1856,7 @@
           <p:cNvPr id="9" name="슬라이드 번호 개체 틀 8">
             <a:extLst>
               <a:ext uri="{FF2B5EF4-FFF2-40B4-BE49-F238E27FC236}">
-                <a16:creationId xmlns:a16="http://schemas.microsoft.com/office/drawing/2014/main" xmlns="" id="{17FB2C98-96B9-4ADB-B007-4E34B1F163E3}"/>
+                <a16:creationId xmlns="" xmlns:a16="http://schemas.microsoft.com/office/drawing/2014/main" id="{17FB2C98-96B9-4ADB-B007-4E34B1F163E3}"/>
               </a:ext>
             </a:extLst>
           </p:cNvPr>
@@ -1914,7 +1915,7 @@
           <p:cNvPr id="2" name="제목 1">
             <a:extLst>
               <a:ext uri="{FF2B5EF4-FFF2-40B4-BE49-F238E27FC236}">
-                <a16:creationId xmlns:a16="http://schemas.microsoft.com/office/drawing/2014/main" xmlns="" id="{BD80F177-D57C-4BBA-A886-40AFD7B259CA}"/>
+                <a16:creationId xmlns="" xmlns:a16="http://schemas.microsoft.com/office/drawing/2014/main" id="{BD80F177-D57C-4BBA-A886-40AFD7B259CA}"/>
               </a:ext>
             </a:extLst>
           </p:cNvPr>
@@ -1942,7 +1943,7 @@
           <p:cNvPr id="3" name="날짜 개체 틀 2">
             <a:extLst>
               <a:ext uri="{FF2B5EF4-FFF2-40B4-BE49-F238E27FC236}">
-                <a16:creationId xmlns:a16="http://schemas.microsoft.com/office/drawing/2014/main" xmlns="" id="{D0B1443B-FE49-4488-B876-4DE38B5AF7CE}"/>
+                <a16:creationId xmlns="" xmlns:a16="http://schemas.microsoft.com/office/drawing/2014/main" id="{D0B1443B-FE49-4488-B876-4DE38B5AF7CE}"/>
               </a:ext>
             </a:extLst>
           </p:cNvPr>
@@ -1960,7 +1961,7 @@
           <a:p>
             <a:fld id="{41E50B39-36CB-473D-9E71-EE56FA41E00B}" type="datetimeFigureOut">
               <a:rPr lang="ko-KR" altLang="en-US" smtClean="0"/>
-              <a:t>2019-09-02</a:t>
+              <a:t>2019-09-06</a:t>
             </a:fld>
             <a:endParaRPr lang="ko-KR" altLang="en-US"/>
           </a:p>
@@ -1971,7 +1972,7 @@
           <p:cNvPr id="4" name="바닥글 개체 틀 3">
             <a:extLst>
               <a:ext uri="{FF2B5EF4-FFF2-40B4-BE49-F238E27FC236}">
-                <a16:creationId xmlns:a16="http://schemas.microsoft.com/office/drawing/2014/main" xmlns="" id="{F1F45E66-34D2-49AB-87F1-D58CC88C77C8}"/>
+                <a16:creationId xmlns="" xmlns:a16="http://schemas.microsoft.com/office/drawing/2014/main" id="{F1F45E66-34D2-49AB-87F1-D58CC88C77C8}"/>
               </a:ext>
             </a:extLst>
           </p:cNvPr>
@@ -1996,7 +1997,7 @@
           <p:cNvPr id="5" name="슬라이드 번호 개체 틀 4">
             <a:extLst>
               <a:ext uri="{FF2B5EF4-FFF2-40B4-BE49-F238E27FC236}">
-                <a16:creationId xmlns:a16="http://schemas.microsoft.com/office/drawing/2014/main" xmlns="" id="{C678D6F1-C163-420A-9622-EA603250E282}"/>
+                <a16:creationId xmlns="" xmlns:a16="http://schemas.microsoft.com/office/drawing/2014/main" id="{C678D6F1-C163-420A-9622-EA603250E282}"/>
               </a:ext>
             </a:extLst>
           </p:cNvPr>
@@ -2055,7 +2056,7 @@
           <p:cNvPr id="2" name="날짜 개체 틀 1">
             <a:extLst>
               <a:ext uri="{FF2B5EF4-FFF2-40B4-BE49-F238E27FC236}">
-                <a16:creationId xmlns:a16="http://schemas.microsoft.com/office/drawing/2014/main" xmlns="" id="{92D41D07-4E44-49A3-997E-C161FA8810A6}"/>
+                <a16:creationId xmlns="" xmlns:a16="http://schemas.microsoft.com/office/drawing/2014/main" id="{92D41D07-4E44-49A3-997E-C161FA8810A6}"/>
               </a:ext>
             </a:extLst>
           </p:cNvPr>
@@ -2073,7 +2074,7 @@
           <a:p>
             <a:fld id="{41E50B39-36CB-473D-9E71-EE56FA41E00B}" type="datetimeFigureOut">
               <a:rPr lang="ko-KR" altLang="en-US" smtClean="0"/>
-              <a:t>2019-09-02</a:t>
+              <a:t>2019-09-06</a:t>
             </a:fld>
             <a:endParaRPr lang="ko-KR" altLang="en-US"/>
           </a:p>
@@ -2084,7 +2085,7 @@
           <p:cNvPr id="3" name="바닥글 개체 틀 2">
             <a:extLst>
               <a:ext uri="{FF2B5EF4-FFF2-40B4-BE49-F238E27FC236}">
-                <a16:creationId xmlns:a16="http://schemas.microsoft.com/office/drawing/2014/main" xmlns="" id="{89DDB7C3-C6D8-43A5-A972-262D6BB0C61E}"/>
+                <a16:creationId xmlns="" xmlns:a16="http://schemas.microsoft.com/office/drawing/2014/main" id="{89DDB7C3-C6D8-43A5-A972-262D6BB0C61E}"/>
               </a:ext>
             </a:extLst>
           </p:cNvPr>
@@ -2109,7 +2110,7 @@
           <p:cNvPr id="4" name="슬라이드 번호 개체 틀 3">
             <a:extLst>
               <a:ext uri="{FF2B5EF4-FFF2-40B4-BE49-F238E27FC236}">
-                <a16:creationId xmlns:a16="http://schemas.microsoft.com/office/drawing/2014/main" xmlns="" id="{CDED90EE-D8AB-4290-A809-578B4329ADCC}"/>
+                <a16:creationId xmlns="" xmlns:a16="http://schemas.microsoft.com/office/drawing/2014/main" id="{CDED90EE-D8AB-4290-A809-578B4329ADCC}"/>
               </a:ext>
             </a:extLst>
           </p:cNvPr>
@@ -2168,7 +2169,7 @@
           <p:cNvPr id="2" name="제목 1">
             <a:extLst>
               <a:ext uri="{FF2B5EF4-FFF2-40B4-BE49-F238E27FC236}">
-                <a16:creationId xmlns:a16="http://schemas.microsoft.com/office/drawing/2014/main" xmlns="" id="{3893E68B-476A-475E-B1B2-588779116E66}"/>
+                <a16:creationId xmlns="" xmlns:a16="http://schemas.microsoft.com/office/drawing/2014/main" id="{3893E68B-476A-475E-B1B2-588779116E66}"/>
               </a:ext>
             </a:extLst>
           </p:cNvPr>
@@ -2205,7 +2206,7 @@
           <p:cNvPr id="3" name="내용 개체 틀 2">
             <a:extLst>
               <a:ext uri="{FF2B5EF4-FFF2-40B4-BE49-F238E27FC236}">
-                <a16:creationId xmlns:a16="http://schemas.microsoft.com/office/drawing/2014/main" xmlns="" id="{0D039BA0-9A00-4AC8-865F-3E7FDDFFC1D4}"/>
+                <a16:creationId xmlns="" xmlns:a16="http://schemas.microsoft.com/office/drawing/2014/main" id="{0D039BA0-9A00-4AC8-865F-3E7FDDFFC1D4}"/>
               </a:ext>
             </a:extLst>
           </p:cNvPr>
@@ -2295,7 +2296,7 @@
           <p:cNvPr id="4" name="텍스트 개체 틀 3">
             <a:extLst>
               <a:ext uri="{FF2B5EF4-FFF2-40B4-BE49-F238E27FC236}">
-                <a16:creationId xmlns:a16="http://schemas.microsoft.com/office/drawing/2014/main" xmlns="" id="{F719ED72-BBB9-4F7E-9E14-C4C0FC550D64}"/>
+                <a16:creationId xmlns="" xmlns:a16="http://schemas.microsoft.com/office/drawing/2014/main" id="{F719ED72-BBB9-4F7E-9E14-C4C0FC550D64}"/>
               </a:ext>
             </a:extLst>
           </p:cNvPr>
@@ -2366,7 +2367,7 @@
           <p:cNvPr id="5" name="날짜 개체 틀 4">
             <a:extLst>
               <a:ext uri="{FF2B5EF4-FFF2-40B4-BE49-F238E27FC236}">
-                <a16:creationId xmlns:a16="http://schemas.microsoft.com/office/drawing/2014/main" xmlns="" id="{11E986D2-62B3-4962-A4C5-0F7E5739769B}"/>
+                <a16:creationId xmlns="" xmlns:a16="http://schemas.microsoft.com/office/drawing/2014/main" id="{11E986D2-62B3-4962-A4C5-0F7E5739769B}"/>
               </a:ext>
             </a:extLst>
           </p:cNvPr>
@@ -2384,7 +2385,7 @@
           <a:p>
             <a:fld id="{41E50B39-36CB-473D-9E71-EE56FA41E00B}" type="datetimeFigureOut">
               <a:rPr lang="ko-KR" altLang="en-US" smtClean="0"/>
-              <a:t>2019-09-02</a:t>
+              <a:t>2019-09-06</a:t>
             </a:fld>
             <a:endParaRPr lang="ko-KR" altLang="en-US"/>
           </a:p>
@@ -2395,7 +2396,7 @@
           <p:cNvPr id="6" name="바닥글 개체 틀 5">
             <a:extLst>
               <a:ext uri="{FF2B5EF4-FFF2-40B4-BE49-F238E27FC236}">
-                <a16:creationId xmlns:a16="http://schemas.microsoft.com/office/drawing/2014/main" xmlns="" id="{D63939F4-7103-4849-8638-09DA90E46398}"/>
+                <a16:creationId xmlns="" xmlns:a16="http://schemas.microsoft.com/office/drawing/2014/main" id="{D63939F4-7103-4849-8638-09DA90E46398}"/>
               </a:ext>
             </a:extLst>
           </p:cNvPr>
@@ -2420,7 +2421,7 @@
           <p:cNvPr id="7" name="슬라이드 번호 개체 틀 6">
             <a:extLst>
               <a:ext uri="{FF2B5EF4-FFF2-40B4-BE49-F238E27FC236}">
-                <a16:creationId xmlns:a16="http://schemas.microsoft.com/office/drawing/2014/main" xmlns="" id="{098EC449-CFFD-44D2-B500-26EA77420254}"/>
+                <a16:creationId xmlns="" xmlns:a16="http://schemas.microsoft.com/office/drawing/2014/main" id="{098EC449-CFFD-44D2-B500-26EA77420254}"/>
               </a:ext>
             </a:extLst>
           </p:cNvPr>
@@ -2479,7 +2480,7 @@
           <p:cNvPr id="2" name="제목 1">
             <a:extLst>
               <a:ext uri="{FF2B5EF4-FFF2-40B4-BE49-F238E27FC236}">
-                <a16:creationId xmlns:a16="http://schemas.microsoft.com/office/drawing/2014/main" xmlns="" id="{2C9A1811-9BBE-4ADF-82AC-1D1097F8758E}"/>
+                <a16:creationId xmlns="" xmlns:a16="http://schemas.microsoft.com/office/drawing/2014/main" id="{2C9A1811-9BBE-4ADF-82AC-1D1097F8758E}"/>
               </a:ext>
             </a:extLst>
           </p:cNvPr>
@@ -2516,7 +2517,7 @@
           <p:cNvPr id="3" name="그림 개체 틀 2">
             <a:extLst>
               <a:ext uri="{FF2B5EF4-FFF2-40B4-BE49-F238E27FC236}">
-                <a16:creationId xmlns:a16="http://schemas.microsoft.com/office/drawing/2014/main" xmlns="" id="{ADDEE001-5C76-422B-B4A7-C7C6D37A2698}"/>
+                <a16:creationId xmlns="" xmlns:a16="http://schemas.microsoft.com/office/drawing/2014/main" id="{ADDEE001-5C76-422B-B4A7-C7C6D37A2698}"/>
               </a:ext>
             </a:extLst>
           </p:cNvPr>
@@ -2583,7 +2584,7 @@
           <p:cNvPr id="4" name="텍스트 개체 틀 3">
             <a:extLst>
               <a:ext uri="{FF2B5EF4-FFF2-40B4-BE49-F238E27FC236}">
-                <a16:creationId xmlns:a16="http://schemas.microsoft.com/office/drawing/2014/main" xmlns="" id="{8E44C801-BCAC-4F58-A415-336E3AA59B87}"/>
+                <a16:creationId xmlns="" xmlns:a16="http://schemas.microsoft.com/office/drawing/2014/main" id="{8E44C801-BCAC-4F58-A415-336E3AA59B87}"/>
               </a:ext>
             </a:extLst>
           </p:cNvPr>
@@ -2654,7 +2655,7 @@
           <p:cNvPr id="5" name="날짜 개체 틀 4">
             <a:extLst>
               <a:ext uri="{FF2B5EF4-FFF2-40B4-BE49-F238E27FC236}">
-                <a16:creationId xmlns:a16="http://schemas.microsoft.com/office/drawing/2014/main" xmlns="" id="{C41F8177-4065-4F5A-A8E3-224B22077152}"/>
+                <a16:creationId xmlns="" xmlns:a16="http://schemas.microsoft.com/office/drawing/2014/main" id="{C41F8177-4065-4F5A-A8E3-224B22077152}"/>
               </a:ext>
             </a:extLst>
           </p:cNvPr>
@@ -2672,7 +2673,7 @@
           <a:p>
             <a:fld id="{41E50B39-36CB-473D-9E71-EE56FA41E00B}" type="datetimeFigureOut">
               <a:rPr lang="ko-KR" altLang="en-US" smtClean="0"/>
-              <a:t>2019-09-02</a:t>
+              <a:t>2019-09-06</a:t>
             </a:fld>
             <a:endParaRPr lang="ko-KR" altLang="en-US"/>
           </a:p>
@@ -2683,7 +2684,7 @@
           <p:cNvPr id="6" name="바닥글 개체 틀 5">
             <a:extLst>
               <a:ext uri="{FF2B5EF4-FFF2-40B4-BE49-F238E27FC236}">
-                <a16:creationId xmlns:a16="http://schemas.microsoft.com/office/drawing/2014/main" xmlns="" id="{61DB5452-A605-46FE-B4F4-0BF483A07E90}"/>
+                <a16:creationId xmlns="" xmlns:a16="http://schemas.microsoft.com/office/drawing/2014/main" id="{61DB5452-A605-46FE-B4F4-0BF483A07E90}"/>
               </a:ext>
             </a:extLst>
           </p:cNvPr>
@@ -2708,7 +2709,7 @@
           <p:cNvPr id="7" name="슬라이드 번호 개체 틀 6">
             <a:extLst>
               <a:ext uri="{FF2B5EF4-FFF2-40B4-BE49-F238E27FC236}">
-                <a16:creationId xmlns:a16="http://schemas.microsoft.com/office/drawing/2014/main" xmlns="" id="{33990A57-1FD1-4127-A060-470EA3650AB6}"/>
+                <a16:creationId xmlns="" xmlns:a16="http://schemas.microsoft.com/office/drawing/2014/main" id="{33990A57-1FD1-4127-A060-470EA3650AB6}"/>
               </a:ext>
             </a:extLst>
           </p:cNvPr>
@@ -2772,7 +2773,7 @@
           <p:cNvPr id="2" name="제목 개체 틀 1">
             <a:extLst>
               <a:ext uri="{FF2B5EF4-FFF2-40B4-BE49-F238E27FC236}">
-                <a16:creationId xmlns:a16="http://schemas.microsoft.com/office/drawing/2014/main" xmlns="" id="{033A5AB6-3329-4371-827D-DA0B9548051C}"/>
+                <a16:creationId xmlns="" xmlns:a16="http://schemas.microsoft.com/office/drawing/2014/main" id="{033A5AB6-3329-4371-827D-DA0B9548051C}"/>
               </a:ext>
             </a:extLst>
           </p:cNvPr>
@@ -2810,7 +2811,7 @@
           <p:cNvPr id="3" name="텍스트 개체 틀 2">
             <a:extLst>
               <a:ext uri="{FF2B5EF4-FFF2-40B4-BE49-F238E27FC236}">
-                <a16:creationId xmlns:a16="http://schemas.microsoft.com/office/drawing/2014/main" xmlns="" id="{6687BD0C-A3F6-402B-B325-6332ECDF2CED}"/>
+                <a16:creationId xmlns="" xmlns:a16="http://schemas.microsoft.com/office/drawing/2014/main" id="{6687BD0C-A3F6-402B-B325-6332ECDF2CED}"/>
               </a:ext>
             </a:extLst>
           </p:cNvPr>
@@ -2877,7 +2878,7 @@
           <p:cNvPr id="4" name="날짜 개체 틀 3">
             <a:extLst>
               <a:ext uri="{FF2B5EF4-FFF2-40B4-BE49-F238E27FC236}">
-                <a16:creationId xmlns:a16="http://schemas.microsoft.com/office/drawing/2014/main" xmlns="" id="{A5C55C3D-7ED3-4FCC-804F-FE1E30B2621C}"/>
+                <a16:creationId xmlns="" xmlns:a16="http://schemas.microsoft.com/office/drawing/2014/main" id="{A5C55C3D-7ED3-4FCC-804F-FE1E30B2621C}"/>
               </a:ext>
             </a:extLst>
           </p:cNvPr>
@@ -2913,7 +2914,7 @@
           <a:p>
             <a:fld id="{41E50B39-36CB-473D-9E71-EE56FA41E00B}" type="datetimeFigureOut">
               <a:rPr lang="ko-KR" altLang="en-US" smtClean="0"/>
-              <a:t>2019-09-02</a:t>
+              <a:t>2019-09-06</a:t>
             </a:fld>
             <a:endParaRPr lang="ko-KR" altLang="en-US"/>
           </a:p>
@@ -2924,7 +2925,7 @@
           <p:cNvPr id="5" name="바닥글 개체 틀 4">
             <a:extLst>
               <a:ext uri="{FF2B5EF4-FFF2-40B4-BE49-F238E27FC236}">
-                <a16:creationId xmlns:a16="http://schemas.microsoft.com/office/drawing/2014/main" xmlns="" id="{9D91412F-6252-4BB8-8116-75E2A335B244}"/>
+                <a16:creationId xmlns="" xmlns:a16="http://schemas.microsoft.com/office/drawing/2014/main" id="{9D91412F-6252-4BB8-8116-75E2A335B244}"/>
               </a:ext>
             </a:extLst>
           </p:cNvPr>
@@ -2967,7 +2968,7 @@
           <p:cNvPr id="6" name="슬라이드 번호 개체 틀 5">
             <a:extLst>
               <a:ext uri="{FF2B5EF4-FFF2-40B4-BE49-F238E27FC236}">
-                <a16:creationId xmlns:a16="http://schemas.microsoft.com/office/drawing/2014/main" xmlns="" id="{461127FD-EA7E-4325-A700-686E7B2A457C}"/>
+                <a16:creationId xmlns="" xmlns:a16="http://schemas.microsoft.com/office/drawing/2014/main" id="{461127FD-EA7E-4325-A700-686E7B2A457C}"/>
               </a:ext>
             </a:extLst>
           </p:cNvPr>
@@ -3335,7 +3336,7 @@
           <p:cNvPr id="4" name="직사각형 3">
             <a:extLst>
               <a:ext uri="{FF2B5EF4-FFF2-40B4-BE49-F238E27FC236}">
-                <a16:creationId xmlns:a16="http://schemas.microsoft.com/office/drawing/2014/main" xmlns="" id="{1B2F3058-F52D-4977-9513-34794EA5FC1E}"/>
+                <a16:creationId xmlns="" xmlns:a16="http://schemas.microsoft.com/office/drawing/2014/main" id="{1B2F3058-F52D-4977-9513-34794EA5FC1E}"/>
               </a:ext>
             </a:extLst>
           </p:cNvPr>
@@ -3381,7 +3382,7 @@
           <p:cNvPr id="5" name="TextBox 4">
             <a:extLst>
               <a:ext uri="{FF2B5EF4-FFF2-40B4-BE49-F238E27FC236}">
-                <a16:creationId xmlns:a16="http://schemas.microsoft.com/office/drawing/2014/main" xmlns="" id="{3045B1B7-A108-4882-96BB-0AF82DFD4815}"/>
+                <a16:creationId xmlns="" xmlns:a16="http://schemas.microsoft.com/office/drawing/2014/main" id="{3045B1B7-A108-4882-96BB-0AF82DFD4815}"/>
               </a:ext>
             </a:extLst>
           </p:cNvPr>
@@ -3605,7 +3606,7 @@
           <p:cNvPr id="4" name="직사각형 3">
             <a:extLst>
               <a:ext uri="{FF2B5EF4-FFF2-40B4-BE49-F238E27FC236}">
-                <a16:creationId xmlns:a16="http://schemas.microsoft.com/office/drawing/2014/main" xmlns="" id="{4CF3FFFC-71D6-45DB-90CE-A587BAAE55C2}"/>
+                <a16:creationId xmlns="" xmlns:a16="http://schemas.microsoft.com/office/drawing/2014/main" id="{4CF3FFFC-71D6-45DB-90CE-A587BAAE55C2}"/>
               </a:ext>
             </a:extLst>
           </p:cNvPr>
@@ -3677,7 +3678,7 @@
           <p:cNvPr id="5" name="TextBox 4">
             <a:extLst>
               <a:ext uri="{FF2B5EF4-FFF2-40B4-BE49-F238E27FC236}">
-                <a16:creationId xmlns:a16="http://schemas.microsoft.com/office/drawing/2014/main" xmlns="" id="{C3AC7DC5-8DC9-47B6-8A4E-5D71A06BA3FA}"/>
+                <a16:creationId xmlns="" xmlns:a16="http://schemas.microsoft.com/office/drawing/2014/main" id="{C3AC7DC5-8DC9-47B6-8A4E-5D71A06BA3FA}"/>
               </a:ext>
             </a:extLst>
           </p:cNvPr>
@@ -3721,7 +3722,7 @@
           <p:cNvPr id="7" name="TextBox 6">
             <a:extLst>
               <a:ext uri="{FF2B5EF4-FFF2-40B4-BE49-F238E27FC236}">
-                <a16:creationId xmlns:a16="http://schemas.microsoft.com/office/drawing/2014/main" xmlns="" id="{B6877478-785B-4866-882A-E7552BCAC33E}"/>
+                <a16:creationId xmlns="" xmlns:a16="http://schemas.microsoft.com/office/drawing/2014/main" id="{B6877478-785B-4866-882A-E7552BCAC33E}"/>
               </a:ext>
             </a:extLst>
           </p:cNvPr>
@@ -3928,7 +3929,7 @@
           <p:cNvPr id="4" name="TextBox 3">
             <a:extLst>
               <a:ext uri="{FF2B5EF4-FFF2-40B4-BE49-F238E27FC236}">
-                <a16:creationId xmlns:a16="http://schemas.microsoft.com/office/drawing/2014/main" xmlns="" id="{4DA032E8-57E8-4877-864A-6A66C6772E1B}"/>
+                <a16:creationId xmlns="" xmlns:a16="http://schemas.microsoft.com/office/drawing/2014/main" id="{4DA032E8-57E8-4877-864A-6A66C6772E1B}"/>
               </a:ext>
             </a:extLst>
           </p:cNvPr>
@@ -3971,7 +3972,7 @@
           <p:cNvPr id="5" name="TextBox 4">
             <a:extLst>
               <a:ext uri="{FF2B5EF4-FFF2-40B4-BE49-F238E27FC236}">
-                <a16:creationId xmlns:a16="http://schemas.microsoft.com/office/drawing/2014/main" xmlns="" id="{B08CCE5D-13CF-41E4-A19F-B4C908EFD8DD}"/>
+                <a16:creationId xmlns="" xmlns:a16="http://schemas.microsoft.com/office/drawing/2014/main" id="{B08CCE5D-13CF-41E4-A19F-B4C908EFD8DD}"/>
               </a:ext>
             </a:extLst>
           </p:cNvPr>
@@ -4169,7 +4170,7 @@
           <p:cNvPr id="7" name="TextBox 6">
             <a:extLst>
               <a:ext uri="{FF2B5EF4-FFF2-40B4-BE49-F238E27FC236}">
-                <a16:creationId xmlns:a16="http://schemas.microsoft.com/office/drawing/2014/main" xmlns="" id="{AD055F34-ADE9-4125-BCE7-AD98B46DE483}"/>
+                <a16:creationId xmlns="" xmlns:a16="http://schemas.microsoft.com/office/drawing/2014/main" id="{AD055F34-ADE9-4125-BCE7-AD98B46DE483}"/>
               </a:ext>
             </a:extLst>
           </p:cNvPr>
@@ -4243,7 +4244,7 @@
           <p:cNvPr id="5" name="표 4">
             <a:extLst>
               <a:ext uri="{FF2B5EF4-FFF2-40B4-BE49-F238E27FC236}">
-                <a16:creationId xmlns:a16="http://schemas.microsoft.com/office/drawing/2014/main" xmlns="" id="{7297FA94-65D5-4591-96DC-A09C8D375B56}"/>
+                <a16:creationId xmlns="" xmlns:a16="http://schemas.microsoft.com/office/drawing/2014/main" id="{7297FA94-65D5-4591-96DC-A09C8D375B56}"/>
               </a:ext>
             </a:extLst>
           </p:cNvPr>
@@ -4270,7 +4271,7 @@
                 <a:gridCol w="11480800">
                   <a:extLst>
                     <a:ext uri="{9D8B030D-6E8A-4147-A177-3AD203B41FA5}">
-                      <a16:colId xmlns:a16="http://schemas.microsoft.com/office/drawing/2014/main" xmlns="" val="3419752138"/>
+                      <a16:colId xmlns="" xmlns:a16="http://schemas.microsoft.com/office/drawing/2014/main" val="3419752138"/>
                     </a:ext>
                   </a:extLst>
                 </a:gridCol>
@@ -4601,7 +4602,7 @@
                 </a:tc>
                 <a:extLst>
                   <a:ext uri="{0D108BD9-81ED-4DB2-BD59-A6C34878D82A}">
-                    <a16:rowId xmlns:a16="http://schemas.microsoft.com/office/drawing/2014/main" xmlns="" val="2904178367"/>
+                    <a16:rowId xmlns="" xmlns:a16="http://schemas.microsoft.com/office/drawing/2014/main" val="2904178367"/>
                   </a:ext>
                 </a:extLst>
               </a:tr>
@@ -4614,7 +4615,7 @@
           <p:cNvPr id="6" name="Rectangle 1">
             <a:extLst>
               <a:ext uri="{FF2B5EF4-FFF2-40B4-BE49-F238E27FC236}">
-                <a16:creationId xmlns:a16="http://schemas.microsoft.com/office/drawing/2014/main" xmlns="" id="{04D3C521-BE58-429E-9FD1-EA93719A8D45}"/>
+                <a16:creationId xmlns="" xmlns:a16="http://schemas.microsoft.com/office/drawing/2014/main" id="{04D3C521-BE58-429E-9FD1-EA93719A8D45}"/>
               </a:ext>
             </a:extLst>
           </p:cNvPr>
@@ -4733,7 +4734,7 @@
           <p:cNvPr id="7" name="TextBox 6">
             <a:extLst>
               <a:ext uri="{FF2B5EF4-FFF2-40B4-BE49-F238E27FC236}">
-                <a16:creationId xmlns:a16="http://schemas.microsoft.com/office/drawing/2014/main" xmlns="" id="{AD90AF65-AC71-49D0-9A7F-568BA461EFD4}"/>
+                <a16:creationId xmlns="" xmlns:a16="http://schemas.microsoft.com/office/drawing/2014/main" id="{AD90AF65-AC71-49D0-9A7F-568BA461EFD4}"/>
               </a:ext>
             </a:extLst>
           </p:cNvPr>
@@ -4992,7 +4993,7 @@
           <p:cNvPr id="5" name="TextBox 4">
             <a:extLst>
               <a:ext uri="{FF2B5EF4-FFF2-40B4-BE49-F238E27FC236}">
-                <a16:creationId xmlns:a16="http://schemas.microsoft.com/office/drawing/2014/main" xmlns="" id="{AD90AF65-AC71-49D0-9A7F-568BA461EFD4}"/>
+                <a16:creationId xmlns="" xmlns:a16="http://schemas.microsoft.com/office/drawing/2014/main" id="{AD90AF65-AC71-49D0-9A7F-568BA461EFD4}"/>
               </a:ext>
             </a:extLst>
           </p:cNvPr>
@@ -5072,11 +5073,7 @@
             </a:r>
             <a:r>
               <a:rPr lang="ko-KR" altLang="en-US" dirty="0" smtClean="0"/>
-              <a:t>로 등록했는데</a:t>
-            </a:r>
-            <a:r>
-              <a:rPr lang="ko-KR" altLang="en-US" dirty="0" smtClean="0"/>
-              <a:t> </a:t>
+              <a:t>로 등록했는데 </a:t>
             </a:r>
             <a:r>
               <a:rPr lang="en-US" altLang="ko-KR" dirty="0" smtClean="0"/>
@@ -5180,6 +5177,225 @@
     <p:extLst>
       <p:ext uri="{BB962C8B-B14F-4D97-AF65-F5344CB8AC3E}">
         <p14:creationId xmlns:p14="http://schemas.microsoft.com/office/powerpoint/2010/main" val="3641404285"/>
+      </p:ext>
+    </p:extLst>
+  </p:cSld>
+  <p:clrMapOvr>
+    <a:masterClrMapping/>
+  </p:clrMapOvr>
+</p:sld>
+</file>
+
+<file path=ppt/slides/slide6.xml><?xml version="1.0" encoding="utf-8"?>
+<p:sld xmlns:a="http://schemas.openxmlformats.org/drawingml/2006/main" xmlns:r="http://schemas.openxmlformats.org/officeDocument/2006/relationships" xmlns:p="http://schemas.openxmlformats.org/presentationml/2006/main">
+  <p:cSld>
+    <p:spTree>
+      <p:nvGrpSpPr>
+        <p:cNvPr id="1" name=""/>
+        <p:cNvGrpSpPr/>
+        <p:nvPr/>
+      </p:nvGrpSpPr>
+      <p:grpSpPr>
+        <a:xfrm>
+          <a:off x="0" y="0"/>
+          <a:ext cx="0" cy="0"/>
+          <a:chOff x="0" y="0"/>
+          <a:chExt cx="0" cy="0"/>
+        </a:xfrm>
+      </p:grpSpPr>
+      <p:sp>
+        <p:nvSpPr>
+          <p:cNvPr id="4" name="직사각형 3"/>
+          <p:cNvSpPr/>
+          <p:nvPr/>
+        </p:nvSpPr>
+        <p:spPr>
+          <a:xfrm>
+            <a:off x="0" y="505602"/>
+            <a:ext cx="12549809" cy="1569660"/>
+          </a:xfrm>
+          <a:prstGeom prst="rect">
+            <a:avLst/>
+          </a:prstGeom>
+        </p:spPr>
+        <p:txBody>
+          <a:bodyPr wrap="square">
+            <a:spAutoFit/>
+          </a:bodyPr>
+          <a:lstStyle/>
+          <a:p>
+            <a:r>
+              <a:rPr lang="en-US" altLang="ko-KR" sz="3200" b="1" u="sng" dirty="0" err="1">
+                <a:solidFill>
+                  <a:srgbClr val="FF0000"/>
+                </a:solidFill>
+              </a:rPr>
+              <a:t>org.apache.jasper.JasperException</a:t>
+            </a:r>
+            <a:r>
+              <a:rPr lang="en-US" altLang="ko-KR" sz="3200" b="1" u="sng" dirty="0">
+                <a:solidFill>
+                  <a:srgbClr val="FF0000"/>
+                </a:solidFill>
+              </a:rPr>
+              <a:t>: /test01/</a:t>
+            </a:r>
+            <a:r>
+              <a:rPr lang="en-US" altLang="ko-KR" sz="3200" b="1" u="sng" dirty="0" err="1">
+                <a:solidFill>
+                  <a:srgbClr val="FF0000"/>
+                </a:solidFill>
+              </a:rPr>
+              <a:t>listMembers.jsp</a:t>
+            </a:r>
+            <a:r>
+              <a:rPr lang="en-US" altLang="ko-KR" sz="3200" b="1" u="sng" dirty="0">
+                <a:solidFill>
+                  <a:srgbClr val="FF0000"/>
+                </a:solidFill>
+              </a:rPr>
+              <a:t> (line: [4], column: [26]) Attribute qualified names must be unique within an element</a:t>
+            </a:r>
+          </a:p>
+        </p:txBody>
+      </p:sp>
+      <p:sp>
+        <p:nvSpPr>
+          <p:cNvPr id="5" name="TextBox 4">
+            <a:extLst>
+              <a:ext uri="{FF2B5EF4-FFF2-40B4-BE49-F238E27FC236}">
+                <a16:creationId xmlns="" xmlns:a16="http://schemas.microsoft.com/office/drawing/2014/main" id="{AD90AF65-AC71-49D0-9A7F-568BA461EFD4}"/>
+              </a:ext>
+            </a:extLst>
+          </p:cNvPr>
+          <p:cNvSpPr txBox="1"/>
+          <p:nvPr/>
+        </p:nvSpPr>
+        <p:spPr>
+          <a:xfrm>
+            <a:off x="496073" y="4134525"/>
+            <a:ext cx="11165840" cy="1477328"/>
+          </a:xfrm>
+          <a:prstGeom prst="rect">
+            <a:avLst/>
+          </a:prstGeom>
+          <a:noFill/>
+        </p:spPr>
+        <p:txBody>
+          <a:bodyPr wrap="square" rtlCol="0">
+            <a:spAutoFit/>
+          </a:bodyPr>
+          <a:lstStyle/>
+          <a:p>
+            <a:r>
+              <a:rPr lang="ko-KR" altLang="en-US" dirty="0"/>
+              <a:t>증상</a:t>
+            </a:r>
+            <a:r>
+              <a:rPr lang="en-US" altLang="ko-KR" dirty="0"/>
+              <a:t>: </a:t>
+            </a:r>
+            <a:r>
+              <a:rPr lang="en-US" altLang="ko-KR" dirty="0" smtClean="0"/>
+              <a:t>mvc2</a:t>
+            </a:r>
+            <a:r>
+              <a:rPr lang="ko-KR" altLang="en-US" dirty="0" smtClean="0"/>
+              <a:t>모델 </a:t>
+            </a:r>
+            <a:r>
+              <a:rPr lang="ko-KR" altLang="en-US" dirty="0" err="1" smtClean="0"/>
+              <a:t>하고있는데</a:t>
+            </a:r>
+            <a:r>
+              <a:rPr lang="ko-KR" altLang="en-US" dirty="0" smtClean="0"/>
+              <a:t> 에러가 남</a:t>
+            </a:r>
+            <a:endParaRPr lang="en-US" altLang="ko-KR" dirty="0" smtClean="0"/>
+          </a:p>
+          <a:p>
+            <a:r>
+              <a:rPr lang="ko-KR" altLang="en-US" dirty="0" smtClean="0"/>
+              <a:t>원인</a:t>
+            </a:r>
+            <a:r>
+              <a:rPr lang="en-US" altLang="ko-KR" dirty="0" smtClean="0"/>
+              <a:t>: </a:t>
+            </a:r>
+            <a:r>
+              <a:rPr lang="ko-KR" altLang="en-US" dirty="0" smtClean="0"/>
+              <a:t>중복되면 </a:t>
+            </a:r>
+            <a:r>
+              <a:rPr lang="ko-KR" altLang="en-US" dirty="0" err="1" smtClean="0"/>
+              <a:t>안되는</a:t>
+            </a:r>
+            <a:r>
+              <a:rPr lang="ko-KR" altLang="en-US" dirty="0" smtClean="0"/>
+              <a:t> 요소가 중복이 되었을 때 나오는 에러</a:t>
+            </a:r>
+            <a:r>
+              <a:rPr lang="en-US" altLang="ko-KR" dirty="0" smtClean="0"/>
+              <a:t>. </a:t>
+            </a:r>
+            <a:r>
+              <a:rPr lang="en-US" altLang="ko-KR" dirty="0" smtClean="0"/>
+              <a:t>(</a:t>
+            </a:r>
+            <a:r>
+              <a:rPr lang="ko-KR" altLang="en-US" dirty="0" smtClean="0"/>
+              <a:t>경로를 따라 해당 </a:t>
+            </a:r>
+            <a:r>
+              <a:rPr lang="en-US" altLang="ko-KR" dirty="0" err="1" smtClean="0"/>
+              <a:t>jsp</a:t>
+            </a:r>
+            <a:r>
+              <a:rPr lang="ko-KR" altLang="en-US" dirty="0" smtClean="0"/>
+              <a:t>에 가보니 </a:t>
+            </a:r>
+            <a:r>
+              <a:rPr lang="en-US" altLang="ko-KR" dirty="0" err="1" smtClean="0"/>
+              <a:t>pageEncoding</a:t>
+            </a:r>
+            <a:r>
+              <a:rPr lang="ko-KR" altLang="en-US" dirty="0" smtClean="0"/>
+              <a:t>이 중복 선언되어있었음</a:t>
+            </a:r>
+            <a:r>
+              <a:rPr lang="en-US" altLang="ko-KR" dirty="0" smtClean="0"/>
+              <a:t>)</a:t>
+            </a:r>
+            <a:endParaRPr lang="en-US" altLang="ko-KR" dirty="0"/>
+          </a:p>
+          <a:p>
+            <a:endParaRPr lang="en-US" altLang="ko-KR" dirty="0"/>
+          </a:p>
+          <a:p>
+            <a:r>
+              <a:rPr lang="ko-KR" altLang="en-US" dirty="0"/>
+              <a:t>해결</a:t>
+            </a:r>
+            <a:r>
+              <a:rPr lang="en-US" altLang="ko-KR" dirty="0" smtClean="0"/>
+              <a:t>: </a:t>
+            </a:r>
+            <a:r>
+              <a:rPr lang="ko-KR" altLang="en-US" dirty="0" smtClean="0"/>
+              <a:t>중복되어있는 것을 해결한다</a:t>
+            </a:r>
+            <a:r>
+              <a:rPr lang="en-US" altLang="ko-KR" smtClean="0"/>
+              <a:t>.</a:t>
+            </a:r>
+            <a:endParaRPr lang="ko-KR" altLang="en-US" dirty="0"/>
+          </a:p>
+        </p:txBody>
+      </p:sp>
+    </p:spTree>
+    <p:extLst>
+      <p:ext uri="{BB962C8B-B14F-4D97-AF65-F5344CB8AC3E}">
+        <p14:creationId xmlns:p14="http://schemas.microsoft.com/office/powerpoint/2010/main" val="3000359082"/>
       </p:ext>
     </p:extLst>
   </p:cSld>
@@ -5478,7 +5694,7 @@
   <a:extraClrSchemeLst/>
   <a:extLst>
     <a:ext uri="{05A4C25C-085E-4340-85A3-A5531E510DB2}">
-      <thm15:themeFamily xmlns:thm15="http://schemas.microsoft.com/office/thememl/2012/main" xmlns="" name="Office Theme" id="{62F939B6-93AF-4DB8-9C6B-D6C7DFDC589F}" vid="{4A3C46E8-61CC-4603-A589-7422A47A8E4A}"/>
+      <thm15:themeFamily xmlns="" xmlns:thm15="http://schemas.microsoft.com/office/thememl/2012/main" name="Office Theme" id="{62F939B6-93AF-4DB8-9C6B-D6C7DFDC589F}" vid="{4A3C46E8-61CC-4603-A589-7422A47A8E4A}"/>
     </a:ext>
   </a:extLst>
 </a:theme>

--- a/PPT/Error Solution PPT/ErrorSolution.pptx
+++ b/PPT/Error Solution PPT/ErrorSolution.pptx
@@ -11,6 +11,7 @@
     <p:sldId id="259" r:id="rId5"/>
     <p:sldId id="260" r:id="rId6"/>
     <p:sldId id="261" r:id="rId7"/>
+    <p:sldId id="262" r:id="rId8"/>
   </p:sldIdLst>
   <p:sldSz cx="12192000" cy="6858000"/>
   <p:notesSz cx="6858000" cy="9144000"/>
@@ -111,7 +112,7 @@
   </p:defaultTextStyle>
   <p:extLst>
     <p:ext uri="{EFAFB233-063F-42B5-8137-9DF3F51BA10A}">
-      <p15:sldGuideLst xmlns="" xmlns:p15="http://schemas.microsoft.com/office/powerpoint/2012/main"/>
+      <p15:sldGuideLst xmlns:p15="http://schemas.microsoft.com/office/powerpoint/2012/main" xmlns=""/>
     </p:ext>
   </p:extLst>
 </p:presentation>
@@ -139,7 +140,7 @@
           <p:cNvPr id="2" name="제목 1">
             <a:extLst>
               <a:ext uri="{FF2B5EF4-FFF2-40B4-BE49-F238E27FC236}">
-                <a16:creationId xmlns="" xmlns:a16="http://schemas.microsoft.com/office/drawing/2014/main" id="{3D1A3AD3-7BCD-49D7-804B-385FA13955DF}"/>
+                <a16:creationId xmlns:a16="http://schemas.microsoft.com/office/drawing/2014/main" xmlns="" id="{3D1A3AD3-7BCD-49D7-804B-385FA13955DF}"/>
               </a:ext>
             </a:extLst>
           </p:cNvPr>
@@ -176,7 +177,7 @@
           <p:cNvPr id="3" name="부제목 2">
             <a:extLst>
               <a:ext uri="{FF2B5EF4-FFF2-40B4-BE49-F238E27FC236}">
-                <a16:creationId xmlns="" xmlns:a16="http://schemas.microsoft.com/office/drawing/2014/main" id="{F5C52B03-FB73-451B-A273-D03BC6F9F42B}"/>
+                <a16:creationId xmlns:a16="http://schemas.microsoft.com/office/drawing/2014/main" xmlns="" id="{F5C52B03-FB73-451B-A273-D03BC6F9F42B}"/>
               </a:ext>
             </a:extLst>
           </p:cNvPr>
@@ -246,7 +247,7 @@
           <p:cNvPr id="4" name="날짜 개체 틀 3">
             <a:extLst>
               <a:ext uri="{FF2B5EF4-FFF2-40B4-BE49-F238E27FC236}">
-                <a16:creationId xmlns="" xmlns:a16="http://schemas.microsoft.com/office/drawing/2014/main" id="{6E3E358A-EC1B-4BD3-B78A-08DB2F125B0B}"/>
+                <a16:creationId xmlns:a16="http://schemas.microsoft.com/office/drawing/2014/main" xmlns="" id="{6E3E358A-EC1B-4BD3-B78A-08DB2F125B0B}"/>
               </a:ext>
             </a:extLst>
           </p:cNvPr>
@@ -264,7 +265,7 @@
           <a:p>
             <a:fld id="{41E50B39-36CB-473D-9E71-EE56FA41E00B}" type="datetimeFigureOut">
               <a:rPr lang="ko-KR" altLang="en-US" smtClean="0"/>
-              <a:t>2019-09-06</a:t>
+              <a:t>2019-09-09</a:t>
             </a:fld>
             <a:endParaRPr lang="ko-KR" altLang="en-US"/>
           </a:p>
@@ -275,7 +276,7 @@
           <p:cNvPr id="5" name="바닥글 개체 틀 4">
             <a:extLst>
               <a:ext uri="{FF2B5EF4-FFF2-40B4-BE49-F238E27FC236}">
-                <a16:creationId xmlns="" xmlns:a16="http://schemas.microsoft.com/office/drawing/2014/main" id="{EF93075B-0CC0-44E8-A08B-86E6BB09F5B9}"/>
+                <a16:creationId xmlns:a16="http://schemas.microsoft.com/office/drawing/2014/main" xmlns="" id="{EF93075B-0CC0-44E8-A08B-86E6BB09F5B9}"/>
               </a:ext>
             </a:extLst>
           </p:cNvPr>
@@ -300,7 +301,7 @@
           <p:cNvPr id="6" name="슬라이드 번호 개체 틀 5">
             <a:extLst>
               <a:ext uri="{FF2B5EF4-FFF2-40B4-BE49-F238E27FC236}">
-                <a16:creationId xmlns="" xmlns:a16="http://schemas.microsoft.com/office/drawing/2014/main" id="{FF3DEFA5-4A1F-40BC-8ED8-BB97F80EF3C7}"/>
+                <a16:creationId xmlns:a16="http://schemas.microsoft.com/office/drawing/2014/main" xmlns="" id="{FF3DEFA5-4A1F-40BC-8ED8-BB97F80EF3C7}"/>
               </a:ext>
             </a:extLst>
           </p:cNvPr>
@@ -359,7 +360,7 @@
           <p:cNvPr id="2" name="제목 1">
             <a:extLst>
               <a:ext uri="{FF2B5EF4-FFF2-40B4-BE49-F238E27FC236}">
-                <a16:creationId xmlns="" xmlns:a16="http://schemas.microsoft.com/office/drawing/2014/main" id="{327E3389-BE89-4312-87F6-BC8B12CE7EFB}"/>
+                <a16:creationId xmlns:a16="http://schemas.microsoft.com/office/drawing/2014/main" xmlns="" id="{327E3389-BE89-4312-87F6-BC8B12CE7EFB}"/>
               </a:ext>
             </a:extLst>
           </p:cNvPr>
@@ -387,7 +388,7 @@
           <p:cNvPr id="3" name="세로 텍스트 개체 틀 2">
             <a:extLst>
               <a:ext uri="{FF2B5EF4-FFF2-40B4-BE49-F238E27FC236}">
-                <a16:creationId xmlns="" xmlns:a16="http://schemas.microsoft.com/office/drawing/2014/main" id="{481BAA17-72BF-406A-8E34-EAD12F848803}"/>
+                <a16:creationId xmlns:a16="http://schemas.microsoft.com/office/drawing/2014/main" xmlns="" id="{481BAA17-72BF-406A-8E34-EAD12F848803}"/>
               </a:ext>
             </a:extLst>
           </p:cNvPr>
@@ -444,7 +445,7 @@
           <p:cNvPr id="4" name="날짜 개체 틀 3">
             <a:extLst>
               <a:ext uri="{FF2B5EF4-FFF2-40B4-BE49-F238E27FC236}">
-                <a16:creationId xmlns="" xmlns:a16="http://schemas.microsoft.com/office/drawing/2014/main" id="{80FD3D17-973F-4FC2-BE47-1E5D6923F2DE}"/>
+                <a16:creationId xmlns:a16="http://schemas.microsoft.com/office/drawing/2014/main" xmlns="" id="{80FD3D17-973F-4FC2-BE47-1E5D6923F2DE}"/>
               </a:ext>
             </a:extLst>
           </p:cNvPr>
@@ -462,7 +463,7 @@
           <a:p>
             <a:fld id="{41E50B39-36CB-473D-9E71-EE56FA41E00B}" type="datetimeFigureOut">
               <a:rPr lang="ko-KR" altLang="en-US" smtClean="0"/>
-              <a:t>2019-09-06</a:t>
+              <a:t>2019-09-09</a:t>
             </a:fld>
             <a:endParaRPr lang="ko-KR" altLang="en-US"/>
           </a:p>
@@ -473,7 +474,7 @@
           <p:cNvPr id="5" name="바닥글 개체 틀 4">
             <a:extLst>
               <a:ext uri="{FF2B5EF4-FFF2-40B4-BE49-F238E27FC236}">
-                <a16:creationId xmlns="" xmlns:a16="http://schemas.microsoft.com/office/drawing/2014/main" id="{79DFE74C-58C4-4C79-A679-C7BC48E39E26}"/>
+                <a16:creationId xmlns:a16="http://schemas.microsoft.com/office/drawing/2014/main" xmlns="" id="{79DFE74C-58C4-4C79-A679-C7BC48E39E26}"/>
               </a:ext>
             </a:extLst>
           </p:cNvPr>
@@ -498,7 +499,7 @@
           <p:cNvPr id="6" name="슬라이드 번호 개체 틀 5">
             <a:extLst>
               <a:ext uri="{FF2B5EF4-FFF2-40B4-BE49-F238E27FC236}">
-                <a16:creationId xmlns="" xmlns:a16="http://schemas.microsoft.com/office/drawing/2014/main" id="{8F224C1E-F0B2-408B-A595-F575328B6426}"/>
+                <a16:creationId xmlns:a16="http://schemas.microsoft.com/office/drawing/2014/main" xmlns="" id="{8F224C1E-F0B2-408B-A595-F575328B6426}"/>
               </a:ext>
             </a:extLst>
           </p:cNvPr>
@@ -557,7 +558,7 @@
           <p:cNvPr id="2" name="세로 제목 1">
             <a:extLst>
               <a:ext uri="{FF2B5EF4-FFF2-40B4-BE49-F238E27FC236}">
-                <a16:creationId xmlns="" xmlns:a16="http://schemas.microsoft.com/office/drawing/2014/main" id="{0B65A72A-06E4-4D3C-9273-85342B48F0C3}"/>
+                <a16:creationId xmlns:a16="http://schemas.microsoft.com/office/drawing/2014/main" xmlns="" id="{0B65A72A-06E4-4D3C-9273-85342B48F0C3}"/>
               </a:ext>
             </a:extLst>
           </p:cNvPr>
@@ -590,7 +591,7 @@
           <p:cNvPr id="3" name="세로 텍스트 개체 틀 2">
             <a:extLst>
               <a:ext uri="{FF2B5EF4-FFF2-40B4-BE49-F238E27FC236}">
-                <a16:creationId xmlns="" xmlns:a16="http://schemas.microsoft.com/office/drawing/2014/main" id="{190F74F9-3FC4-433C-BEB2-1DB05AD0B7A0}"/>
+                <a16:creationId xmlns:a16="http://schemas.microsoft.com/office/drawing/2014/main" xmlns="" id="{190F74F9-3FC4-433C-BEB2-1DB05AD0B7A0}"/>
               </a:ext>
             </a:extLst>
           </p:cNvPr>
@@ -652,7 +653,7 @@
           <p:cNvPr id="4" name="날짜 개체 틀 3">
             <a:extLst>
               <a:ext uri="{FF2B5EF4-FFF2-40B4-BE49-F238E27FC236}">
-                <a16:creationId xmlns="" xmlns:a16="http://schemas.microsoft.com/office/drawing/2014/main" id="{D14A3350-A719-4BC3-B977-2E8ED1057AEB}"/>
+                <a16:creationId xmlns:a16="http://schemas.microsoft.com/office/drawing/2014/main" xmlns="" id="{D14A3350-A719-4BC3-B977-2E8ED1057AEB}"/>
               </a:ext>
             </a:extLst>
           </p:cNvPr>
@@ -670,7 +671,7 @@
           <a:p>
             <a:fld id="{41E50B39-36CB-473D-9E71-EE56FA41E00B}" type="datetimeFigureOut">
               <a:rPr lang="ko-KR" altLang="en-US" smtClean="0"/>
-              <a:t>2019-09-06</a:t>
+              <a:t>2019-09-09</a:t>
             </a:fld>
             <a:endParaRPr lang="ko-KR" altLang="en-US"/>
           </a:p>
@@ -681,7 +682,7 @@
           <p:cNvPr id="5" name="바닥글 개체 틀 4">
             <a:extLst>
               <a:ext uri="{FF2B5EF4-FFF2-40B4-BE49-F238E27FC236}">
-                <a16:creationId xmlns="" xmlns:a16="http://schemas.microsoft.com/office/drawing/2014/main" id="{015641B4-57B0-4921-A2F4-C25A7EE9DB00}"/>
+                <a16:creationId xmlns:a16="http://schemas.microsoft.com/office/drawing/2014/main" xmlns="" id="{015641B4-57B0-4921-A2F4-C25A7EE9DB00}"/>
               </a:ext>
             </a:extLst>
           </p:cNvPr>
@@ -706,7 +707,7 @@
           <p:cNvPr id="6" name="슬라이드 번호 개체 틀 5">
             <a:extLst>
               <a:ext uri="{FF2B5EF4-FFF2-40B4-BE49-F238E27FC236}">
-                <a16:creationId xmlns="" xmlns:a16="http://schemas.microsoft.com/office/drawing/2014/main" id="{8286DF87-29F8-4347-9660-962046A57850}"/>
+                <a16:creationId xmlns:a16="http://schemas.microsoft.com/office/drawing/2014/main" xmlns="" id="{8286DF87-29F8-4347-9660-962046A57850}"/>
               </a:ext>
             </a:extLst>
           </p:cNvPr>
@@ -765,7 +766,7 @@
           <p:cNvPr id="2" name="제목 1">
             <a:extLst>
               <a:ext uri="{FF2B5EF4-FFF2-40B4-BE49-F238E27FC236}">
-                <a16:creationId xmlns="" xmlns:a16="http://schemas.microsoft.com/office/drawing/2014/main" id="{804A95AC-9042-457F-A8E7-AFA2394F7C2D}"/>
+                <a16:creationId xmlns:a16="http://schemas.microsoft.com/office/drawing/2014/main" xmlns="" id="{804A95AC-9042-457F-A8E7-AFA2394F7C2D}"/>
               </a:ext>
             </a:extLst>
           </p:cNvPr>
@@ -793,7 +794,7 @@
           <p:cNvPr id="3" name="내용 개체 틀 2">
             <a:extLst>
               <a:ext uri="{FF2B5EF4-FFF2-40B4-BE49-F238E27FC236}">
-                <a16:creationId xmlns="" xmlns:a16="http://schemas.microsoft.com/office/drawing/2014/main" id="{8033AF79-20C1-49D7-94BB-CAA928415B7B}"/>
+                <a16:creationId xmlns:a16="http://schemas.microsoft.com/office/drawing/2014/main" xmlns="" id="{8033AF79-20C1-49D7-94BB-CAA928415B7B}"/>
               </a:ext>
             </a:extLst>
           </p:cNvPr>
@@ -850,7 +851,7 @@
           <p:cNvPr id="4" name="날짜 개체 틀 3">
             <a:extLst>
               <a:ext uri="{FF2B5EF4-FFF2-40B4-BE49-F238E27FC236}">
-                <a16:creationId xmlns="" xmlns:a16="http://schemas.microsoft.com/office/drawing/2014/main" id="{197F39FD-BB9B-4361-92F1-6D43D964BF55}"/>
+                <a16:creationId xmlns:a16="http://schemas.microsoft.com/office/drawing/2014/main" xmlns="" id="{197F39FD-BB9B-4361-92F1-6D43D964BF55}"/>
               </a:ext>
             </a:extLst>
           </p:cNvPr>
@@ -868,7 +869,7 @@
           <a:p>
             <a:fld id="{41E50B39-36CB-473D-9E71-EE56FA41E00B}" type="datetimeFigureOut">
               <a:rPr lang="ko-KR" altLang="en-US" smtClean="0"/>
-              <a:t>2019-09-06</a:t>
+              <a:t>2019-09-09</a:t>
             </a:fld>
             <a:endParaRPr lang="ko-KR" altLang="en-US"/>
           </a:p>
@@ -879,7 +880,7 @@
           <p:cNvPr id="5" name="바닥글 개체 틀 4">
             <a:extLst>
               <a:ext uri="{FF2B5EF4-FFF2-40B4-BE49-F238E27FC236}">
-                <a16:creationId xmlns="" xmlns:a16="http://schemas.microsoft.com/office/drawing/2014/main" id="{E1D0D12F-F3A4-44D7-AA10-03E5A6A66FC5}"/>
+                <a16:creationId xmlns:a16="http://schemas.microsoft.com/office/drawing/2014/main" xmlns="" id="{E1D0D12F-F3A4-44D7-AA10-03E5A6A66FC5}"/>
               </a:ext>
             </a:extLst>
           </p:cNvPr>
@@ -904,7 +905,7 @@
           <p:cNvPr id="6" name="슬라이드 번호 개체 틀 5">
             <a:extLst>
               <a:ext uri="{FF2B5EF4-FFF2-40B4-BE49-F238E27FC236}">
-                <a16:creationId xmlns="" xmlns:a16="http://schemas.microsoft.com/office/drawing/2014/main" id="{ED955E20-DA8C-423B-A117-95682554FAD7}"/>
+                <a16:creationId xmlns:a16="http://schemas.microsoft.com/office/drawing/2014/main" xmlns="" id="{ED955E20-DA8C-423B-A117-95682554FAD7}"/>
               </a:ext>
             </a:extLst>
           </p:cNvPr>
@@ -963,7 +964,7 @@
           <p:cNvPr id="2" name="제목 1">
             <a:extLst>
               <a:ext uri="{FF2B5EF4-FFF2-40B4-BE49-F238E27FC236}">
-                <a16:creationId xmlns="" xmlns:a16="http://schemas.microsoft.com/office/drawing/2014/main" id="{FB9D22DD-95BF-4275-B4FA-FCBD806B7D93}"/>
+                <a16:creationId xmlns:a16="http://schemas.microsoft.com/office/drawing/2014/main" xmlns="" id="{FB9D22DD-95BF-4275-B4FA-FCBD806B7D93}"/>
               </a:ext>
             </a:extLst>
           </p:cNvPr>
@@ -1000,7 +1001,7 @@
           <p:cNvPr id="3" name="텍스트 개체 틀 2">
             <a:extLst>
               <a:ext uri="{FF2B5EF4-FFF2-40B4-BE49-F238E27FC236}">
-                <a16:creationId xmlns="" xmlns:a16="http://schemas.microsoft.com/office/drawing/2014/main" id="{66C684A6-99BA-4DB9-AC60-4AFDBA496EF4}"/>
+                <a16:creationId xmlns:a16="http://schemas.microsoft.com/office/drawing/2014/main" xmlns="" id="{66C684A6-99BA-4DB9-AC60-4AFDBA496EF4}"/>
               </a:ext>
             </a:extLst>
           </p:cNvPr>
@@ -1125,7 +1126,7 @@
           <p:cNvPr id="4" name="날짜 개체 틀 3">
             <a:extLst>
               <a:ext uri="{FF2B5EF4-FFF2-40B4-BE49-F238E27FC236}">
-                <a16:creationId xmlns="" xmlns:a16="http://schemas.microsoft.com/office/drawing/2014/main" id="{72D5CC67-7232-4850-9D98-B2094C507518}"/>
+                <a16:creationId xmlns:a16="http://schemas.microsoft.com/office/drawing/2014/main" xmlns="" id="{72D5CC67-7232-4850-9D98-B2094C507518}"/>
               </a:ext>
             </a:extLst>
           </p:cNvPr>
@@ -1143,7 +1144,7 @@
           <a:p>
             <a:fld id="{41E50B39-36CB-473D-9E71-EE56FA41E00B}" type="datetimeFigureOut">
               <a:rPr lang="ko-KR" altLang="en-US" smtClean="0"/>
-              <a:t>2019-09-06</a:t>
+              <a:t>2019-09-09</a:t>
             </a:fld>
             <a:endParaRPr lang="ko-KR" altLang="en-US"/>
           </a:p>
@@ -1154,7 +1155,7 @@
           <p:cNvPr id="5" name="바닥글 개체 틀 4">
             <a:extLst>
               <a:ext uri="{FF2B5EF4-FFF2-40B4-BE49-F238E27FC236}">
-                <a16:creationId xmlns="" xmlns:a16="http://schemas.microsoft.com/office/drawing/2014/main" id="{CEA4DFDE-E0A0-4016-B828-6E13314DF622}"/>
+                <a16:creationId xmlns:a16="http://schemas.microsoft.com/office/drawing/2014/main" xmlns="" id="{CEA4DFDE-E0A0-4016-B828-6E13314DF622}"/>
               </a:ext>
             </a:extLst>
           </p:cNvPr>
@@ -1179,7 +1180,7 @@
           <p:cNvPr id="6" name="슬라이드 번호 개체 틀 5">
             <a:extLst>
               <a:ext uri="{FF2B5EF4-FFF2-40B4-BE49-F238E27FC236}">
-                <a16:creationId xmlns="" xmlns:a16="http://schemas.microsoft.com/office/drawing/2014/main" id="{707B6B3D-0258-49E5-A3FF-AC65F3DF5A30}"/>
+                <a16:creationId xmlns:a16="http://schemas.microsoft.com/office/drawing/2014/main" xmlns="" id="{707B6B3D-0258-49E5-A3FF-AC65F3DF5A30}"/>
               </a:ext>
             </a:extLst>
           </p:cNvPr>
@@ -1238,7 +1239,7 @@
           <p:cNvPr id="2" name="제목 1">
             <a:extLst>
               <a:ext uri="{FF2B5EF4-FFF2-40B4-BE49-F238E27FC236}">
-                <a16:creationId xmlns="" xmlns:a16="http://schemas.microsoft.com/office/drawing/2014/main" id="{4A722FE2-147E-45E4-8409-E0464CE6633E}"/>
+                <a16:creationId xmlns:a16="http://schemas.microsoft.com/office/drawing/2014/main" xmlns="" id="{4A722FE2-147E-45E4-8409-E0464CE6633E}"/>
               </a:ext>
             </a:extLst>
           </p:cNvPr>
@@ -1266,7 +1267,7 @@
           <p:cNvPr id="3" name="내용 개체 틀 2">
             <a:extLst>
               <a:ext uri="{FF2B5EF4-FFF2-40B4-BE49-F238E27FC236}">
-                <a16:creationId xmlns="" xmlns:a16="http://schemas.microsoft.com/office/drawing/2014/main" id="{2E0C6DE7-9D9C-4B42-87E1-455FF16150EB}"/>
+                <a16:creationId xmlns:a16="http://schemas.microsoft.com/office/drawing/2014/main" xmlns="" id="{2E0C6DE7-9D9C-4B42-87E1-455FF16150EB}"/>
               </a:ext>
             </a:extLst>
           </p:cNvPr>
@@ -1328,7 +1329,7 @@
           <p:cNvPr id="4" name="내용 개체 틀 3">
             <a:extLst>
               <a:ext uri="{FF2B5EF4-FFF2-40B4-BE49-F238E27FC236}">
-                <a16:creationId xmlns="" xmlns:a16="http://schemas.microsoft.com/office/drawing/2014/main" id="{C18085FC-288E-40DF-B6CB-D817C99C5162}"/>
+                <a16:creationId xmlns:a16="http://schemas.microsoft.com/office/drawing/2014/main" xmlns="" id="{C18085FC-288E-40DF-B6CB-D817C99C5162}"/>
               </a:ext>
             </a:extLst>
           </p:cNvPr>
@@ -1390,7 +1391,7 @@
           <p:cNvPr id="5" name="날짜 개체 틀 4">
             <a:extLst>
               <a:ext uri="{FF2B5EF4-FFF2-40B4-BE49-F238E27FC236}">
-                <a16:creationId xmlns="" xmlns:a16="http://schemas.microsoft.com/office/drawing/2014/main" id="{4C242424-4B85-4C0C-81DF-E42987001A69}"/>
+                <a16:creationId xmlns:a16="http://schemas.microsoft.com/office/drawing/2014/main" xmlns="" id="{4C242424-4B85-4C0C-81DF-E42987001A69}"/>
               </a:ext>
             </a:extLst>
           </p:cNvPr>
@@ -1408,7 +1409,7 @@
           <a:p>
             <a:fld id="{41E50B39-36CB-473D-9E71-EE56FA41E00B}" type="datetimeFigureOut">
               <a:rPr lang="ko-KR" altLang="en-US" smtClean="0"/>
-              <a:t>2019-09-06</a:t>
+              <a:t>2019-09-09</a:t>
             </a:fld>
             <a:endParaRPr lang="ko-KR" altLang="en-US"/>
           </a:p>
@@ -1419,7 +1420,7 @@
           <p:cNvPr id="6" name="바닥글 개체 틀 5">
             <a:extLst>
               <a:ext uri="{FF2B5EF4-FFF2-40B4-BE49-F238E27FC236}">
-                <a16:creationId xmlns="" xmlns:a16="http://schemas.microsoft.com/office/drawing/2014/main" id="{616EA257-1C4D-49F9-99AF-5F387AFECED2}"/>
+                <a16:creationId xmlns:a16="http://schemas.microsoft.com/office/drawing/2014/main" xmlns="" id="{616EA257-1C4D-49F9-99AF-5F387AFECED2}"/>
               </a:ext>
             </a:extLst>
           </p:cNvPr>
@@ -1444,7 +1445,7 @@
           <p:cNvPr id="7" name="슬라이드 번호 개체 틀 6">
             <a:extLst>
               <a:ext uri="{FF2B5EF4-FFF2-40B4-BE49-F238E27FC236}">
-                <a16:creationId xmlns="" xmlns:a16="http://schemas.microsoft.com/office/drawing/2014/main" id="{917B0E8A-36DD-4BAB-BB16-3ACC651B06DC}"/>
+                <a16:creationId xmlns:a16="http://schemas.microsoft.com/office/drawing/2014/main" xmlns="" id="{917B0E8A-36DD-4BAB-BB16-3ACC651B06DC}"/>
               </a:ext>
             </a:extLst>
           </p:cNvPr>
@@ -1503,7 +1504,7 @@
           <p:cNvPr id="2" name="제목 1">
             <a:extLst>
               <a:ext uri="{FF2B5EF4-FFF2-40B4-BE49-F238E27FC236}">
-                <a16:creationId xmlns="" xmlns:a16="http://schemas.microsoft.com/office/drawing/2014/main" id="{29B43E85-95B6-40EC-8910-111BAC39DE0C}"/>
+                <a16:creationId xmlns:a16="http://schemas.microsoft.com/office/drawing/2014/main" xmlns="" id="{29B43E85-95B6-40EC-8910-111BAC39DE0C}"/>
               </a:ext>
             </a:extLst>
           </p:cNvPr>
@@ -1536,7 +1537,7 @@
           <p:cNvPr id="3" name="텍스트 개체 틀 2">
             <a:extLst>
               <a:ext uri="{FF2B5EF4-FFF2-40B4-BE49-F238E27FC236}">
-                <a16:creationId xmlns="" xmlns:a16="http://schemas.microsoft.com/office/drawing/2014/main" id="{D1A1242D-05EC-4A00-BF24-849128E5E2C6}"/>
+                <a16:creationId xmlns:a16="http://schemas.microsoft.com/office/drawing/2014/main" xmlns="" id="{D1A1242D-05EC-4A00-BF24-849128E5E2C6}"/>
               </a:ext>
             </a:extLst>
           </p:cNvPr>
@@ -1607,7 +1608,7 @@
           <p:cNvPr id="4" name="내용 개체 틀 3">
             <a:extLst>
               <a:ext uri="{FF2B5EF4-FFF2-40B4-BE49-F238E27FC236}">
-                <a16:creationId xmlns="" xmlns:a16="http://schemas.microsoft.com/office/drawing/2014/main" id="{C9809E00-C383-44C4-87CA-E2ED88FE071B}"/>
+                <a16:creationId xmlns:a16="http://schemas.microsoft.com/office/drawing/2014/main" xmlns="" id="{C9809E00-C383-44C4-87CA-E2ED88FE071B}"/>
               </a:ext>
             </a:extLst>
           </p:cNvPr>
@@ -1669,7 +1670,7 @@
           <p:cNvPr id="5" name="텍스트 개체 틀 4">
             <a:extLst>
               <a:ext uri="{FF2B5EF4-FFF2-40B4-BE49-F238E27FC236}">
-                <a16:creationId xmlns="" xmlns:a16="http://schemas.microsoft.com/office/drawing/2014/main" id="{81F39A9B-5F9E-402A-B33D-9DE599D25948}"/>
+                <a16:creationId xmlns:a16="http://schemas.microsoft.com/office/drawing/2014/main" xmlns="" id="{81F39A9B-5F9E-402A-B33D-9DE599D25948}"/>
               </a:ext>
             </a:extLst>
           </p:cNvPr>
@@ -1740,7 +1741,7 @@
           <p:cNvPr id="6" name="내용 개체 틀 5">
             <a:extLst>
               <a:ext uri="{FF2B5EF4-FFF2-40B4-BE49-F238E27FC236}">
-                <a16:creationId xmlns="" xmlns:a16="http://schemas.microsoft.com/office/drawing/2014/main" id="{A0CA64DE-CB87-4E97-A0A5-EA110C43F5E0}"/>
+                <a16:creationId xmlns:a16="http://schemas.microsoft.com/office/drawing/2014/main" xmlns="" id="{A0CA64DE-CB87-4E97-A0A5-EA110C43F5E0}"/>
               </a:ext>
             </a:extLst>
           </p:cNvPr>
@@ -1802,7 +1803,7 @@
           <p:cNvPr id="7" name="날짜 개체 틀 6">
             <a:extLst>
               <a:ext uri="{FF2B5EF4-FFF2-40B4-BE49-F238E27FC236}">
-                <a16:creationId xmlns="" xmlns:a16="http://schemas.microsoft.com/office/drawing/2014/main" id="{03434EDD-7728-4D51-8CA4-3A2543C4189D}"/>
+                <a16:creationId xmlns:a16="http://schemas.microsoft.com/office/drawing/2014/main" xmlns="" id="{03434EDD-7728-4D51-8CA4-3A2543C4189D}"/>
               </a:ext>
             </a:extLst>
           </p:cNvPr>
@@ -1820,7 +1821,7 @@
           <a:p>
             <a:fld id="{41E50B39-36CB-473D-9E71-EE56FA41E00B}" type="datetimeFigureOut">
               <a:rPr lang="ko-KR" altLang="en-US" smtClean="0"/>
-              <a:t>2019-09-06</a:t>
+              <a:t>2019-09-09</a:t>
             </a:fld>
             <a:endParaRPr lang="ko-KR" altLang="en-US"/>
           </a:p>
@@ -1831,7 +1832,7 @@
           <p:cNvPr id="8" name="바닥글 개체 틀 7">
             <a:extLst>
               <a:ext uri="{FF2B5EF4-FFF2-40B4-BE49-F238E27FC236}">
-                <a16:creationId xmlns="" xmlns:a16="http://schemas.microsoft.com/office/drawing/2014/main" id="{9F598D92-2C34-4E6F-8FDA-93EF168C3822}"/>
+                <a16:creationId xmlns:a16="http://schemas.microsoft.com/office/drawing/2014/main" xmlns="" id="{9F598D92-2C34-4E6F-8FDA-93EF168C3822}"/>
               </a:ext>
             </a:extLst>
           </p:cNvPr>
@@ -1856,7 +1857,7 @@
           <p:cNvPr id="9" name="슬라이드 번호 개체 틀 8">
             <a:extLst>
               <a:ext uri="{FF2B5EF4-FFF2-40B4-BE49-F238E27FC236}">
-                <a16:creationId xmlns="" xmlns:a16="http://schemas.microsoft.com/office/drawing/2014/main" id="{17FB2C98-96B9-4ADB-B007-4E34B1F163E3}"/>
+                <a16:creationId xmlns:a16="http://schemas.microsoft.com/office/drawing/2014/main" xmlns="" id="{17FB2C98-96B9-4ADB-B007-4E34B1F163E3}"/>
               </a:ext>
             </a:extLst>
           </p:cNvPr>
@@ -1915,7 +1916,7 @@
           <p:cNvPr id="2" name="제목 1">
             <a:extLst>
               <a:ext uri="{FF2B5EF4-FFF2-40B4-BE49-F238E27FC236}">
-                <a16:creationId xmlns="" xmlns:a16="http://schemas.microsoft.com/office/drawing/2014/main" id="{BD80F177-D57C-4BBA-A886-40AFD7B259CA}"/>
+                <a16:creationId xmlns:a16="http://schemas.microsoft.com/office/drawing/2014/main" xmlns="" id="{BD80F177-D57C-4BBA-A886-40AFD7B259CA}"/>
               </a:ext>
             </a:extLst>
           </p:cNvPr>
@@ -1943,7 +1944,7 @@
           <p:cNvPr id="3" name="날짜 개체 틀 2">
             <a:extLst>
               <a:ext uri="{FF2B5EF4-FFF2-40B4-BE49-F238E27FC236}">
-                <a16:creationId xmlns="" xmlns:a16="http://schemas.microsoft.com/office/drawing/2014/main" id="{D0B1443B-FE49-4488-B876-4DE38B5AF7CE}"/>
+                <a16:creationId xmlns:a16="http://schemas.microsoft.com/office/drawing/2014/main" xmlns="" id="{D0B1443B-FE49-4488-B876-4DE38B5AF7CE}"/>
               </a:ext>
             </a:extLst>
           </p:cNvPr>
@@ -1961,7 +1962,7 @@
           <a:p>
             <a:fld id="{41E50B39-36CB-473D-9E71-EE56FA41E00B}" type="datetimeFigureOut">
               <a:rPr lang="ko-KR" altLang="en-US" smtClean="0"/>
-              <a:t>2019-09-06</a:t>
+              <a:t>2019-09-09</a:t>
             </a:fld>
             <a:endParaRPr lang="ko-KR" altLang="en-US"/>
           </a:p>
@@ -1972,7 +1973,7 @@
           <p:cNvPr id="4" name="바닥글 개체 틀 3">
             <a:extLst>
               <a:ext uri="{FF2B5EF4-FFF2-40B4-BE49-F238E27FC236}">
-                <a16:creationId xmlns="" xmlns:a16="http://schemas.microsoft.com/office/drawing/2014/main" id="{F1F45E66-34D2-49AB-87F1-D58CC88C77C8}"/>
+                <a16:creationId xmlns:a16="http://schemas.microsoft.com/office/drawing/2014/main" xmlns="" id="{F1F45E66-34D2-49AB-87F1-D58CC88C77C8}"/>
               </a:ext>
             </a:extLst>
           </p:cNvPr>
@@ -1997,7 +1998,7 @@
           <p:cNvPr id="5" name="슬라이드 번호 개체 틀 4">
             <a:extLst>
               <a:ext uri="{FF2B5EF4-FFF2-40B4-BE49-F238E27FC236}">
-                <a16:creationId xmlns="" xmlns:a16="http://schemas.microsoft.com/office/drawing/2014/main" id="{C678D6F1-C163-420A-9622-EA603250E282}"/>
+                <a16:creationId xmlns:a16="http://schemas.microsoft.com/office/drawing/2014/main" xmlns="" id="{C678D6F1-C163-420A-9622-EA603250E282}"/>
               </a:ext>
             </a:extLst>
           </p:cNvPr>
@@ -2056,7 +2057,7 @@
           <p:cNvPr id="2" name="날짜 개체 틀 1">
             <a:extLst>
               <a:ext uri="{FF2B5EF4-FFF2-40B4-BE49-F238E27FC236}">
-                <a16:creationId xmlns="" xmlns:a16="http://schemas.microsoft.com/office/drawing/2014/main" id="{92D41D07-4E44-49A3-997E-C161FA8810A6}"/>
+                <a16:creationId xmlns:a16="http://schemas.microsoft.com/office/drawing/2014/main" xmlns="" id="{92D41D07-4E44-49A3-997E-C161FA8810A6}"/>
               </a:ext>
             </a:extLst>
           </p:cNvPr>
@@ -2074,7 +2075,7 @@
           <a:p>
             <a:fld id="{41E50B39-36CB-473D-9E71-EE56FA41E00B}" type="datetimeFigureOut">
               <a:rPr lang="ko-KR" altLang="en-US" smtClean="0"/>
-              <a:t>2019-09-06</a:t>
+              <a:t>2019-09-09</a:t>
             </a:fld>
             <a:endParaRPr lang="ko-KR" altLang="en-US"/>
           </a:p>
@@ -2085,7 +2086,7 @@
           <p:cNvPr id="3" name="바닥글 개체 틀 2">
             <a:extLst>
               <a:ext uri="{FF2B5EF4-FFF2-40B4-BE49-F238E27FC236}">
-                <a16:creationId xmlns="" xmlns:a16="http://schemas.microsoft.com/office/drawing/2014/main" id="{89DDB7C3-C6D8-43A5-A972-262D6BB0C61E}"/>
+                <a16:creationId xmlns:a16="http://schemas.microsoft.com/office/drawing/2014/main" xmlns="" id="{89DDB7C3-C6D8-43A5-A972-262D6BB0C61E}"/>
               </a:ext>
             </a:extLst>
           </p:cNvPr>
@@ -2110,7 +2111,7 @@
           <p:cNvPr id="4" name="슬라이드 번호 개체 틀 3">
             <a:extLst>
               <a:ext uri="{FF2B5EF4-FFF2-40B4-BE49-F238E27FC236}">
-                <a16:creationId xmlns="" xmlns:a16="http://schemas.microsoft.com/office/drawing/2014/main" id="{CDED90EE-D8AB-4290-A809-578B4329ADCC}"/>
+                <a16:creationId xmlns:a16="http://schemas.microsoft.com/office/drawing/2014/main" xmlns="" id="{CDED90EE-D8AB-4290-A809-578B4329ADCC}"/>
               </a:ext>
             </a:extLst>
           </p:cNvPr>
@@ -2169,7 +2170,7 @@
           <p:cNvPr id="2" name="제목 1">
             <a:extLst>
               <a:ext uri="{FF2B5EF4-FFF2-40B4-BE49-F238E27FC236}">
-                <a16:creationId xmlns="" xmlns:a16="http://schemas.microsoft.com/office/drawing/2014/main" id="{3893E68B-476A-475E-B1B2-588779116E66}"/>
+                <a16:creationId xmlns:a16="http://schemas.microsoft.com/office/drawing/2014/main" xmlns="" id="{3893E68B-476A-475E-B1B2-588779116E66}"/>
               </a:ext>
             </a:extLst>
           </p:cNvPr>
@@ -2206,7 +2207,7 @@
           <p:cNvPr id="3" name="내용 개체 틀 2">
             <a:extLst>
               <a:ext uri="{FF2B5EF4-FFF2-40B4-BE49-F238E27FC236}">
-                <a16:creationId xmlns="" xmlns:a16="http://schemas.microsoft.com/office/drawing/2014/main" id="{0D039BA0-9A00-4AC8-865F-3E7FDDFFC1D4}"/>
+                <a16:creationId xmlns:a16="http://schemas.microsoft.com/office/drawing/2014/main" xmlns="" id="{0D039BA0-9A00-4AC8-865F-3E7FDDFFC1D4}"/>
               </a:ext>
             </a:extLst>
           </p:cNvPr>
@@ -2296,7 +2297,7 @@
           <p:cNvPr id="4" name="텍스트 개체 틀 3">
             <a:extLst>
               <a:ext uri="{FF2B5EF4-FFF2-40B4-BE49-F238E27FC236}">
-                <a16:creationId xmlns="" xmlns:a16="http://schemas.microsoft.com/office/drawing/2014/main" id="{F719ED72-BBB9-4F7E-9E14-C4C0FC550D64}"/>
+                <a16:creationId xmlns:a16="http://schemas.microsoft.com/office/drawing/2014/main" xmlns="" id="{F719ED72-BBB9-4F7E-9E14-C4C0FC550D64}"/>
               </a:ext>
             </a:extLst>
           </p:cNvPr>
@@ -2367,7 +2368,7 @@
           <p:cNvPr id="5" name="날짜 개체 틀 4">
             <a:extLst>
               <a:ext uri="{FF2B5EF4-FFF2-40B4-BE49-F238E27FC236}">
-                <a16:creationId xmlns="" xmlns:a16="http://schemas.microsoft.com/office/drawing/2014/main" id="{11E986D2-62B3-4962-A4C5-0F7E5739769B}"/>
+                <a16:creationId xmlns:a16="http://schemas.microsoft.com/office/drawing/2014/main" xmlns="" id="{11E986D2-62B3-4962-A4C5-0F7E5739769B}"/>
               </a:ext>
             </a:extLst>
           </p:cNvPr>
@@ -2385,7 +2386,7 @@
           <a:p>
             <a:fld id="{41E50B39-36CB-473D-9E71-EE56FA41E00B}" type="datetimeFigureOut">
               <a:rPr lang="ko-KR" altLang="en-US" smtClean="0"/>
-              <a:t>2019-09-06</a:t>
+              <a:t>2019-09-09</a:t>
             </a:fld>
             <a:endParaRPr lang="ko-KR" altLang="en-US"/>
           </a:p>
@@ -2396,7 +2397,7 @@
           <p:cNvPr id="6" name="바닥글 개체 틀 5">
             <a:extLst>
               <a:ext uri="{FF2B5EF4-FFF2-40B4-BE49-F238E27FC236}">
-                <a16:creationId xmlns="" xmlns:a16="http://schemas.microsoft.com/office/drawing/2014/main" id="{D63939F4-7103-4849-8638-09DA90E46398}"/>
+                <a16:creationId xmlns:a16="http://schemas.microsoft.com/office/drawing/2014/main" xmlns="" id="{D63939F4-7103-4849-8638-09DA90E46398}"/>
               </a:ext>
             </a:extLst>
           </p:cNvPr>
@@ -2421,7 +2422,7 @@
           <p:cNvPr id="7" name="슬라이드 번호 개체 틀 6">
             <a:extLst>
               <a:ext uri="{FF2B5EF4-FFF2-40B4-BE49-F238E27FC236}">
-                <a16:creationId xmlns="" xmlns:a16="http://schemas.microsoft.com/office/drawing/2014/main" id="{098EC449-CFFD-44D2-B500-26EA77420254}"/>
+                <a16:creationId xmlns:a16="http://schemas.microsoft.com/office/drawing/2014/main" xmlns="" id="{098EC449-CFFD-44D2-B500-26EA77420254}"/>
               </a:ext>
             </a:extLst>
           </p:cNvPr>
@@ -2480,7 +2481,7 @@
           <p:cNvPr id="2" name="제목 1">
             <a:extLst>
               <a:ext uri="{FF2B5EF4-FFF2-40B4-BE49-F238E27FC236}">
-                <a16:creationId xmlns="" xmlns:a16="http://schemas.microsoft.com/office/drawing/2014/main" id="{2C9A1811-9BBE-4ADF-82AC-1D1097F8758E}"/>
+                <a16:creationId xmlns:a16="http://schemas.microsoft.com/office/drawing/2014/main" xmlns="" id="{2C9A1811-9BBE-4ADF-82AC-1D1097F8758E}"/>
               </a:ext>
             </a:extLst>
           </p:cNvPr>
@@ -2517,7 +2518,7 @@
           <p:cNvPr id="3" name="그림 개체 틀 2">
             <a:extLst>
               <a:ext uri="{FF2B5EF4-FFF2-40B4-BE49-F238E27FC236}">
-                <a16:creationId xmlns="" xmlns:a16="http://schemas.microsoft.com/office/drawing/2014/main" id="{ADDEE001-5C76-422B-B4A7-C7C6D37A2698}"/>
+                <a16:creationId xmlns:a16="http://schemas.microsoft.com/office/drawing/2014/main" xmlns="" id="{ADDEE001-5C76-422B-B4A7-C7C6D37A2698}"/>
               </a:ext>
             </a:extLst>
           </p:cNvPr>
@@ -2584,7 +2585,7 @@
           <p:cNvPr id="4" name="텍스트 개체 틀 3">
             <a:extLst>
               <a:ext uri="{FF2B5EF4-FFF2-40B4-BE49-F238E27FC236}">
-                <a16:creationId xmlns="" xmlns:a16="http://schemas.microsoft.com/office/drawing/2014/main" id="{8E44C801-BCAC-4F58-A415-336E3AA59B87}"/>
+                <a16:creationId xmlns:a16="http://schemas.microsoft.com/office/drawing/2014/main" xmlns="" id="{8E44C801-BCAC-4F58-A415-336E3AA59B87}"/>
               </a:ext>
             </a:extLst>
           </p:cNvPr>
@@ -2655,7 +2656,7 @@
           <p:cNvPr id="5" name="날짜 개체 틀 4">
             <a:extLst>
               <a:ext uri="{FF2B5EF4-FFF2-40B4-BE49-F238E27FC236}">
-                <a16:creationId xmlns="" xmlns:a16="http://schemas.microsoft.com/office/drawing/2014/main" id="{C41F8177-4065-4F5A-A8E3-224B22077152}"/>
+                <a16:creationId xmlns:a16="http://schemas.microsoft.com/office/drawing/2014/main" xmlns="" id="{C41F8177-4065-4F5A-A8E3-224B22077152}"/>
               </a:ext>
             </a:extLst>
           </p:cNvPr>
@@ -2673,7 +2674,7 @@
           <a:p>
             <a:fld id="{41E50B39-36CB-473D-9E71-EE56FA41E00B}" type="datetimeFigureOut">
               <a:rPr lang="ko-KR" altLang="en-US" smtClean="0"/>
-              <a:t>2019-09-06</a:t>
+              <a:t>2019-09-09</a:t>
             </a:fld>
             <a:endParaRPr lang="ko-KR" altLang="en-US"/>
           </a:p>
@@ -2684,7 +2685,7 @@
           <p:cNvPr id="6" name="바닥글 개체 틀 5">
             <a:extLst>
               <a:ext uri="{FF2B5EF4-FFF2-40B4-BE49-F238E27FC236}">
-                <a16:creationId xmlns="" xmlns:a16="http://schemas.microsoft.com/office/drawing/2014/main" id="{61DB5452-A605-46FE-B4F4-0BF483A07E90}"/>
+                <a16:creationId xmlns:a16="http://schemas.microsoft.com/office/drawing/2014/main" xmlns="" id="{61DB5452-A605-46FE-B4F4-0BF483A07E90}"/>
               </a:ext>
             </a:extLst>
           </p:cNvPr>
@@ -2709,7 +2710,7 @@
           <p:cNvPr id="7" name="슬라이드 번호 개체 틀 6">
             <a:extLst>
               <a:ext uri="{FF2B5EF4-FFF2-40B4-BE49-F238E27FC236}">
-                <a16:creationId xmlns="" xmlns:a16="http://schemas.microsoft.com/office/drawing/2014/main" id="{33990A57-1FD1-4127-A060-470EA3650AB6}"/>
+                <a16:creationId xmlns:a16="http://schemas.microsoft.com/office/drawing/2014/main" xmlns="" id="{33990A57-1FD1-4127-A060-470EA3650AB6}"/>
               </a:ext>
             </a:extLst>
           </p:cNvPr>
@@ -2773,7 +2774,7 @@
           <p:cNvPr id="2" name="제목 개체 틀 1">
             <a:extLst>
               <a:ext uri="{FF2B5EF4-FFF2-40B4-BE49-F238E27FC236}">
-                <a16:creationId xmlns="" xmlns:a16="http://schemas.microsoft.com/office/drawing/2014/main" id="{033A5AB6-3329-4371-827D-DA0B9548051C}"/>
+                <a16:creationId xmlns:a16="http://schemas.microsoft.com/office/drawing/2014/main" xmlns="" id="{033A5AB6-3329-4371-827D-DA0B9548051C}"/>
               </a:ext>
             </a:extLst>
           </p:cNvPr>
@@ -2811,7 +2812,7 @@
           <p:cNvPr id="3" name="텍스트 개체 틀 2">
             <a:extLst>
               <a:ext uri="{FF2B5EF4-FFF2-40B4-BE49-F238E27FC236}">
-                <a16:creationId xmlns="" xmlns:a16="http://schemas.microsoft.com/office/drawing/2014/main" id="{6687BD0C-A3F6-402B-B325-6332ECDF2CED}"/>
+                <a16:creationId xmlns:a16="http://schemas.microsoft.com/office/drawing/2014/main" xmlns="" id="{6687BD0C-A3F6-402B-B325-6332ECDF2CED}"/>
               </a:ext>
             </a:extLst>
           </p:cNvPr>
@@ -2878,7 +2879,7 @@
           <p:cNvPr id="4" name="날짜 개체 틀 3">
             <a:extLst>
               <a:ext uri="{FF2B5EF4-FFF2-40B4-BE49-F238E27FC236}">
-                <a16:creationId xmlns="" xmlns:a16="http://schemas.microsoft.com/office/drawing/2014/main" id="{A5C55C3D-7ED3-4FCC-804F-FE1E30B2621C}"/>
+                <a16:creationId xmlns:a16="http://schemas.microsoft.com/office/drawing/2014/main" xmlns="" id="{A5C55C3D-7ED3-4FCC-804F-FE1E30B2621C}"/>
               </a:ext>
             </a:extLst>
           </p:cNvPr>
@@ -2914,7 +2915,7 @@
           <a:p>
             <a:fld id="{41E50B39-36CB-473D-9E71-EE56FA41E00B}" type="datetimeFigureOut">
               <a:rPr lang="ko-KR" altLang="en-US" smtClean="0"/>
-              <a:t>2019-09-06</a:t>
+              <a:t>2019-09-09</a:t>
             </a:fld>
             <a:endParaRPr lang="ko-KR" altLang="en-US"/>
           </a:p>
@@ -2925,7 +2926,7 @@
           <p:cNvPr id="5" name="바닥글 개체 틀 4">
             <a:extLst>
               <a:ext uri="{FF2B5EF4-FFF2-40B4-BE49-F238E27FC236}">
-                <a16:creationId xmlns="" xmlns:a16="http://schemas.microsoft.com/office/drawing/2014/main" id="{9D91412F-6252-4BB8-8116-75E2A335B244}"/>
+                <a16:creationId xmlns:a16="http://schemas.microsoft.com/office/drawing/2014/main" xmlns="" id="{9D91412F-6252-4BB8-8116-75E2A335B244}"/>
               </a:ext>
             </a:extLst>
           </p:cNvPr>
@@ -2968,7 +2969,7 @@
           <p:cNvPr id="6" name="슬라이드 번호 개체 틀 5">
             <a:extLst>
               <a:ext uri="{FF2B5EF4-FFF2-40B4-BE49-F238E27FC236}">
-                <a16:creationId xmlns="" xmlns:a16="http://schemas.microsoft.com/office/drawing/2014/main" id="{461127FD-EA7E-4325-A700-686E7B2A457C}"/>
+                <a16:creationId xmlns:a16="http://schemas.microsoft.com/office/drawing/2014/main" xmlns="" id="{461127FD-EA7E-4325-A700-686E7B2A457C}"/>
               </a:ext>
             </a:extLst>
           </p:cNvPr>
@@ -3336,7 +3337,7 @@
           <p:cNvPr id="4" name="직사각형 3">
             <a:extLst>
               <a:ext uri="{FF2B5EF4-FFF2-40B4-BE49-F238E27FC236}">
-                <a16:creationId xmlns="" xmlns:a16="http://schemas.microsoft.com/office/drawing/2014/main" id="{1B2F3058-F52D-4977-9513-34794EA5FC1E}"/>
+                <a16:creationId xmlns:a16="http://schemas.microsoft.com/office/drawing/2014/main" xmlns="" id="{1B2F3058-F52D-4977-9513-34794EA5FC1E}"/>
               </a:ext>
             </a:extLst>
           </p:cNvPr>
@@ -3382,7 +3383,7 @@
           <p:cNvPr id="5" name="TextBox 4">
             <a:extLst>
               <a:ext uri="{FF2B5EF4-FFF2-40B4-BE49-F238E27FC236}">
-                <a16:creationId xmlns="" xmlns:a16="http://schemas.microsoft.com/office/drawing/2014/main" id="{3045B1B7-A108-4882-96BB-0AF82DFD4815}"/>
+                <a16:creationId xmlns:a16="http://schemas.microsoft.com/office/drawing/2014/main" xmlns="" id="{3045B1B7-A108-4882-96BB-0AF82DFD4815}"/>
               </a:ext>
             </a:extLst>
           </p:cNvPr>
@@ -3606,7 +3607,7 @@
           <p:cNvPr id="4" name="직사각형 3">
             <a:extLst>
               <a:ext uri="{FF2B5EF4-FFF2-40B4-BE49-F238E27FC236}">
-                <a16:creationId xmlns="" xmlns:a16="http://schemas.microsoft.com/office/drawing/2014/main" id="{4CF3FFFC-71D6-45DB-90CE-A587BAAE55C2}"/>
+                <a16:creationId xmlns:a16="http://schemas.microsoft.com/office/drawing/2014/main" xmlns="" id="{4CF3FFFC-71D6-45DB-90CE-A587BAAE55C2}"/>
               </a:ext>
             </a:extLst>
           </p:cNvPr>
@@ -3678,7 +3679,7 @@
           <p:cNvPr id="5" name="TextBox 4">
             <a:extLst>
               <a:ext uri="{FF2B5EF4-FFF2-40B4-BE49-F238E27FC236}">
-                <a16:creationId xmlns="" xmlns:a16="http://schemas.microsoft.com/office/drawing/2014/main" id="{C3AC7DC5-8DC9-47B6-8A4E-5D71A06BA3FA}"/>
+                <a16:creationId xmlns:a16="http://schemas.microsoft.com/office/drawing/2014/main" xmlns="" id="{C3AC7DC5-8DC9-47B6-8A4E-5D71A06BA3FA}"/>
               </a:ext>
             </a:extLst>
           </p:cNvPr>
@@ -3722,7 +3723,7 @@
           <p:cNvPr id="7" name="TextBox 6">
             <a:extLst>
               <a:ext uri="{FF2B5EF4-FFF2-40B4-BE49-F238E27FC236}">
-                <a16:creationId xmlns="" xmlns:a16="http://schemas.microsoft.com/office/drawing/2014/main" id="{B6877478-785B-4866-882A-E7552BCAC33E}"/>
+                <a16:creationId xmlns:a16="http://schemas.microsoft.com/office/drawing/2014/main" xmlns="" id="{B6877478-785B-4866-882A-E7552BCAC33E}"/>
               </a:ext>
             </a:extLst>
           </p:cNvPr>
@@ -3929,7 +3930,7 @@
           <p:cNvPr id="4" name="TextBox 3">
             <a:extLst>
               <a:ext uri="{FF2B5EF4-FFF2-40B4-BE49-F238E27FC236}">
-                <a16:creationId xmlns="" xmlns:a16="http://schemas.microsoft.com/office/drawing/2014/main" id="{4DA032E8-57E8-4877-864A-6A66C6772E1B}"/>
+                <a16:creationId xmlns:a16="http://schemas.microsoft.com/office/drawing/2014/main" xmlns="" id="{4DA032E8-57E8-4877-864A-6A66C6772E1B}"/>
               </a:ext>
             </a:extLst>
           </p:cNvPr>
@@ -3972,7 +3973,7 @@
           <p:cNvPr id="5" name="TextBox 4">
             <a:extLst>
               <a:ext uri="{FF2B5EF4-FFF2-40B4-BE49-F238E27FC236}">
-                <a16:creationId xmlns="" xmlns:a16="http://schemas.microsoft.com/office/drawing/2014/main" id="{B08CCE5D-13CF-41E4-A19F-B4C908EFD8DD}"/>
+                <a16:creationId xmlns:a16="http://schemas.microsoft.com/office/drawing/2014/main" xmlns="" id="{B08CCE5D-13CF-41E4-A19F-B4C908EFD8DD}"/>
               </a:ext>
             </a:extLst>
           </p:cNvPr>
@@ -4170,7 +4171,7 @@
           <p:cNvPr id="7" name="TextBox 6">
             <a:extLst>
               <a:ext uri="{FF2B5EF4-FFF2-40B4-BE49-F238E27FC236}">
-                <a16:creationId xmlns="" xmlns:a16="http://schemas.microsoft.com/office/drawing/2014/main" id="{AD055F34-ADE9-4125-BCE7-AD98B46DE483}"/>
+                <a16:creationId xmlns:a16="http://schemas.microsoft.com/office/drawing/2014/main" xmlns="" id="{AD055F34-ADE9-4125-BCE7-AD98B46DE483}"/>
               </a:ext>
             </a:extLst>
           </p:cNvPr>
@@ -4244,7 +4245,7 @@
           <p:cNvPr id="5" name="표 4">
             <a:extLst>
               <a:ext uri="{FF2B5EF4-FFF2-40B4-BE49-F238E27FC236}">
-                <a16:creationId xmlns="" xmlns:a16="http://schemas.microsoft.com/office/drawing/2014/main" id="{7297FA94-65D5-4591-96DC-A09C8D375B56}"/>
+                <a16:creationId xmlns:a16="http://schemas.microsoft.com/office/drawing/2014/main" xmlns="" id="{7297FA94-65D5-4591-96DC-A09C8D375B56}"/>
               </a:ext>
             </a:extLst>
           </p:cNvPr>
@@ -4271,7 +4272,7 @@
                 <a:gridCol w="11480800">
                   <a:extLst>
                     <a:ext uri="{9D8B030D-6E8A-4147-A177-3AD203B41FA5}">
-                      <a16:colId xmlns="" xmlns:a16="http://schemas.microsoft.com/office/drawing/2014/main" val="3419752138"/>
+                      <a16:colId xmlns:a16="http://schemas.microsoft.com/office/drawing/2014/main" xmlns="" val="3419752138"/>
                     </a:ext>
                   </a:extLst>
                 </a:gridCol>
@@ -4602,7 +4603,7 @@
                 </a:tc>
                 <a:extLst>
                   <a:ext uri="{0D108BD9-81ED-4DB2-BD59-A6C34878D82A}">
-                    <a16:rowId xmlns="" xmlns:a16="http://schemas.microsoft.com/office/drawing/2014/main" val="2904178367"/>
+                    <a16:rowId xmlns:a16="http://schemas.microsoft.com/office/drawing/2014/main" xmlns="" val="2904178367"/>
                   </a:ext>
                 </a:extLst>
               </a:tr>
@@ -4615,7 +4616,7 @@
           <p:cNvPr id="6" name="Rectangle 1">
             <a:extLst>
               <a:ext uri="{FF2B5EF4-FFF2-40B4-BE49-F238E27FC236}">
-                <a16:creationId xmlns="" xmlns:a16="http://schemas.microsoft.com/office/drawing/2014/main" id="{04D3C521-BE58-429E-9FD1-EA93719A8D45}"/>
+                <a16:creationId xmlns:a16="http://schemas.microsoft.com/office/drawing/2014/main" xmlns="" id="{04D3C521-BE58-429E-9FD1-EA93719A8D45}"/>
               </a:ext>
             </a:extLst>
           </p:cNvPr>
@@ -4734,7 +4735,7 @@
           <p:cNvPr id="7" name="TextBox 6">
             <a:extLst>
               <a:ext uri="{FF2B5EF4-FFF2-40B4-BE49-F238E27FC236}">
-                <a16:creationId xmlns="" xmlns:a16="http://schemas.microsoft.com/office/drawing/2014/main" id="{AD90AF65-AC71-49D0-9A7F-568BA461EFD4}"/>
+                <a16:creationId xmlns:a16="http://schemas.microsoft.com/office/drawing/2014/main" xmlns="" id="{AD90AF65-AC71-49D0-9A7F-568BA461EFD4}"/>
               </a:ext>
             </a:extLst>
           </p:cNvPr>
@@ -4993,7 +4994,7 @@
           <p:cNvPr id="5" name="TextBox 4">
             <a:extLst>
               <a:ext uri="{FF2B5EF4-FFF2-40B4-BE49-F238E27FC236}">
-                <a16:creationId xmlns="" xmlns:a16="http://schemas.microsoft.com/office/drawing/2014/main" id="{AD90AF65-AC71-49D0-9A7F-568BA461EFD4}"/>
+                <a16:creationId xmlns:a16="http://schemas.microsoft.com/office/drawing/2014/main" xmlns="" id="{AD90AF65-AC71-49D0-9A7F-568BA461EFD4}"/>
               </a:ext>
             </a:extLst>
           </p:cNvPr>
@@ -5264,7 +5265,7 @@
           <p:cNvPr id="5" name="TextBox 4">
             <a:extLst>
               <a:ext uri="{FF2B5EF4-FFF2-40B4-BE49-F238E27FC236}">
-                <a16:creationId xmlns="" xmlns:a16="http://schemas.microsoft.com/office/drawing/2014/main" id="{AD90AF65-AC71-49D0-9A7F-568BA461EFD4}"/>
+                <a16:creationId xmlns:a16="http://schemas.microsoft.com/office/drawing/2014/main" xmlns="" id="{AD90AF65-AC71-49D0-9A7F-568BA461EFD4}"/>
               </a:ext>
             </a:extLst>
           </p:cNvPr>
@@ -5336,11 +5337,7 @@
             </a:r>
             <a:r>
               <a:rPr lang="en-US" altLang="ko-KR" dirty="0" smtClean="0"/>
-              <a:t>. </a:t>
-            </a:r>
-            <a:r>
-              <a:rPr lang="en-US" altLang="ko-KR" dirty="0" smtClean="0"/>
-              <a:t>(</a:t>
+              <a:t>. (</a:t>
             </a:r>
             <a:r>
               <a:rPr lang="ko-KR" altLang="en-US" dirty="0" smtClean="0"/>
@@ -5385,7 +5382,7 @@
               <a:t>중복되어있는 것을 해결한다</a:t>
             </a:r>
             <a:r>
-              <a:rPr lang="en-US" altLang="ko-KR" smtClean="0"/>
+              <a:rPr lang="en-US" altLang="ko-KR" dirty="0" smtClean="0"/>
               <a:t>.</a:t>
             </a:r>
             <a:endParaRPr lang="ko-KR" altLang="en-US" dirty="0"/>
@@ -5396,6 +5393,363 @@
     <p:extLst>
       <p:ext uri="{BB962C8B-B14F-4D97-AF65-F5344CB8AC3E}">
         <p14:creationId xmlns:p14="http://schemas.microsoft.com/office/powerpoint/2010/main" val="3000359082"/>
+      </p:ext>
+    </p:extLst>
+  </p:cSld>
+  <p:clrMapOvr>
+    <a:masterClrMapping/>
+  </p:clrMapOvr>
+</p:sld>
+</file>
+
+<file path=ppt/slides/slide7.xml><?xml version="1.0" encoding="utf-8"?>
+<p:sld xmlns:a="http://schemas.openxmlformats.org/drawingml/2006/main" xmlns:r="http://schemas.openxmlformats.org/officeDocument/2006/relationships" xmlns:p="http://schemas.openxmlformats.org/presentationml/2006/main">
+  <p:cSld>
+    <p:spTree>
+      <p:nvGrpSpPr>
+        <p:cNvPr id="1" name=""/>
+        <p:cNvGrpSpPr/>
+        <p:nvPr/>
+      </p:nvGrpSpPr>
+      <p:grpSpPr>
+        <a:xfrm>
+          <a:off x="0" y="0"/>
+          <a:ext cx="0" cy="0"/>
+          <a:chOff x="0" y="0"/>
+          <a:chExt cx="0" cy="0"/>
+        </a:xfrm>
+      </p:grpSpPr>
+      <p:sp>
+        <p:nvSpPr>
+          <p:cNvPr id="4" name="직사각형 3"/>
+          <p:cNvSpPr/>
+          <p:nvPr/>
+        </p:nvSpPr>
+        <p:spPr>
+          <a:xfrm>
+            <a:off x="1576062" y="2775521"/>
+            <a:ext cx="11335265" cy="707886"/>
+          </a:xfrm>
+          <a:prstGeom prst="rect">
+            <a:avLst/>
+          </a:prstGeom>
+        </p:spPr>
+        <p:txBody>
+          <a:bodyPr wrap="square">
+            <a:spAutoFit/>
+          </a:bodyPr>
+          <a:lstStyle/>
+          <a:p>
+            <a:r>
+              <a:rPr lang="ko-KR" altLang="en-US" sz="2000" b="1" dirty="0">
+                <a:solidFill>
+                  <a:srgbClr val="FF0000"/>
+                </a:solidFill>
+                <a:latin typeface="나눔스퀘어 ExtraBold" pitchFamily="50" charset="-127"/>
+                <a:ea typeface="나눔스퀘어 ExtraBold" pitchFamily="50" charset="-127"/>
+              </a:rPr>
+              <a:t>오류 보고 </a:t>
+            </a:r>
+            <a:r>
+              <a:rPr lang="en-US" altLang="ko-KR" sz="2000" b="1" dirty="0">
+                <a:solidFill>
+                  <a:srgbClr val="FF0000"/>
+                </a:solidFill>
+                <a:latin typeface="나눔스퀘어 ExtraBold" pitchFamily="50" charset="-127"/>
+                <a:ea typeface="나눔스퀘어 ExtraBold" pitchFamily="50" charset="-127"/>
+              </a:rPr>
+              <a:t>-</a:t>
+            </a:r>
+          </a:p>
+          <a:p>
+            <a:r>
+              <a:rPr lang="en-US" altLang="ko-KR" sz="2000" b="1" dirty="0">
+                <a:solidFill>
+                  <a:srgbClr val="FF0000"/>
+                </a:solidFill>
+                <a:latin typeface="나눔스퀘어 ExtraBold" pitchFamily="50" charset="-127"/>
+                <a:ea typeface="나눔스퀘어 ExtraBold" pitchFamily="50" charset="-127"/>
+              </a:rPr>
+              <a:t>ORA-02291: integrity constraint </a:t>
+            </a:r>
+            <a:r>
+              <a:rPr lang="en-US" altLang="ko-KR" sz="2000" b="1" dirty="0" smtClean="0">
+                <a:solidFill>
+                  <a:srgbClr val="FF0000"/>
+                </a:solidFill>
+                <a:latin typeface="나눔스퀘어 ExtraBold" pitchFamily="50" charset="-127"/>
+                <a:ea typeface="나눔스퀘어 ExtraBold" pitchFamily="50" charset="-127"/>
+              </a:rPr>
+              <a:t>(***) </a:t>
+            </a:r>
+            <a:r>
+              <a:rPr lang="en-US" altLang="ko-KR" sz="2000" b="1" dirty="0">
+                <a:solidFill>
+                  <a:srgbClr val="FF0000"/>
+                </a:solidFill>
+                <a:latin typeface="나눔스퀘어 ExtraBold" pitchFamily="50" charset="-127"/>
+                <a:ea typeface="나눔스퀘어 ExtraBold" pitchFamily="50" charset="-127"/>
+              </a:rPr>
+              <a:t>violated - parent key not found</a:t>
+            </a:r>
+            <a:endParaRPr lang="ko-KR" altLang="en-US" sz="2000" b="1" dirty="0">
+              <a:solidFill>
+                <a:srgbClr val="FF0000"/>
+              </a:solidFill>
+              <a:latin typeface="나눔스퀘어 ExtraBold" pitchFamily="50" charset="-127"/>
+              <a:ea typeface="나눔스퀘어 ExtraBold" pitchFamily="50" charset="-127"/>
+            </a:endParaRPr>
+          </a:p>
+        </p:txBody>
+      </p:sp>
+      <p:sp>
+        <p:nvSpPr>
+          <p:cNvPr id="5" name="TextBox 4">
+            <a:extLst>
+              <a:ext uri="{FF2B5EF4-FFF2-40B4-BE49-F238E27FC236}">
+                <a16:creationId xmlns:a16="http://schemas.microsoft.com/office/drawing/2014/main" xmlns="" id="{AD90AF65-AC71-49D0-9A7F-568BA461EFD4}"/>
+              </a:ext>
+            </a:extLst>
+          </p:cNvPr>
+          <p:cNvSpPr txBox="1"/>
+          <p:nvPr/>
+        </p:nvSpPr>
+        <p:spPr>
+          <a:xfrm>
+            <a:off x="2560732" y="4332234"/>
+            <a:ext cx="11165840" cy="1169551"/>
+          </a:xfrm>
+          <a:prstGeom prst="rect">
+            <a:avLst/>
+          </a:prstGeom>
+          <a:noFill/>
+        </p:spPr>
+        <p:txBody>
+          <a:bodyPr wrap="square" rtlCol="0">
+            <a:spAutoFit/>
+          </a:bodyPr>
+          <a:lstStyle/>
+          <a:p>
+            <a:r>
+              <a:rPr lang="ko-KR" altLang="en-US" sz="1400" dirty="0">
+                <a:latin typeface="나눔스퀘어 ExtraBold" pitchFamily="50" charset="-127"/>
+                <a:ea typeface="나눔스퀘어 ExtraBold" pitchFamily="50" charset="-127"/>
+              </a:rPr>
+              <a:t>증상</a:t>
+            </a:r>
+            <a:r>
+              <a:rPr lang="en-US" altLang="ko-KR" sz="1400" dirty="0">
+                <a:latin typeface="나눔스퀘어 ExtraBold" pitchFamily="50" charset="-127"/>
+                <a:ea typeface="나눔스퀘어 ExtraBold" pitchFamily="50" charset="-127"/>
+              </a:rPr>
+              <a:t>: </a:t>
+            </a:r>
+            <a:r>
+              <a:rPr lang="ko-KR" altLang="en-US" sz="1400" dirty="0" smtClean="0">
+                <a:latin typeface="나눔스퀘어 ExtraBold" pitchFamily="50" charset="-127"/>
+                <a:ea typeface="나눔스퀘어 ExtraBold" pitchFamily="50" charset="-127"/>
+              </a:rPr>
+              <a:t>테이블에 </a:t>
+            </a:r>
+            <a:r>
+              <a:rPr lang="en-US" altLang="ko-KR" sz="1400" dirty="0" smtClean="0">
+                <a:latin typeface="나눔스퀘어 ExtraBold" pitchFamily="50" charset="-127"/>
+                <a:ea typeface="나눔스퀘어 ExtraBold" pitchFamily="50" charset="-127"/>
+              </a:rPr>
+              <a:t>insert</a:t>
+            </a:r>
+            <a:r>
+              <a:rPr lang="ko-KR" altLang="en-US" sz="1400" dirty="0" smtClean="0">
+                <a:latin typeface="나눔스퀘어 ExtraBold" pitchFamily="50" charset="-127"/>
+                <a:ea typeface="나눔스퀘어 ExtraBold" pitchFamily="50" charset="-127"/>
+              </a:rPr>
+              <a:t>하려고 하는데 에러가 남</a:t>
+            </a:r>
+            <a:endParaRPr lang="en-US" altLang="ko-KR" sz="1400" dirty="0" smtClean="0">
+              <a:latin typeface="나눔스퀘어 ExtraBold" pitchFamily="50" charset="-127"/>
+              <a:ea typeface="나눔스퀘어 ExtraBold" pitchFamily="50" charset="-127"/>
+            </a:endParaRPr>
+          </a:p>
+          <a:p>
+            <a:r>
+              <a:rPr lang="ko-KR" altLang="en-US" sz="1400" dirty="0" smtClean="0">
+                <a:latin typeface="나눔스퀘어 ExtraBold" pitchFamily="50" charset="-127"/>
+                <a:ea typeface="나눔스퀘어 ExtraBold" pitchFamily="50" charset="-127"/>
+              </a:rPr>
+              <a:t>원인</a:t>
+            </a:r>
+            <a:r>
+              <a:rPr lang="en-US" altLang="ko-KR" sz="1400" dirty="0" smtClean="0">
+                <a:latin typeface="나눔스퀘어 ExtraBold" pitchFamily="50" charset="-127"/>
+                <a:ea typeface="나눔스퀘어 ExtraBold" pitchFamily="50" charset="-127"/>
+              </a:rPr>
+              <a:t>: </a:t>
+            </a:r>
+            <a:r>
+              <a:rPr lang="ko-KR" altLang="en-US" sz="1400" dirty="0" smtClean="0">
+                <a:latin typeface="나눔스퀘어 ExtraBold" pitchFamily="50" charset="-127"/>
+                <a:ea typeface="나눔스퀘어 ExtraBold" pitchFamily="50" charset="-127"/>
+              </a:rPr>
+              <a:t>자식테이블에서 부모테이블을 참조해서 </a:t>
+            </a:r>
+            <a:r>
+              <a:rPr lang="en-US" altLang="ko-KR" sz="1400" dirty="0" smtClean="0">
+                <a:latin typeface="나눔스퀘어 ExtraBold" pitchFamily="50" charset="-127"/>
+                <a:ea typeface="나눔스퀘어 ExtraBold" pitchFamily="50" charset="-127"/>
+              </a:rPr>
+              <a:t>insert </a:t>
+            </a:r>
+            <a:r>
+              <a:rPr lang="ko-KR" altLang="en-US" sz="1400" dirty="0" smtClean="0">
+                <a:latin typeface="나눔스퀘어 ExtraBold" pitchFamily="50" charset="-127"/>
+                <a:ea typeface="나눔스퀘어 ExtraBold" pitchFamily="50" charset="-127"/>
+              </a:rPr>
+              <a:t>하고 있는데 </a:t>
+            </a:r>
+            <a:r>
+              <a:rPr lang="ko-KR" altLang="en-US" sz="1400" dirty="0" err="1" smtClean="0">
+                <a:latin typeface="나눔스퀘어 ExtraBold" pitchFamily="50" charset="-127"/>
+                <a:ea typeface="나눔스퀘어 ExtraBold" pitchFamily="50" charset="-127"/>
+              </a:rPr>
+              <a:t>부모키가</a:t>
+            </a:r>
+            <a:r>
+              <a:rPr lang="ko-KR" altLang="en-US" sz="1400" dirty="0" smtClean="0">
+                <a:latin typeface="나눔스퀘어 ExtraBold" pitchFamily="50" charset="-127"/>
+                <a:ea typeface="나눔스퀘어 ExtraBold" pitchFamily="50" charset="-127"/>
+              </a:rPr>
+              <a:t> 없을 때 에러가 나타난다</a:t>
+            </a:r>
+            <a:r>
+              <a:rPr lang="en-US" altLang="ko-KR" sz="1400" dirty="0" smtClean="0">
+                <a:latin typeface="나눔스퀘어 ExtraBold" pitchFamily="50" charset="-127"/>
+                <a:ea typeface="나눔스퀘어 ExtraBold" pitchFamily="50" charset="-127"/>
+              </a:rPr>
+              <a:t>.</a:t>
+            </a:r>
+            <a:endParaRPr lang="en-US" altLang="ko-KR" sz="1400" dirty="0">
+              <a:latin typeface="나눔스퀘어 ExtraBold" pitchFamily="50" charset="-127"/>
+              <a:ea typeface="나눔스퀘어 ExtraBold" pitchFamily="50" charset="-127"/>
+            </a:endParaRPr>
+          </a:p>
+          <a:p>
+            <a:endParaRPr lang="en-US" altLang="ko-KR" sz="1400" dirty="0">
+              <a:latin typeface="나눔스퀘어 ExtraBold" pitchFamily="50" charset="-127"/>
+              <a:ea typeface="나눔스퀘어 ExtraBold" pitchFamily="50" charset="-127"/>
+            </a:endParaRPr>
+          </a:p>
+          <a:p>
+            <a:r>
+              <a:rPr lang="ko-KR" altLang="en-US" sz="1400" dirty="0">
+                <a:latin typeface="나눔스퀘어 ExtraBold" pitchFamily="50" charset="-127"/>
+                <a:ea typeface="나눔스퀘어 ExtraBold" pitchFamily="50" charset="-127"/>
+              </a:rPr>
+              <a:t>해결</a:t>
+            </a:r>
+            <a:r>
+              <a:rPr lang="en-US" altLang="ko-KR" sz="1400" dirty="0" smtClean="0">
+                <a:latin typeface="나눔스퀘어 ExtraBold" pitchFamily="50" charset="-127"/>
+                <a:ea typeface="나눔스퀘어 ExtraBold" pitchFamily="50" charset="-127"/>
+              </a:rPr>
+              <a:t>: </a:t>
+            </a:r>
+            <a:r>
+              <a:rPr lang="en-US" altLang="ko-KR" sz="1400" dirty="0" smtClean="0">
+                <a:latin typeface="나눔스퀘어 ExtraBold" pitchFamily="50" charset="-127"/>
+                <a:ea typeface="나눔스퀘어 ExtraBold" pitchFamily="50" charset="-127"/>
+              </a:rPr>
+              <a:t>1) </a:t>
+            </a:r>
+            <a:r>
+              <a:rPr lang="ko-KR" altLang="en-US" sz="1400" dirty="0" smtClean="0">
+                <a:latin typeface="나눔스퀘어 ExtraBold" pitchFamily="50" charset="-127"/>
+                <a:ea typeface="나눔스퀘어 ExtraBold" pitchFamily="50" charset="-127"/>
+              </a:rPr>
+              <a:t>부모테이블에 있는 키를 이용해 자식테이블에 </a:t>
+            </a:r>
+            <a:r>
+              <a:rPr lang="en-US" altLang="ko-KR" sz="1400" dirty="0" smtClean="0">
+                <a:latin typeface="나눔스퀘어 ExtraBold" pitchFamily="50" charset="-127"/>
+                <a:ea typeface="나눔스퀘어 ExtraBold" pitchFamily="50" charset="-127"/>
+              </a:rPr>
+              <a:t>insert</a:t>
+            </a:r>
+            <a:r>
+              <a:rPr lang="ko-KR" altLang="en-US" sz="1400" dirty="0" smtClean="0">
+                <a:latin typeface="나눔스퀘어 ExtraBold" pitchFamily="50" charset="-127"/>
+                <a:ea typeface="나눔스퀘어 ExtraBold" pitchFamily="50" charset="-127"/>
+              </a:rPr>
+              <a:t>한다</a:t>
+            </a:r>
+            <a:r>
+              <a:rPr lang="en-US" altLang="ko-KR" sz="1400" dirty="0" smtClean="0">
+                <a:latin typeface="나눔스퀘어 ExtraBold" pitchFamily="50" charset="-127"/>
+                <a:ea typeface="나눔스퀘어 ExtraBold" pitchFamily="50" charset="-127"/>
+              </a:rPr>
+              <a:t>.</a:t>
+            </a:r>
+          </a:p>
+          <a:p>
+            <a:r>
+              <a:rPr lang="en-US" altLang="ko-KR" sz="1400" dirty="0">
+                <a:latin typeface="나눔스퀘어 ExtraBold" pitchFamily="50" charset="-127"/>
+                <a:ea typeface="나눔스퀘어 ExtraBold" pitchFamily="50" charset="-127"/>
+              </a:rPr>
+              <a:t> </a:t>
+            </a:r>
+            <a:r>
+              <a:rPr lang="en-US" altLang="ko-KR" sz="1400" dirty="0" smtClean="0">
+                <a:latin typeface="나눔스퀘어 ExtraBold" pitchFamily="50" charset="-127"/>
+                <a:ea typeface="나눔스퀘어 ExtraBold" pitchFamily="50" charset="-127"/>
+              </a:rPr>
+              <a:t>      2) insert</a:t>
+            </a:r>
+            <a:r>
+              <a:rPr lang="ko-KR" altLang="en-US" sz="1400" dirty="0" smtClean="0">
+                <a:latin typeface="나눔스퀘어 ExtraBold" pitchFamily="50" charset="-127"/>
+                <a:ea typeface="나눔스퀘어 ExtraBold" pitchFamily="50" charset="-127"/>
+              </a:rPr>
+              <a:t>하려고 했던 정보를 미리 부모테이블에 </a:t>
+            </a:r>
+            <a:r>
+              <a:rPr lang="en-US" altLang="ko-KR" sz="1400" dirty="0" smtClean="0">
+                <a:latin typeface="나눔스퀘어 ExtraBold" pitchFamily="50" charset="-127"/>
+                <a:ea typeface="나눔스퀘어 ExtraBold" pitchFamily="50" charset="-127"/>
+              </a:rPr>
+              <a:t>insert</a:t>
+            </a:r>
+            <a:r>
+              <a:rPr lang="ko-KR" altLang="en-US" sz="1400" dirty="0" smtClean="0">
+                <a:latin typeface="나눔스퀘어 ExtraBold" pitchFamily="50" charset="-127"/>
+                <a:ea typeface="나눔스퀘어 ExtraBold" pitchFamily="50" charset="-127"/>
+              </a:rPr>
+              <a:t>하여 </a:t>
+            </a:r>
+            <a:r>
+              <a:rPr lang="ko-KR" altLang="en-US" sz="1400" dirty="0" err="1" smtClean="0">
+                <a:latin typeface="나눔스퀘어 ExtraBold" pitchFamily="50" charset="-127"/>
+                <a:ea typeface="나눔스퀘어 ExtraBold" pitchFamily="50" charset="-127"/>
+              </a:rPr>
+              <a:t>존재하게한다</a:t>
+            </a:r>
+            <a:r>
+              <a:rPr lang="en-US" altLang="ko-KR" sz="1400" dirty="0" smtClean="0">
+                <a:latin typeface="나눔스퀘어 ExtraBold" pitchFamily="50" charset="-127"/>
+                <a:ea typeface="나눔스퀘어 ExtraBold" pitchFamily="50" charset="-127"/>
+              </a:rPr>
+              <a:t>.</a:t>
+            </a:r>
+            <a:endParaRPr lang="ko-KR" altLang="en-US" sz="1400" dirty="0">
+              <a:latin typeface="나눔스퀘어 ExtraBold" pitchFamily="50" charset="-127"/>
+              <a:ea typeface="나눔스퀘어 ExtraBold" pitchFamily="50" charset="-127"/>
+            </a:endParaRPr>
+          </a:p>
+        </p:txBody>
+      </p:sp>
+    </p:spTree>
+    <p:extLst>
+      <p:ext uri="{BB962C8B-B14F-4D97-AF65-F5344CB8AC3E}">
+        <p14:creationId xmlns:p14="http://schemas.microsoft.com/office/powerpoint/2010/main" val="2403233128"/>
       </p:ext>
     </p:extLst>
   </p:cSld>
@@ -5694,7 +6048,7 @@
   <a:extraClrSchemeLst/>
   <a:extLst>
     <a:ext uri="{05A4C25C-085E-4340-85A3-A5531E510DB2}">
-      <thm15:themeFamily xmlns="" xmlns:thm15="http://schemas.microsoft.com/office/thememl/2012/main" name="Office Theme" id="{62F939B6-93AF-4DB8-9C6B-D6C7DFDC589F}" vid="{4A3C46E8-61CC-4603-A589-7422A47A8E4A}"/>
+      <thm15:themeFamily xmlns:thm15="http://schemas.microsoft.com/office/thememl/2012/main" xmlns="" name="Office Theme" id="{62F939B6-93AF-4DB8-9C6B-D6C7DFDC589F}" vid="{4A3C46E8-61CC-4603-A589-7422A47A8E4A}"/>
     </a:ext>
   </a:extLst>
 </a:theme>

--- a/PPT/Error Solution PPT/ErrorSolution.pptx
+++ b/PPT/Error Solution PPT/ErrorSolution.pptx
@@ -12,6 +12,8 @@
     <p:sldId id="260" r:id="rId6"/>
     <p:sldId id="261" r:id="rId7"/>
     <p:sldId id="262" r:id="rId8"/>
+    <p:sldId id="263" r:id="rId9"/>
+    <p:sldId id="264" r:id="rId10"/>
   </p:sldIdLst>
   <p:sldSz cx="12192000" cy="6858000"/>
   <p:notesSz cx="6858000" cy="9144000"/>
@@ -265,7 +267,7 @@
           <a:p>
             <a:fld id="{41E50B39-36CB-473D-9E71-EE56FA41E00B}" type="datetimeFigureOut">
               <a:rPr lang="ko-KR" altLang="en-US" smtClean="0"/>
-              <a:t>2019-09-09</a:t>
+              <a:t>2019-09-10</a:t>
             </a:fld>
             <a:endParaRPr lang="ko-KR" altLang="en-US"/>
           </a:p>
@@ -463,7 +465,7 @@
           <a:p>
             <a:fld id="{41E50B39-36CB-473D-9E71-EE56FA41E00B}" type="datetimeFigureOut">
               <a:rPr lang="ko-KR" altLang="en-US" smtClean="0"/>
-              <a:t>2019-09-09</a:t>
+              <a:t>2019-09-10</a:t>
             </a:fld>
             <a:endParaRPr lang="ko-KR" altLang="en-US"/>
           </a:p>
@@ -671,7 +673,7 @@
           <a:p>
             <a:fld id="{41E50B39-36CB-473D-9E71-EE56FA41E00B}" type="datetimeFigureOut">
               <a:rPr lang="ko-KR" altLang="en-US" smtClean="0"/>
-              <a:t>2019-09-09</a:t>
+              <a:t>2019-09-10</a:t>
             </a:fld>
             <a:endParaRPr lang="ko-KR" altLang="en-US"/>
           </a:p>
@@ -869,7 +871,7 @@
           <a:p>
             <a:fld id="{41E50B39-36CB-473D-9E71-EE56FA41E00B}" type="datetimeFigureOut">
               <a:rPr lang="ko-KR" altLang="en-US" smtClean="0"/>
-              <a:t>2019-09-09</a:t>
+              <a:t>2019-09-10</a:t>
             </a:fld>
             <a:endParaRPr lang="ko-KR" altLang="en-US"/>
           </a:p>
@@ -1144,7 +1146,7 @@
           <a:p>
             <a:fld id="{41E50B39-36CB-473D-9E71-EE56FA41E00B}" type="datetimeFigureOut">
               <a:rPr lang="ko-KR" altLang="en-US" smtClean="0"/>
-              <a:t>2019-09-09</a:t>
+              <a:t>2019-09-10</a:t>
             </a:fld>
             <a:endParaRPr lang="ko-KR" altLang="en-US"/>
           </a:p>
@@ -1409,7 +1411,7 @@
           <a:p>
             <a:fld id="{41E50B39-36CB-473D-9E71-EE56FA41E00B}" type="datetimeFigureOut">
               <a:rPr lang="ko-KR" altLang="en-US" smtClean="0"/>
-              <a:t>2019-09-09</a:t>
+              <a:t>2019-09-10</a:t>
             </a:fld>
             <a:endParaRPr lang="ko-KR" altLang="en-US"/>
           </a:p>
@@ -1821,7 +1823,7 @@
           <a:p>
             <a:fld id="{41E50B39-36CB-473D-9E71-EE56FA41E00B}" type="datetimeFigureOut">
               <a:rPr lang="ko-KR" altLang="en-US" smtClean="0"/>
-              <a:t>2019-09-09</a:t>
+              <a:t>2019-09-10</a:t>
             </a:fld>
             <a:endParaRPr lang="ko-KR" altLang="en-US"/>
           </a:p>
@@ -1962,7 +1964,7 @@
           <a:p>
             <a:fld id="{41E50B39-36CB-473D-9E71-EE56FA41E00B}" type="datetimeFigureOut">
               <a:rPr lang="ko-KR" altLang="en-US" smtClean="0"/>
-              <a:t>2019-09-09</a:t>
+              <a:t>2019-09-10</a:t>
             </a:fld>
             <a:endParaRPr lang="ko-KR" altLang="en-US"/>
           </a:p>
@@ -2075,7 +2077,7 @@
           <a:p>
             <a:fld id="{41E50B39-36CB-473D-9E71-EE56FA41E00B}" type="datetimeFigureOut">
               <a:rPr lang="ko-KR" altLang="en-US" smtClean="0"/>
-              <a:t>2019-09-09</a:t>
+              <a:t>2019-09-10</a:t>
             </a:fld>
             <a:endParaRPr lang="ko-KR" altLang="en-US"/>
           </a:p>
@@ -2386,7 +2388,7 @@
           <a:p>
             <a:fld id="{41E50B39-36CB-473D-9E71-EE56FA41E00B}" type="datetimeFigureOut">
               <a:rPr lang="ko-KR" altLang="en-US" smtClean="0"/>
-              <a:t>2019-09-09</a:t>
+              <a:t>2019-09-10</a:t>
             </a:fld>
             <a:endParaRPr lang="ko-KR" altLang="en-US"/>
           </a:p>
@@ -2674,7 +2676,7 @@
           <a:p>
             <a:fld id="{41E50B39-36CB-473D-9E71-EE56FA41E00B}" type="datetimeFigureOut">
               <a:rPr lang="ko-KR" altLang="en-US" smtClean="0"/>
-              <a:t>2019-09-09</a:t>
+              <a:t>2019-09-10</a:t>
             </a:fld>
             <a:endParaRPr lang="ko-KR" altLang="en-US"/>
           </a:p>
@@ -2915,7 +2917,7 @@
           <a:p>
             <a:fld id="{41E50B39-36CB-473D-9E71-EE56FA41E00B}" type="datetimeFigureOut">
               <a:rPr lang="ko-KR" altLang="en-US" smtClean="0"/>
-              <a:t>2019-09-09</a:t>
+              <a:t>2019-09-10</a:t>
             </a:fld>
             <a:endParaRPr lang="ko-KR" altLang="en-US"/>
           </a:p>
@@ -5651,14 +5653,7 @@
                 <a:latin typeface="나눔스퀘어 ExtraBold" pitchFamily="50" charset="-127"/>
                 <a:ea typeface="나눔스퀘어 ExtraBold" pitchFamily="50" charset="-127"/>
               </a:rPr>
-              <a:t>: </a:t>
-            </a:r>
-            <a:r>
-              <a:rPr lang="en-US" altLang="ko-KR" sz="1400" dirty="0" smtClean="0">
-                <a:latin typeface="나눔스퀘어 ExtraBold" pitchFamily="50" charset="-127"/>
-                <a:ea typeface="나눔스퀘어 ExtraBold" pitchFamily="50" charset="-127"/>
-              </a:rPr>
-              <a:t>1) </a:t>
+              <a:t>: 1) </a:t>
             </a:r>
             <a:r>
               <a:rPr lang="ko-KR" altLang="en-US" sz="1400" dirty="0" smtClean="0">
@@ -5750,6 +5745,888 @@
     <p:extLst>
       <p:ext uri="{BB962C8B-B14F-4D97-AF65-F5344CB8AC3E}">
         <p14:creationId xmlns:p14="http://schemas.microsoft.com/office/powerpoint/2010/main" val="2403233128"/>
+      </p:ext>
+    </p:extLst>
+  </p:cSld>
+  <p:clrMapOvr>
+    <a:masterClrMapping/>
+  </p:clrMapOvr>
+</p:sld>
+</file>
+
+<file path=ppt/slides/slide8.xml><?xml version="1.0" encoding="utf-8"?>
+<p:sld xmlns:a="http://schemas.openxmlformats.org/drawingml/2006/main" xmlns:r="http://schemas.openxmlformats.org/officeDocument/2006/relationships" xmlns:p="http://schemas.openxmlformats.org/presentationml/2006/main">
+  <p:cSld>
+    <p:spTree>
+      <p:nvGrpSpPr>
+        <p:cNvPr id="1" name=""/>
+        <p:cNvGrpSpPr/>
+        <p:nvPr/>
+      </p:nvGrpSpPr>
+      <p:grpSpPr>
+        <a:xfrm>
+          <a:off x="0" y="0"/>
+          <a:ext cx="0" cy="0"/>
+          <a:chOff x="0" y="0"/>
+          <a:chExt cx="0" cy="0"/>
+        </a:xfrm>
+      </p:grpSpPr>
+      <p:sp>
+        <p:nvSpPr>
+          <p:cNvPr id="4" name="직사각형 3"/>
+          <p:cNvSpPr/>
+          <p:nvPr/>
+        </p:nvSpPr>
+        <p:spPr>
+          <a:xfrm>
+            <a:off x="225288" y="51389"/>
+            <a:ext cx="11595652" cy="2246769"/>
+          </a:xfrm>
+          <a:prstGeom prst="rect">
+            <a:avLst/>
+          </a:prstGeom>
+        </p:spPr>
+        <p:txBody>
+          <a:bodyPr wrap="square">
+            <a:spAutoFit/>
+          </a:bodyPr>
+          <a:lstStyle/>
+          <a:p>
+            <a:r>
+              <a:rPr lang="en-US" altLang="ko-KR" sz="2000" b="1" dirty="0">
+                <a:solidFill>
+                  <a:srgbClr val="FF0000"/>
+                </a:solidFill>
+              </a:rPr>
+              <a:t>HTTP Status 500 – Internal Server </a:t>
+            </a:r>
+            <a:r>
+              <a:rPr lang="en-US" altLang="ko-KR" sz="2000" b="1" dirty="0" smtClean="0">
+                <a:solidFill>
+                  <a:srgbClr val="FF0000"/>
+                </a:solidFill>
+              </a:rPr>
+              <a:t>Error</a:t>
+            </a:r>
+          </a:p>
+          <a:p>
+            <a:r>
+              <a:rPr lang="en-US" altLang="ko-KR" sz="2000" b="1" dirty="0"/>
+              <a:t>Type</a:t>
+            </a:r>
+            <a:r>
+              <a:rPr lang="en-US" altLang="ko-KR" sz="2000" dirty="0"/>
+              <a:t> Exception Report</a:t>
+            </a:r>
+          </a:p>
+          <a:p>
+            <a:r>
+              <a:rPr lang="en-US" altLang="ko-KR" sz="2000" b="1" dirty="0"/>
+              <a:t>Message</a:t>
+            </a:r>
+            <a:r>
+              <a:rPr lang="en-US" altLang="ko-KR" sz="2000" dirty="0"/>
+              <a:t> </a:t>
+            </a:r>
+            <a:r>
+              <a:rPr lang="en-US" altLang="ko-KR" sz="2000" dirty="0" err="1"/>
+              <a:t>Servlet.init</a:t>
+            </a:r>
+            <a:r>
+              <a:rPr lang="en-US" altLang="ko-KR" sz="2000" dirty="0"/>
+              <a:t>() for servlet [action] threw exception</a:t>
+            </a:r>
+          </a:p>
+          <a:p>
+            <a:r>
+              <a:rPr lang="en-US" altLang="ko-KR" sz="2000" b="1" dirty="0"/>
+              <a:t>Description</a:t>
+            </a:r>
+            <a:r>
+              <a:rPr lang="en-US" altLang="ko-KR" sz="2000" dirty="0"/>
+              <a:t> The server encountered an unexpected condition that prevented it from fulfilling the request.</a:t>
+            </a:r>
+          </a:p>
+          <a:p>
+            <a:r>
+              <a:rPr lang="en-US" altLang="ko-KR" sz="2000" b="1" dirty="0"/>
+              <a:t>Exception</a:t>
+            </a:r>
+            <a:endParaRPr lang="en-US" altLang="ko-KR" sz="2000" dirty="0"/>
+          </a:p>
+          <a:p>
+            <a:r>
+              <a:rPr lang="en-US" altLang="ko-KR" sz="2000" dirty="0" err="1"/>
+              <a:t>javax.servlet.ServletException</a:t>
+            </a:r>
+            <a:r>
+              <a:rPr lang="en-US" altLang="ko-KR" sz="2000" dirty="0"/>
+              <a:t>: </a:t>
+            </a:r>
+            <a:r>
+              <a:rPr lang="en-US" altLang="ko-KR" sz="2000" dirty="0" err="1"/>
+              <a:t>Servlet.init</a:t>
+            </a:r>
+            <a:r>
+              <a:rPr lang="en-US" altLang="ko-KR" sz="2000" dirty="0"/>
+              <a:t>() for servlet [action] threw </a:t>
+            </a:r>
+            <a:r>
+              <a:rPr lang="en-US" altLang="ko-KR" sz="2000" dirty="0" smtClean="0"/>
+              <a:t>exception</a:t>
+            </a:r>
+          </a:p>
+        </p:txBody>
+      </p:sp>
+      <p:sp>
+        <p:nvSpPr>
+          <p:cNvPr id="5" name="TextBox 4">
+            <a:extLst>
+              <a:ext uri="{FF2B5EF4-FFF2-40B4-BE49-F238E27FC236}">
+                <a16:creationId xmlns:a16="http://schemas.microsoft.com/office/drawing/2014/main" xmlns="" id="{AD90AF65-AC71-49D0-9A7F-568BA461EFD4}"/>
+              </a:ext>
+            </a:extLst>
+          </p:cNvPr>
+          <p:cNvSpPr txBox="1"/>
+          <p:nvPr/>
+        </p:nvSpPr>
+        <p:spPr>
+          <a:xfrm>
+            <a:off x="225288" y="3563608"/>
+            <a:ext cx="11897772" cy="3416320"/>
+          </a:xfrm>
+          <a:prstGeom prst="rect">
+            <a:avLst/>
+          </a:prstGeom>
+          <a:noFill/>
+        </p:spPr>
+        <p:txBody>
+          <a:bodyPr wrap="square" rtlCol="0">
+            <a:spAutoFit/>
+          </a:bodyPr>
+          <a:lstStyle/>
+          <a:p>
+            <a:r>
+              <a:rPr lang="ko-KR" altLang="en-US" dirty="0">
+                <a:latin typeface="나눔스퀘어 ExtraBold" pitchFamily="50" charset="-127"/>
+                <a:ea typeface="나눔스퀘어 ExtraBold" pitchFamily="50" charset="-127"/>
+              </a:rPr>
+              <a:t>증상</a:t>
+            </a:r>
+            <a:r>
+              <a:rPr lang="en-US" altLang="ko-KR" dirty="0">
+                <a:latin typeface="나눔스퀘어 ExtraBold" pitchFamily="50" charset="-127"/>
+                <a:ea typeface="나눔스퀘어 ExtraBold" pitchFamily="50" charset="-127"/>
+              </a:rPr>
+              <a:t>: </a:t>
+            </a:r>
+            <a:r>
+              <a:rPr lang="en-US" altLang="ko-KR" dirty="0" smtClean="0">
+                <a:latin typeface="나눔스퀘어 ExtraBold" pitchFamily="50" charset="-127"/>
+                <a:ea typeface="나눔스퀘어 ExtraBold" pitchFamily="50" charset="-127"/>
+              </a:rPr>
+              <a:t>Spring </a:t>
+            </a:r>
+            <a:r>
+              <a:rPr lang="en-US" altLang="ko-KR" dirty="0" err="1" smtClean="0">
+                <a:latin typeface="나눔스퀘어 ExtraBold" pitchFamily="50" charset="-127"/>
+                <a:ea typeface="나눔스퀘어 ExtraBold" pitchFamily="50" charset="-127"/>
+              </a:rPr>
+              <a:t>SimpleUrlController</a:t>
+            </a:r>
+            <a:r>
+              <a:rPr lang="en-US" altLang="ko-KR" dirty="0" smtClean="0">
+                <a:latin typeface="나눔스퀘어 ExtraBold" pitchFamily="50" charset="-127"/>
+                <a:ea typeface="나눔스퀘어 ExtraBold" pitchFamily="50" charset="-127"/>
+              </a:rPr>
+              <a:t> </a:t>
+            </a:r>
+            <a:r>
+              <a:rPr lang="ko-KR" altLang="en-US" dirty="0" smtClean="0">
+                <a:latin typeface="나눔스퀘어 ExtraBold" pitchFamily="50" charset="-127"/>
+                <a:ea typeface="나눔스퀘어 ExtraBold" pitchFamily="50" charset="-127"/>
+              </a:rPr>
+              <a:t>이용해서 </a:t>
+            </a:r>
+            <a:r>
+              <a:rPr lang="en-US" altLang="ko-KR" dirty="0" err="1" smtClean="0">
+                <a:latin typeface="나눔스퀘어 ExtraBold" pitchFamily="50" charset="-127"/>
+                <a:ea typeface="나눔스퀘어 ExtraBold" pitchFamily="50" charset="-127"/>
+              </a:rPr>
+              <a:t>jsp</a:t>
+            </a:r>
+            <a:r>
+              <a:rPr lang="en-US" altLang="ko-KR" dirty="0" smtClean="0">
+                <a:latin typeface="나눔스퀘어 ExtraBold" pitchFamily="50" charset="-127"/>
+                <a:ea typeface="나눔스퀘어 ExtraBold" pitchFamily="50" charset="-127"/>
+              </a:rPr>
+              <a:t> </a:t>
+            </a:r>
+            <a:r>
+              <a:rPr lang="ko-KR" altLang="en-US" dirty="0" smtClean="0">
+                <a:latin typeface="나눔스퀘어 ExtraBold" pitchFamily="50" charset="-127"/>
+                <a:ea typeface="나눔스퀘어 ExtraBold" pitchFamily="50" charset="-127"/>
+              </a:rPr>
+              <a:t>요청하다가 생김</a:t>
+            </a:r>
+            <a:r>
+              <a:rPr lang="en-US" altLang="ko-KR" dirty="0" smtClean="0">
+                <a:latin typeface="나눔스퀘어 ExtraBold" pitchFamily="50" charset="-127"/>
+                <a:ea typeface="나눔스퀘어 ExtraBold" pitchFamily="50" charset="-127"/>
+              </a:rPr>
+              <a:t>.</a:t>
+            </a:r>
+          </a:p>
+          <a:p>
+            <a:r>
+              <a:rPr lang="ko-KR" altLang="en-US" dirty="0" smtClean="0">
+                <a:latin typeface="나눔스퀘어 ExtraBold" pitchFamily="50" charset="-127"/>
+                <a:ea typeface="나눔스퀘어 ExtraBold" pitchFamily="50" charset="-127"/>
+              </a:rPr>
+              <a:t>원인</a:t>
+            </a:r>
+            <a:r>
+              <a:rPr lang="en-US" altLang="ko-KR" dirty="0" smtClean="0">
+                <a:latin typeface="나눔스퀘어 ExtraBold" pitchFamily="50" charset="-127"/>
+                <a:ea typeface="나눔스퀘어 ExtraBold" pitchFamily="50" charset="-127"/>
+              </a:rPr>
+              <a:t>:</a:t>
+            </a:r>
+            <a:r>
+              <a:rPr lang="ko-KR" altLang="en-US" dirty="0">
+                <a:latin typeface="나눔스퀘어 ExtraBold" pitchFamily="50" charset="-127"/>
+                <a:ea typeface="나눔스퀘어 ExtraBold" pitchFamily="50" charset="-127"/>
+              </a:rPr>
+              <a:t> </a:t>
+            </a:r>
+            <a:r>
+              <a:rPr lang="ko-KR" altLang="en-US" dirty="0" smtClean="0">
+                <a:latin typeface="나눔스퀘어 ExtraBold" pitchFamily="50" charset="-127"/>
+                <a:ea typeface="나눔스퀘어 ExtraBold" pitchFamily="50" charset="-127"/>
+              </a:rPr>
+              <a:t>컨테이너에서 </a:t>
+            </a:r>
+            <a:r>
+              <a:rPr lang="en-US" altLang="ko-KR" dirty="0" smtClean="0">
+                <a:latin typeface="나눔스퀘어 ExtraBold" pitchFamily="50" charset="-127"/>
+                <a:ea typeface="나눔스퀘어 ExtraBold" pitchFamily="50" charset="-127"/>
+              </a:rPr>
+              <a:t>action-servlet.xml</a:t>
+            </a:r>
+            <a:r>
+              <a:rPr lang="ko-KR" altLang="en-US" dirty="0" smtClean="0">
+                <a:latin typeface="나눔스퀘어 ExtraBold" pitchFamily="50" charset="-127"/>
+                <a:ea typeface="나눔스퀘어 ExtraBold" pitchFamily="50" charset="-127"/>
+              </a:rPr>
+              <a:t>을 찾지 못 해서 나타난다</a:t>
+            </a:r>
+            <a:r>
+              <a:rPr lang="en-US" altLang="ko-KR" dirty="0" smtClean="0">
+                <a:latin typeface="나눔스퀘어 ExtraBold" pitchFamily="50" charset="-127"/>
+                <a:ea typeface="나눔스퀘어 ExtraBold" pitchFamily="50" charset="-127"/>
+              </a:rPr>
+              <a:t>.</a:t>
+            </a:r>
+          </a:p>
+          <a:p>
+            <a:endParaRPr lang="en-US" altLang="ko-KR" dirty="0">
+              <a:latin typeface="나눔스퀘어 ExtraBold" pitchFamily="50" charset="-127"/>
+              <a:ea typeface="나눔스퀘어 ExtraBold" pitchFamily="50" charset="-127"/>
+            </a:endParaRPr>
+          </a:p>
+          <a:p>
+            <a:r>
+              <a:rPr lang="ko-KR" altLang="en-US" dirty="0">
+                <a:latin typeface="나눔스퀘어 ExtraBold" pitchFamily="50" charset="-127"/>
+                <a:ea typeface="나눔스퀘어 ExtraBold" pitchFamily="50" charset="-127"/>
+              </a:rPr>
+              <a:t>해결</a:t>
+            </a:r>
+            <a:r>
+              <a:rPr lang="en-US" altLang="ko-KR" dirty="0" smtClean="0">
+                <a:latin typeface="나눔스퀘어 ExtraBold" pitchFamily="50" charset="-127"/>
+                <a:ea typeface="나눔스퀘어 ExtraBold" pitchFamily="50" charset="-127"/>
+              </a:rPr>
+              <a:t>: web.xml</a:t>
+            </a:r>
+            <a:r>
+              <a:rPr lang="ko-KR" altLang="en-US" dirty="0" smtClean="0">
+                <a:latin typeface="나눔스퀘어 ExtraBold" pitchFamily="50" charset="-127"/>
+                <a:ea typeface="나눔스퀘어 ExtraBold" pitchFamily="50" charset="-127"/>
+              </a:rPr>
+              <a:t>에서 </a:t>
+            </a:r>
+            <a:r>
+              <a:rPr lang="ko-KR" altLang="en-US" dirty="0" err="1" smtClean="0">
+                <a:latin typeface="나눔스퀘어 ExtraBold" pitchFamily="50" charset="-127"/>
+                <a:ea typeface="나눔스퀘어 ExtraBold" pitchFamily="50" charset="-127"/>
+              </a:rPr>
+              <a:t>경로지정해줌</a:t>
+            </a:r>
+            <a:r>
+              <a:rPr lang="en-US" altLang="ko-KR" dirty="0" smtClean="0">
+                <a:latin typeface="나눔스퀘어 ExtraBold" pitchFamily="50" charset="-127"/>
+                <a:ea typeface="나눔스퀘어 ExtraBold" pitchFamily="50" charset="-127"/>
+              </a:rPr>
+              <a:t>.</a:t>
+            </a:r>
+          </a:p>
+          <a:p>
+            <a:r>
+              <a:rPr lang="en-US" altLang="ko-KR" dirty="0"/>
+              <a:t> &lt;</a:t>
+            </a:r>
+            <a:r>
+              <a:rPr lang="en-US" altLang="ko-KR" b="1" dirty="0"/>
+              <a:t>servlet&gt;</a:t>
+            </a:r>
+          </a:p>
+          <a:p>
+            <a:r>
+              <a:rPr lang="en-US" altLang="ko-KR" dirty="0"/>
+              <a:t>      &lt;</a:t>
+            </a:r>
+            <a:r>
+              <a:rPr lang="en-US" altLang="ko-KR" b="1" dirty="0"/>
+              <a:t>servlet-name&gt;action&lt;/servlet-name&gt;</a:t>
+            </a:r>
+          </a:p>
+          <a:p>
+            <a:r>
+              <a:rPr lang="en-US" altLang="ko-KR" dirty="0"/>
+              <a:t>      &lt;</a:t>
+            </a:r>
+            <a:r>
+              <a:rPr lang="en-US" altLang="ko-KR" b="1" dirty="0"/>
+              <a:t>servlet-class&gt;</a:t>
+            </a:r>
+            <a:r>
+              <a:rPr lang="en-US" altLang="ko-KR" b="1" dirty="0" err="1"/>
+              <a:t>org.springframework.web.servlet.DispatcherServlet</a:t>
+            </a:r>
+            <a:r>
+              <a:rPr lang="en-US" altLang="ko-KR" b="1" dirty="0"/>
+              <a:t>&lt;/servlet-class&gt;</a:t>
+            </a:r>
+          </a:p>
+          <a:p>
+            <a:r>
+              <a:rPr lang="en-US" altLang="ko-KR" dirty="0"/>
+              <a:t>      &lt;</a:t>
+            </a:r>
+            <a:r>
+              <a:rPr lang="en-US" altLang="ko-KR" b="1" dirty="0" err="1"/>
+              <a:t>init-param</a:t>
+            </a:r>
+            <a:r>
+              <a:rPr lang="en-US" altLang="ko-KR" b="1" dirty="0"/>
+              <a:t>&gt;</a:t>
+            </a:r>
+          </a:p>
+          <a:p>
+            <a:r>
+              <a:rPr lang="en-US" altLang="ko-KR" dirty="0"/>
+              <a:t>&lt;</a:t>
+            </a:r>
+            <a:r>
+              <a:rPr lang="en-US" altLang="ko-KR" b="1" dirty="0" err="1"/>
+              <a:t>param</a:t>
+            </a:r>
+            <a:r>
+              <a:rPr lang="en-US" altLang="ko-KR" b="1" dirty="0"/>
+              <a:t>-name&gt;</a:t>
+            </a:r>
+            <a:r>
+              <a:rPr lang="en-US" altLang="ko-KR" b="1" dirty="0" err="1"/>
+              <a:t>contextConfigLocation</a:t>
+            </a:r>
+            <a:r>
+              <a:rPr lang="en-US" altLang="ko-KR" b="1" dirty="0"/>
+              <a:t>&lt;/</a:t>
+            </a:r>
+            <a:r>
+              <a:rPr lang="en-US" altLang="ko-KR" b="1" dirty="0" err="1"/>
+              <a:t>param</a:t>
+            </a:r>
+            <a:r>
+              <a:rPr lang="en-US" altLang="ko-KR" b="1" dirty="0"/>
+              <a:t>-name&gt;</a:t>
+            </a:r>
+          </a:p>
+          <a:p>
+            <a:r>
+              <a:rPr lang="en-US" altLang="ko-KR" dirty="0"/>
+              <a:t>&lt;</a:t>
+            </a:r>
+            <a:r>
+              <a:rPr lang="en-US" altLang="ko-KR" b="1" dirty="0" err="1"/>
+              <a:t>param</a:t>
+            </a:r>
+            <a:r>
+              <a:rPr lang="en-US" altLang="ko-KR" b="1" dirty="0"/>
+              <a:t>-value&gt;/WEB-INF/action-servlet.xml&lt;/</a:t>
+            </a:r>
+            <a:r>
+              <a:rPr lang="en-US" altLang="ko-KR" b="1" dirty="0" err="1"/>
+              <a:t>param</a:t>
+            </a:r>
+            <a:r>
+              <a:rPr lang="en-US" altLang="ko-KR" b="1" dirty="0"/>
+              <a:t>-value&gt;</a:t>
+            </a:r>
+          </a:p>
+          <a:p>
+            <a:r>
+              <a:rPr lang="en-US" altLang="ko-KR" dirty="0"/>
+              <a:t>&lt;/</a:t>
+            </a:r>
+            <a:r>
+              <a:rPr lang="en-US" altLang="ko-KR" b="1" dirty="0" err="1"/>
+              <a:t>init-param</a:t>
+            </a:r>
+            <a:r>
+              <a:rPr lang="en-US" altLang="ko-KR" b="1" dirty="0"/>
+              <a:t>&gt;</a:t>
+            </a:r>
+          </a:p>
+          <a:p>
+            <a:r>
+              <a:rPr lang="en-US" altLang="ko-KR" dirty="0" smtClean="0"/>
+              <a:t>&lt;/</a:t>
+            </a:r>
+            <a:r>
+              <a:rPr lang="en-US" altLang="ko-KR" b="1" dirty="0"/>
+              <a:t>servlet&gt;</a:t>
+            </a:r>
+            <a:endParaRPr lang="ko-KR" altLang="en-US" dirty="0">
+              <a:latin typeface="나눔스퀘어 ExtraBold" pitchFamily="50" charset="-127"/>
+              <a:ea typeface="나눔스퀘어 ExtraBold" pitchFamily="50" charset="-127"/>
+            </a:endParaRPr>
+          </a:p>
+        </p:txBody>
+      </p:sp>
+      <p:sp>
+        <p:nvSpPr>
+          <p:cNvPr id="6" name="직사각형 5"/>
+          <p:cNvSpPr/>
+          <p:nvPr/>
+        </p:nvSpPr>
+        <p:spPr>
+          <a:xfrm>
+            <a:off x="326019" y="2298158"/>
+            <a:ext cx="10694503" cy="1152938"/>
+          </a:xfrm>
+          <a:prstGeom prst="rect">
+            <a:avLst/>
+          </a:prstGeom>
+          <a:solidFill>
+            <a:schemeClr val="bg2">
+              <a:lumMod val="75000"/>
+            </a:schemeClr>
+          </a:solidFill>
+          <a:ln>
+            <a:noFill/>
+          </a:ln>
+        </p:spPr>
+        <p:style>
+          <a:lnRef idx="2">
+            <a:schemeClr val="accent1">
+              <a:shade val="50000"/>
+            </a:schemeClr>
+          </a:lnRef>
+          <a:fillRef idx="1">
+            <a:schemeClr val="accent1"/>
+          </a:fillRef>
+          <a:effectRef idx="0">
+            <a:schemeClr val="accent1"/>
+          </a:effectRef>
+          <a:fontRef idx="minor">
+            <a:schemeClr val="lt1"/>
+          </a:fontRef>
+        </p:style>
+        <p:txBody>
+          <a:bodyPr rtlCol="0" anchor="ctr"/>
+          <a:lstStyle/>
+          <a:p>
+            <a:r>
+              <a:rPr lang="ko-KR" altLang="en-US" u="sng" dirty="0" smtClean="0">
+                <a:solidFill>
+                  <a:schemeClr val="tx1"/>
+                </a:solidFill>
+                <a:latin typeface="나눔스퀘어 ExtraBold" pitchFamily="50" charset="-127"/>
+                <a:ea typeface="나눔스퀘어 ExtraBold" pitchFamily="50" charset="-127"/>
+              </a:rPr>
+              <a:t>콘솔</a:t>
+            </a:r>
+            <a:r>
+              <a:rPr lang="en-US" altLang="ko-KR" u="sng" dirty="0" smtClean="0">
+                <a:solidFill>
+                  <a:schemeClr val="tx1"/>
+                </a:solidFill>
+                <a:latin typeface="나눔스퀘어 ExtraBold" pitchFamily="50" charset="-127"/>
+                <a:ea typeface="나눔스퀘어 ExtraBold" pitchFamily="50" charset="-127"/>
+              </a:rPr>
+              <a:t>:</a:t>
+            </a:r>
+          </a:p>
+          <a:p>
+            <a:r>
+              <a:rPr lang="en-US" altLang="ko-KR" u="sng" dirty="0" err="1" smtClean="0">
+                <a:solidFill>
+                  <a:srgbClr val="FF0000"/>
+                </a:solidFill>
+                <a:latin typeface="나눔스퀘어 ExtraBold" pitchFamily="50" charset="-127"/>
+                <a:ea typeface="나눔스퀘어 ExtraBold" pitchFamily="50" charset="-127"/>
+              </a:rPr>
+              <a:t>java.io.FileNotFoundException</a:t>
+            </a:r>
+            <a:r>
+              <a:rPr lang="en-US" altLang="ko-KR" u="sng" dirty="0">
+                <a:solidFill>
+                  <a:srgbClr val="FF0000"/>
+                </a:solidFill>
+                <a:latin typeface="나눔스퀘어 ExtraBold" pitchFamily="50" charset="-127"/>
+                <a:ea typeface="나눔스퀘어 ExtraBold" pitchFamily="50" charset="-127"/>
+              </a:rPr>
+              <a:t>: Could not open </a:t>
+            </a:r>
+            <a:r>
+              <a:rPr lang="en-US" altLang="ko-KR" u="sng" dirty="0" err="1">
+                <a:solidFill>
+                  <a:srgbClr val="FF0000"/>
+                </a:solidFill>
+                <a:latin typeface="나눔스퀘어 ExtraBold" pitchFamily="50" charset="-127"/>
+                <a:ea typeface="나눔스퀘어 ExtraBold" pitchFamily="50" charset="-127"/>
+              </a:rPr>
+              <a:t>ServletContext</a:t>
+            </a:r>
+            <a:r>
+              <a:rPr lang="en-US" altLang="ko-KR" u="sng" dirty="0">
+                <a:solidFill>
+                  <a:srgbClr val="FF0000"/>
+                </a:solidFill>
+                <a:latin typeface="나눔스퀘어 ExtraBold" pitchFamily="50" charset="-127"/>
+                <a:ea typeface="나눔스퀘어 ExtraBold" pitchFamily="50" charset="-127"/>
+              </a:rPr>
+              <a:t> resource [/WEB-INF/action-servlet.xml]</a:t>
+            </a:r>
+            <a:endParaRPr lang="ko-KR" altLang="en-US" b="1" dirty="0">
+              <a:solidFill>
+                <a:srgbClr val="FF0000"/>
+              </a:solidFill>
+              <a:latin typeface="나눔스퀘어 ExtraBold" pitchFamily="50" charset="-127"/>
+              <a:ea typeface="나눔스퀘어 ExtraBold" pitchFamily="50" charset="-127"/>
+            </a:endParaRPr>
+          </a:p>
+        </p:txBody>
+      </p:sp>
+    </p:spTree>
+    <p:extLst>
+      <p:ext uri="{BB962C8B-B14F-4D97-AF65-F5344CB8AC3E}">
+        <p14:creationId xmlns:p14="http://schemas.microsoft.com/office/powerpoint/2010/main" val="1377947980"/>
+      </p:ext>
+    </p:extLst>
+  </p:cSld>
+  <p:clrMapOvr>
+    <a:masterClrMapping/>
+  </p:clrMapOvr>
+</p:sld>
+</file>
+
+<file path=ppt/slides/slide9.xml><?xml version="1.0" encoding="utf-8"?>
+<p:sld xmlns:a="http://schemas.openxmlformats.org/drawingml/2006/main" xmlns:r="http://schemas.openxmlformats.org/officeDocument/2006/relationships" xmlns:p="http://schemas.openxmlformats.org/presentationml/2006/main">
+  <p:cSld>
+    <p:spTree>
+      <p:nvGrpSpPr>
+        <p:cNvPr id="1" name=""/>
+        <p:cNvGrpSpPr/>
+        <p:nvPr/>
+      </p:nvGrpSpPr>
+      <p:grpSpPr>
+        <a:xfrm>
+          <a:off x="0" y="0"/>
+          <a:ext cx="0" cy="0"/>
+          <a:chOff x="0" y="0"/>
+          <a:chExt cx="0" cy="0"/>
+        </a:xfrm>
+      </p:grpSpPr>
+      <p:sp>
+        <p:nvSpPr>
+          <p:cNvPr id="4" name="직사각형 3"/>
+          <p:cNvSpPr/>
+          <p:nvPr/>
+        </p:nvSpPr>
+        <p:spPr>
+          <a:xfrm>
+            <a:off x="2339462" y="2270945"/>
+            <a:ext cx="8725617" cy="1015663"/>
+          </a:xfrm>
+          <a:prstGeom prst="rect">
+            <a:avLst/>
+          </a:prstGeom>
+        </p:spPr>
+        <p:txBody>
+          <a:bodyPr wrap="square">
+            <a:spAutoFit/>
+          </a:bodyPr>
+          <a:lstStyle/>
+          <a:p>
+            <a:r>
+              <a:rPr lang="en-US" altLang="ko-KR" sz="2000" b="1" dirty="0" smtClean="0">
+                <a:solidFill>
+                  <a:srgbClr val="FF0000"/>
+                </a:solidFill>
+                <a:latin typeface="나눔스퀘어 ExtraBold" pitchFamily="50" charset="-127"/>
+                <a:ea typeface="나눔스퀘어 ExtraBold" pitchFamily="50" charset="-127"/>
+              </a:rPr>
+              <a:t>Could not load the Tomcat server configuration at</a:t>
+            </a:r>
+          </a:p>
+          <a:p>
+            <a:r>
+              <a:rPr lang="en-US" altLang="ko-KR" sz="2000" b="1" dirty="0" smtClean="0">
+                <a:solidFill>
+                  <a:srgbClr val="FF0000"/>
+                </a:solidFill>
+                <a:latin typeface="나눔스퀘어 ExtraBold" pitchFamily="50" charset="-127"/>
+                <a:ea typeface="나눔스퀘어 ExtraBold" pitchFamily="50" charset="-127"/>
+              </a:rPr>
+              <a:t> \Servers\Tomcat v8.5 </a:t>
+            </a:r>
+            <a:r>
+              <a:rPr lang="en-US" altLang="ko-KR" sz="2000" b="1" dirty="0" err="1" smtClean="0">
+                <a:solidFill>
+                  <a:srgbClr val="FF0000"/>
+                </a:solidFill>
+                <a:latin typeface="나눔스퀘어 ExtraBold" pitchFamily="50" charset="-127"/>
+                <a:ea typeface="나눔스퀘어 ExtraBold" pitchFamily="50" charset="-127"/>
+              </a:rPr>
+              <a:t>Servr</a:t>
+            </a:r>
+            <a:r>
+              <a:rPr lang="en-US" altLang="ko-KR" sz="2000" b="1" dirty="0" smtClean="0">
+                <a:solidFill>
+                  <a:srgbClr val="FF0000"/>
+                </a:solidFill>
+                <a:latin typeface="나눔스퀘어 ExtraBold" pitchFamily="50" charset="-127"/>
+                <a:ea typeface="나눔스퀘어 ExtraBold" pitchFamily="50" charset="-127"/>
+              </a:rPr>
+              <a:t> at </a:t>
+            </a:r>
+            <a:r>
+              <a:rPr lang="en-US" altLang="ko-KR" sz="2000" b="1" dirty="0" err="1" smtClean="0">
+                <a:solidFill>
+                  <a:srgbClr val="FF0000"/>
+                </a:solidFill>
+                <a:latin typeface="나눔스퀘어 ExtraBold" pitchFamily="50" charset="-127"/>
+                <a:ea typeface="나눔스퀘어 ExtraBold" pitchFamily="50" charset="-127"/>
+              </a:rPr>
+              <a:t>localhost-config</a:t>
+            </a:r>
+            <a:r>
+              <a:rPr lang="en-US" altLang="ko-KR" sz="2000" b="1" dirty="0" smtClean="0">
+                <a:solidFill>
+                  <a:srgbClr val="FF0000"/>
+                </a:solidFill>
+                <a:latin typeface="나눔스퀘어 ExtraBold" pitchFamily="50" charset="-127"/>
+                <a:ea typeface="나눔스퀘어 ExtraBold" pitchFamily="50" charset="-127"/>
+              </a:rPr>
+              <a:t>. </a:t>
+            </a:r>
+          </a:p>
+          <a:p>
+            <a:r>
+              <a:rPr lang="en-US" altLang="ko-KR" sz="2000" b="1" dirty="0" smtClean="0">
+                <a:solidFill>
+                  <a:srgbClr val="FF0000"/>
+                </a:solidFill>
+                <a:latin typeface="나눔스퀘어 ExtraBold" pitchFamily="50" charset="-127"/>
+                <a:ea typeface="나눔스퀘어 ExtraBold" pitchFamily="50" charset="-127"/>
+              </a:rPr>
+              <a:t>The configuration may be corrupt or incomplete</a:t>
+            </a:r>
+          </a:p>
+        </p:txBody>
+      </p:sp>
+      <p:sp>
+        <p:nvSpPr>
+          <p:cNvPr id="5" name="TextBox 4">
+            <a:extLst>
+              <a:ext uri="{FF2B5EF4-FFF2-40B4-BE49-F238E27FC236}">
+                <a16:creationId xmlns:a16="http://schemas.microsoft.com/office/drawing/2014/main" xmlns="" id="{AD90AF65-AC71-49D0-9A7F-568BA461EFD4}"/>
+              </a:ext>
+            </a:extLst>
+          </p:cNvPr>
+          <p:cNvSpPr txBox="1"/>
+          <p:nvPr/>
+        </p:nvSpPr>
+        <p:spPr>
+          <a:xfrm>
+            <a:off x="2560732" y="4332234"/>
+            <a:ext cx="11165840" cy="954107"/>
+          </a:xfrm>
+          <a:prstGeom prst="rect">
+            <a:avLst/>
+          </a:prstGeom>
+          <a:noFill/>
+        </p:spPr>
+        <p:txBody>
+          <a:bodyPr wrap="square" rtlCol="0">
+            <a:spAutoFit/>
+          </a:bodyPr>
+          <a:lstStyle/>
+          <a:p>
+            <a:r>
+              <a:rPr lang="ko-KR" altLang="en-US" sz="1400" dirty="0">
+                <a:latin typeface="나눔스퀘어 ExtraBold" pitchFamily="50" charset="-127"/>
+                <a:ea typeface="나눔스퀘어 ExtraBold" pitchFamily="50" charset="-127"/>
+              </a:rPr>
+              <a:t>증상</a:t>
+            </a:r>
+            <a:r>
+              <a:rPr lang="en-US" altLang="ko-KR" sz="1400" dirty="0">
+                <a:latin typeface="나눔스퀘어 ExtraBold" pitchFamily="50" charset="-127"/>
+                <a:ea typeface="나눔스퀘어 ExtraBold" pitchFamily="50" charset="-127"/>
+              </a:rPr>
+              <a:t>: </a:t>
+            </a:r>
+            <a:endParaRPr lang="en-US" altLang="ko-KR" sz="1400" dirty="0" smtClean="0">
+              <a:latin typeface="나눔스퀘어 ExtraBold" pitchFamily="50" charset="-127"/>
+              <a:ea typeface="나눔스퀘어 ExtraBold" pitchFamily="50" charset="-127"/>
+            </a:endParaRPr>
+          </a:p>
+          <a:p>
+            <a:r>
+              <a:rPr lang="ko-KR" altLang="en-US" sz="1400" dirty="0" smtClean="0">
+                <a:latin typeface="나눔스퀘어 ExtraBold" pitchFamily="50" charset="-127"/>
+                <a:ea typeface="나눔스퀘어 ExtraBold" pitchFamily="50" charset="-127"/>
+              </a:rPr>
+              <a:t>원인</a:t>
+            </a:r>
+            <a:r>
+              <a:rPr lang="en-US" altLang="ko-KR" sz="1400" dirty="0" smtClean="0">
+                <a:latin typeface="나눔스퀘어 ExtraBold" pitchFamily="50" charset="-127"/>
+                <a:ea typeface="나눔스퀘어 ExtraBold" pitchFamily="50" charset="-127"/>
+              </a:rPr>
+              <a:t>: </a:t>
+            </a:r>
+            <a:r>
+              <a:rPr lang="ko-KR" altLang="en-US" sz="1400" dirty="0" err="1" smtClean="0">
+                <a:latin typeface="나눔스퀘어 ExtraBold" pitchFamily="50" charset="-127"/>
+                <a:ea typeface="나눔스퀘어 ExtraBold" pitchFamily="50" charset="-127"/>
+              </a:rPr>
+              <a:t>톰캣에서</a:t>
+            </a:r>
+            <a:r>
+              <a:rPr lang="ko-KR" altLang="en-US" sz="1400" dirty="0" smtClean="0">
+                <a:latin typeface="나눔스퀘어 ExtraBold" pitchFamily="50" charset="-127"/>
+                <a:ea typeface="나눔스퀘어 ExtraBold" pitchFamily="50" charset="-127"/>
+              </a:rPr>
+              <a:t> </a:t>
+            </a:r>
+            <a:r>
+              <a:rPr lang="en-US" altLang="ko-KR" sz="1400" dirty="0" smtClean="0">
+                <a:latin typeface="나눔스퀘어 ExtraBold" pitchFamily="50" charset="-127"/>
+                <a:ea typeface="나눔스퀘어 ExtraBold" pitchFamily="50" charset="-127"/>
+              </a:rPr>
+              <a:t>server</a:t>
+            </a:r>
+            <a:r>
+              <a:rPr lang="ko-KR" altLang="en-US" sz="1400" dirty="0">
+                <a:latin typeface="나눔스퀘어 ExtraBold" pitchFamily="50" charset="-127"/>
+                <a:ea typeface="나눔스퀘어 ExtraBold" pitchFamily="50" charset="-127"/>
+              </a:rPr>
+              <a:t> </a:t>
+            </a:r>
+            <a:r>
+              <a:rPr lang="en-US" altLang="ko-KR" sz="1400" dirty="0" err="1" smtClean="0">
+                <a:latin typeface="나눔스퀘어 ExtraBold" pitchFamily="50" charset="-127"/>
+                <a:ea typeface="나눔스퀘어 ExtraBold" pitchFamily="50" charset="-127"/>
+              </a:rPr>
+              <a:t>config</a:t>
+            </a:r>
+            <a:r>
+              <a:rPr lang="en-US" altLang="ko-KR" sz="1400" dirty="0" smtClean="0">
+                <a:latin typeface="나눔스퀘어 ExtraBold" pitchFamily="50" charset="-127"/>
+                <a:ea typeface="나눔스퀘어 ExtraBold" pitchFamily="50" charset="-127"/>
+              </a:rPr>
+              <a:t> </a:t>
+            </a:r>
+            <a:r>
+              <a:rPr lang="ko-KR" altLang="en-US" sz="1400" dirty="0" smtClean="0">
+                <a:latin typeface="나눔스퀘어 ExtraBold" pitchFamily="50" charset="-127"/>
+                <a:ea typeface="나눔스퀘어 ExtraBold" pitchFamily="50" charset="-127"/>
+              </a:rPr>
+              <a:t>를 찾을 수 없을 때 나타난다</a:t>
+            </a:r>
+            <a:r>
+              <a:rPr lang="en-US" altLang="ko-KR" sz="1400" dirty="0" smtClean="0">
+                <a:latin typeface="나눔스퀘어 ExtraBold" pitchFamily="50" charset="-127"/>
+                <a:ea typeface="나눔스퀘어 ExtraBold" pitchFamily="50" charset="-127"/>
+              </a:rPr>
+              <a:t>.</a:t>
+            </a:r>
+            <a:endParaRPr lang="en-US" altLang="ko-KR" sz="1400" dirty="0">
+              <a:latin typeface="나눔스퀘어 ExtraBold" pitchFamily="50" charset="-127"/>
+              <a:ea typeface="나눔스퀘어 ExtraBold" pitchFamily="50" charset="-127"/>
+            </a:endParaRPr>
+          </a:p>
+          <a:p>
+            <a:endParaRPr lang="en-US" altLang="ko-KR" sz="1400" dirty="0">
+              <a:latin typeface="나눔스퀘어 ExtraBold" pitchFamily="50" charset="-127"/>
+              <a:ea typeface="나눔스퀘어 ExtraBold" pitchFamily="50" charset="-127"/>
+            </a:endParaRPr>
+          </a:p>
+          <a:p>
+            <a:r>
+              <a:rPr lang="en-US" altLang="ko-KR" sz="1400" dirty="0" smtClean="0">
+                <a:latin typeface="나눔스퀘어 ExtraBold" pitchFamily="50" charset="-127"/>
+                <a:ea typeface="나눔스퀘어 ExtraBold" pitchFamily="50" charset="-127"/>
+              </a:rPr>
+              <a:t> 1</a:t>
+            </a:r>
+            <a:r>
+              <a:rPr lang="en-US" altLang="ko-KR" sz="1400" dirty="0" smtClean="0">
+                <a:latin typeface="나눔스퀘어 ExtraBold" pitchFamily="50" charset="-127"/>
+                <a:ea typeface="나눔스퀘어 ExtraBold" pitchFamily="50" charset="-127"/>
+              </a:rPr>
+              <a:t>) </a:t>
+            </a:r>
+            <a:r>
+              <a:rPr lang="ko-KR" altLang="en-US" sz="1400" dirty="0" smtClean="0">
+                <a:latin typeface="나눔스퀘어 ExtraBold" pitchFamily="50" charset="-127"/>
+                <a:ea typeface="나눔스퀘어 ExtraBold" pitchFamily="50" charset="-127"/>
+              </a:rPr>
+              <a:t>서버 삭제 후 재실행 </a:t>
+            </a:r>
+            <a:r>
+              <a:rPr lang="ko-KR" altLang="en-US" sz="1400" dirty="0">
+                <a:latin typeface="나눔스퀘어 ExtraBold" pitchFamily="50" charset="-127"/>
+                <a:ea typeface="나눔스퀘어 ExtraBold" pitchFamily="50" charset="-127"/>
+              </a:rPr>
+              <a:t> </a:t>
+            </a:r>
+            <a:r>
+              <a:rPr lang="ko-KR" altLang="en-US" sz="1400" dirty="0" smtClean="0">
+                <a:latin typeface="나눔스퀘어 ExtraBold" pitchFamily="50" charset="-127"/>
+                <a:ea typeface="나눔스퀘어 ExtraBold" pitchFamily="50" charset="-127"/>
+              </a:rPr>
+              <a:t>미해결</a:t>
+            </a:r>
+            <a:r>
+              <a:rPr lang="en-US" altLang="ko-KR" sz="1400" smtClean="0">
+                <a:latin typeface="나눔스퀘어 ExtraBold" pitchFamily="50" charset="-127"/>
+                <a:ea typeface="나눔스퀘어 ExtraBold" pitchFamily="50" charset="-127"/>
+              </a:rPr>
+              <a:t>…</a:t>
+            </a:r>
+          </a:p>
+        </p:txBody>
+      </p:sp>
+    </p:spTree>
+    <p:extLst>
+      <p:ext uri="{BB962C8B-B14F-4D97-AF65-F5344CB8AC3E}">
+        <p14:creationId xmlns:p14="http://schemas.microsoft.com/office/powerpoint/2010/main" val="3217498132"/>
       </p:ext>
     </p:extLst>
   </p:cSld>
